--- a/Taming The Trolls.pptx
+++ b/Taming The Trolls.pptx
@@ -27,43 +27,42 @@
     <p:sldId id="272" r:id="rId22"/>
     <p:sldId id="273" r:id="rId23"/>
     <p:sldId id="274" r:id="rId24"/>
-    <p:sldId id="275" r:id="rId25"/>
   </p:sldIdLst>
   <p:sldSz cy="5143500" cx="9144000"/>
   <p:notesSz cx="6858000" cy="9144000"/>
   <p:embeddedFontLst>
     <p:embeddedFont>
       <p:font typeface="Raleway"/>
-      <p:regular r:id="rId26"/>
-      <p:bold r:id="rId27"/>
-      <p:italic r:id="rId28"/>
-      <p:boldItalic r:id="rId29"/>
+      <p:regular r:id="rId25"/>
+      <p:bold r:id="rId26"/>
+      <p:italic r:id="rId27"/>
+      <p:boldItalic r:id="rId28"/>
     </p:embeddedFont>
     <p:embeddedFont>
       <p:font typeface="Raleway SemiBold"/>
-      <p:regular r:id="rId30"/>
-      <p:bold r:id="rId31"/>
-      <p:italic r:id="rId32"/>
-      <p:boldItalic r:id="rId33"/>
+      <p:regular r:id="rId29"/>
+      <p:bold r:id="rId30"/>
+      <p:italic r:id="rId31"/>
+      <p:boldItalic r:id="rId32"/>
     </p:embeddedFont>
     <p:embeddedFont>
       <p:font typeface="Raleway ExtraBold"/>
-      <p:bold r:id="rId34"/>
-      <p:boldItalic r:id="rId35"/>
+      <p:bold r:id="rId33"/>
+      <p:boldItalic r:id="rId34"/>
     </p:embeddedFont>
     <p:embeddedFont>
       <p:font typeface="Roboto"/>
-      <p:regular r:id="rId36"/>
-      <p:bold r:id="rId37"/>
-      <p:italic r:id="rId38"/>
-      <p:boldItalic r:id="rId39"/>
+      <p:regular r:id="rId35"/>
+      <p:bold r:id="rId36"/>
+      <p:italic r:id="rId37"/>
+      <p:boldItalic r:id="rId38"/>
     </p:embeddedFont>
     <p:embeddedFont>
       <p:font typeface="Lato"/>
-      <p:regular r:id="rId40"/>
-      <p:bold r:id="rId41"/>
-      <p:italic r:id="rId42"/>
-      <p:boldItalic r:id="rId43"/>
+      <p:regular r:id="rId39"/>
+      <p:bold r:id="rId40"/>
+      <p:italic r:id="rId41"/>
+      <p:boldItalic r:id="rId42"/>
     </p:embeddedFont>
   </p:embeddedFontLst>
   <p:defaultTextStyle>
@@ -900,7 +899,7 @@
   <p:cSld>
     <p:spTree>
       <p:nvGrpSpPr>
-        <p:cNvPr id="131" name="Shape 131"/>
+        <p:cNvPr id="132" name="Shape 132"/>
         <p:cNvGrpSpPr/>
         <p:nvPr/>
       </p:nvGrpSpPr>
@@ -914,7 +913,7 @@
       </p:grpSpPr>
       <p:sp>
         <p:nvSpPr>
-          <p:cNvPr id="132" name="Google Shape;132;g1e59d677230_1_1452:notes"/>
+          <p:cNvPr id="133" name="Google Shape;133;g1e59d677230_1_1382:notes"/>
           <p:cNvSpPr/>
           <p:nvPr>
             <p:ph idx="2" type="sldImg"/>
@@ -949,7 +948,7 @@
       </p:sp>
       <p:sp>
         <p:nvSpPr>
-          <p:cNvPr id="133" name="Google Shape;133;g1e59d677230_1_1452:notes"/>
+          <p:cNvPr id="134" name="Google Shape;134;g1e59d677230_1_1382:notes"/>
           <p:cNvSpPr txBox="1"/>
           <p:nvPr>
             <p:ph idx="1" type="body"/>
@@ -980,19 +979,7 @@
               <a:buNone/>
             </a:pPr>
             <a:r>
-              <a:rPr lang="en" sz="1200">
-                <a:solidFill>
-                  <a:srgbClr val="D1D5DB"/>
-                </a:solidFill>
-                <a:highlight>
-                  <a:srgbClr val="444654"/>
-                </a:highlight>
-                <a:latin typeface="Roboto"/>
-                <a:ea typeface="Roboto"/>
-                <a:cs typeface="Roboto"/>
-                <a:sym typeface="Roboto"/>
-              </a:rPr>
-              <a:t>involves reducing words to their base or root form, known as the "lemma."</a:t>
+              <a:t/>
             </a:r>
             <a:endParaRPr/>
           </a:p>
@@ -1025,7 +1012,7 @@
       </p:grpSpPr>
       <p:sp>
         <p:nvSpPr>
-          <p:cNvPr id="138" name="Google Shape;138;g1e59d677230_1_1382:notes"/>
+          <p:cNvPr id="138" name="Google Shape;138;g1e59d677230_1_1394:notes"/>
           <p:cNvSpPr/>
           <p:nvPr>
             <p:ph idx="2" type="sldImg"/>
@@ -1060,7 +1047,7 @@
       </p:sp>
       <p:sp>
         <p:nvSpPr>
-          <p:cNvPr id="139" name="Google Shape;139;g1e59d677230_1_1382:notes"/>
+          <p:cNvPr id="139" name="Google Shape;139;g1e59d677230_1_1394:notes"/>
           <p:cNvSpPr txBox="1"/>
           <p:nvPr>
             <p:ph idx="1" type="body"/>
@@ -1110,7 +1097,7 @@
   <p:cSld>
     <p:spTree>
       <p:nvGrpSpPr>
-        <p:cNvPr id="142" name="Shape 142"/>
+        <p:cNvPr id="144" name="Shape 144"/>
         <p:cNvGrpSpPr/>
         <p:nvPr/>
       </p:nvGrpSpPr>
@@ -1124,7 +1111,7 @@
       </p:grpSpPr>
       <p:sp>
         <p:nvSpPr>
-          <p:cNvPr id="143" name="Google Shape;143;g1e59d677230_1_1394:notes"/>
+          <p:cNvPr id="145" name="Google Shape;145;g1e59d677230_1_1400:notes"/>
           <p:cNvSpPr/>
           <p:nvPr>
             <p:ph idx="2" type="sldImg"/>
@@ -1159,7 +1146,7 @@
       </p:sp>
       <p:sp>
         <p:nvSpPr>
-          <p:cNvPr id="144" name="Google Shape;144;g1e59d677230_1_1394:notes"/>
+          <p:cNvPr id="146" name="Google Shape;146;g1e59d677230_1_1400:notes"/>
           <p:cNvSpPr txBox="1"/>
           <p:nvPr>
             <p:ph idx="1" type="body"/>
@@ -1180,19 +1167,61 @@
           </a:bodyPr>
           <a:lstStyle/>
           <a:p>
-            <a:pPr indent="0" lvl="0" marL="0" rtl="0" algn="l">
-              <a:spcBef>
-                <a:spcPts val="0"/>
-              </a:spcBef>
-              <a:spcAft>
-                <a:spcPts val="0"/>
-              </a:spcAft>
-              <a:buNone/>
+            <a:pPr indent="-285750" lvl="0" marL="457200" rtl="0" algn="l">
+              <a:lnSpc>
+                <a:spcPct val="115000"/>
+              </a:lnSpc>
+              <a:spcBef>
+                <a:spcPts val="1200"/>
+              </a:spcBef>
+              <a:spcAft>
+                <a:spcPts val="0"/>
+              </a:spcAft>
+              <a:buClr>
+                <a:schemeClr val="dk1"/>
+              </a:buClr>
+              <a:buSzPts val="900"/>
+              <a:buChar char="●"/>
             </a:pPr>
             <a:r>
+              <a:rPr lang="en" sz="900">
+                <a:solidFill>
+                  <a:schemeClr val="dk1"/>
+                </a:solidFill>
+              </a:rPr>
+              <a:t>It looks at how often words appear in each piece of text (Term Frequency) and how unique those words are across all the texts (Inverse Document Frequency) to help understand what words are important in each piece of text.</a:t>
+            </a:r>
+            <a:endParaRPr sz="900">
+              <a:solidFill>
+                <a:schemeClr val="dk1"/>
+              </a:solidFill>
+            </a:endParaRPr>
+          </a:p>
+          <a:p>
+            <a:pPr indent="-285750" lvl="0" marL="457200" rtl="0" algn="l">
+              <a:lnSpc>
+                <a:spcPct val="115000"/>
+              </a:lnSpc>
+              <a:spcBef>
+                <a:spcPts val="0"/>
+              </a:spcBef>
+              <a:spcAft>
+                <a:spcPts val="0"/>
+              </a:spcAft>
+              <a:buClr>
+                <a:schemeClr val="dk1"/>
+              </a:buClr>
+              <a:buSzPts val="900"/>
+              <a:buChar char="●"/>
+            </a:pPr>
+            <a:r>
               <a:t/>
             </a:r>
-            <a:endParaRPr/>
+            <a:endParaRPr sz="900">
+              <a:solidFill>
+                <a:schemeClr val="dk1"/>
+              </a:solidFill>
+            </a:endParaRPr>
           </a:p>
         </p:txBody>
       </p:sp>
@@ -1223,7 +1252,7 @@
       </p:grpSpPr>
       <p:sp>
         <p:nvSpPr>
-          <p:cNvPr id="150" name="Google Shape;150;g1e59d677230_1_1400:notes"/>
+          <p:cNvPr id="150" name="Google Shape;150;g1e59d677230_1_1409:notes"/>
           <p:cNvSpPr/>
           <p:nvPr>
             <p:ph idx="2" type="sldImg"/>
@@ -1258,7 +1287,7 @@
       </p:sp>
       <p:sp>
         <p:nvSpPr>
-          <p:cNvPr id="151" name="Google Shape;151;g1e59d677230_1_1400:notes"/>
+          <p:cNvPr id="151" name="Google Shape;151;g1e59d677230_1_1409:notes"/>
           <p:cNvSpPr txBox="1"/>
           <p:nvPr>
             <p:ph idx="1" type="body"/>
@@ -1279,7 +1308,7 @@
           </a:bodyPr>
           <a:lstStyle/>
           <a:p>
-            <a:pPr indent="-285750" lvl="0" marL="457200" rtl="0" algn="l">
+            <a:pPr indent="0" lvl="0" marL="0" rtl="0" algn="l">
               <a:lnSpc>
                 <a:spcPct val="115000"/>
               </a:lnSpc>
@@ -1287,44 +1316,9 @@
                 <a:spcPts val="1200"/>
               </a:spcBef>
               <a:spcAft>
-                <a:spcPts val="0"/>
-              </a:spcAft>
-              <a:buClr>
-                <a:schemeClr val="dk1"/>
-              </a:buClr>
-              <a:buSzPts val="900"/>
-              <a:buChar char="●"/>
-            </a:pPr>
-            <a:r>
-              <a:rPr lang="en" sz="900">
-                <a:solidFill>
-                  <a:schemeClr val="dk1"/>
-                </a:solidFill>
-              </a:rPr>
-              <a:t>It looks at how often words appear in each piece of text (Term Frequency) and how unique those words are across all the texts (Inverse Document Frequency) to help understand what words are important in each piece of text.</a:t>
-            </a:r>
-            <a:endParaRPr sz="900">
-              <a:solidFill>
-                <a:schemeClr val="dk1"/>
-              </a:solidFill>
-            </a:endParaRPr>
-          </a:p>
-          <a:p>
-            <a:pPr indent="-285750" lvl="0" marL="457200" rtl="0" algn="l">
-              <a:lnSpc>
-                <a:spcPct val="115000"/>
-              </a:lnSpc>
-              <a:spcBef>
-                <a:spcPts val="0"/>
-              </a:spcBef>
-              <a:spcAft>
-                <a:spcPts val="0"/>
-              </a:spcAft>
-              <a:buClr>
-                <a:schemeClr val="dk1"/>
-              </a:buClr>
-              <a:buSzPts val="900"/>
-              <a:buChar char="●"/>
+                <a:spcPts val="1200"/>
+              </a:spcAft>
+              <a:buNone/>
             </a:pPr>
             <a:r>
               <a:t/>
@@ -1364,7 +1358,7 @@
       </p:grpSpPr>
       <p:sp>
         <p:nvSpPr>
-          <p:cNvPr id="155" name="Google Shape;155;g1e59d677230_1_1409:notes"/>
+          <p:cNvPr id="155" name="Google Shape;155;g1e59d677230_1_1415:notes"/>
           <p:cNvSpPr/>
           <p:nvPr>
             <p:ph idx="2" type="sldImg"/>
@@ -1399,7 +1393,7 @@
       </p:sp>
       <p:sp>
         <p:nvSpPr>
-          <p:cNvPr id="156" name="Google Shape;156;g1e59d677230_1_1409:notes"/>
+          <p:cNvPr id="156" name="Google Shape;156;g1e59d677230_1_1415:notes"/>
           <p:cNvSpPr txBox="1"/>
           <p:nvPr>
             <p:ph idx="1" type="body"/>
@@ -1421,25 +1415,18 @@
           <a:lstStyle/>
           <a:p>
             <a:pPr indent="0" lvl="0" marL="0" rtl="0" algn="l">
-              <a:lnSpc>
-                <a:spcPct val="115000"/>
-              </a:lnSpc>
-              <a:spcBef>
-                <a:spcPts val="1200"/>
-              </a:spcBef>
-              <a:spcAft>
-                <a:spcPts val="1200"/>
+              <a:spcBef>
+                <a:spcPts val="0"/>
+              </a:spcBef>
+              <a:spcAft>
+                <a:spcPts val="0"/>
               </a:spcAft>
               <a:buNone/>
             </a:pPr>
             <a:r>
               <a:t/>
             </a:r>
-            <a:endParaRPr sz="900">
-              <a:solidFill>
-                <a:schemeClr val="dk1"/>
-              </a:solidFill>
-            </a:endParaRPr>
+            <a:endParaRPr/>
           </a:p>
         </p:txBody>
       </p:sp>
@@ -1456,7 +1443,7 @@
   <p:cSld>
     <p:spTree>
       <p:nvGrpSpPr>
-        <p:cNvPr id="159" name="Shape 159"/>
+        <p:cNvPr id="161" name="Shape 161"/>
         <p:cNvGrpSpPr/>
         <p:nvPr/>
       </p:nvGrpSpPr>
@@ -1470,7 +1457,7 @@
       </p:grpSpPr>
       <p:sp>
         <p:nvSpPr>
-          <p:cNvPr id="160" name="Google Shape;160;g1e59d677230_1_1415:notes"/>
+          <p:cNvPr id="162" name="Google Shape;162;g1e59d677230_1_1435:notes"/>
           <p:cNvSpPr/>
           <p:nvPr>
             <p:ph idx="2" type="sldImg"/>
@@ -1505,7 +1492,7 @@
       </p:sp>
       <p:sp>
         <p:nvSpPr>
-          <p:cNvPr id="161" name="Google Shape;161;g1e59d677230_1_1415:notes"/>
+          <p:cNvPr id="163" name="Google Shape;163;g1e59d677230_1_1435:notes"/>
           <p:cNvSpPr txBox="1"/>
           <p:nvPr>
             <p:ph idx="1" type="body"/>
@@ -1525,6 +1512,38 @@
             <a:noAutofit/>
           </a:bodyPr>
           <a:lstStyle/>
+          <a:p>
+            <a:pPr indent="0" lvl="0" marL="0" rtl="0" algn="l">
+              <a:lnSpc>
+                <a:spcPct val="115000"/>
+              </a:lnSpc>
+              <a:spcBef>
+                <a:spcPts val="0"/>
+              </a:spcBef>
+              <a:spcAft>
+                <a:spcPts val="0"/>
+              </a:spcAft>
+              <a:buClr>
+                <a:schemeClr val="dk1"/>
+              </a:buClr>
+              <a:buSzPts val="1100"/>
+              <a:buFont typeface="Arial"/>
+              <a:buNone/>
+            </a:pPr>
+            <a:r>
+              <a:rPr lang="en" sz="900">
+                <a:solidFill>
+                  <a:schemeClr val="dk1"/>
+                </a:solidFill>
+              </a:rPr>
+              <a:t>This approach simplifies the multilabel problem into several binary classification problems, where each classifier focuses on one label independently. It's important to note that this approach doesn't take into account potential dependencies or correlations between different labels.</a:t>
+            </a:r>
+            <a:endParaRPr sz="900">
+              <a:solidFill>
+                <a:schemeClr val="dk1"/>
+              </a:solidFill>
+            </a:endParaRPr>
+          </a:p>
           <a:p>
             <a:pPr indent="0" lvl="0" marL="0" rtl="0" algn="l">
               <a:spcBef>
@@ -1569,7 +1588,7 @@
       </p:grpSpPr>
       <p:sp>
         <p:nvSpPr>
-          <p:cNvPr id="167" name="Google Shape;167;g1e59d677230_1_1435:notes"/>
+          <p:cNvPr id="167" name="Google Shape;167;g1e59d677230_1_1439:notes"/>
           <p:cNvSpPr/>
           <p:nvPr>
             <p:ph idx="2" type="sldImg"/>
@@ -1604,7 +1623,7 @@
       </p:sp>
       <p:sp>
         <p:nvSpPr>
-          <p:cNvPr id="168" name="Google Shape;168;g1e59d677230_1_1435:notes"/>
+          <p:cNvPr id="168" name="Google Shape;168;g1e59d677230_1_1439:notes"/>
           <p:cNvSpPr txBox="1"/>
           <p:nvPr>
             <p:ph idx="1" type="body"/>
@@ -1648,26 +1667,7 @@
                   <a:schemeClr val="dk1"/>
                 </a:solidFill>
               </a:rPr>
-              <a:t>This approach simplifies the multilabel problem into several binary classification problems, where each classifier focuses on one label independently. It's important to note that this approach doesn't take into account potential dependencies or correlations between different labels.</a:t>
-            </a:r>
-            <a:endParaRPr sz="900">
-              <a:solidFill>
-                <a:schemeClr val="dk1"/>
-              </a:solidFill>
-            </a:endParaRPr>
-          </a:p>
-          <a:p>
-            <a:pPr indent="0" lvl="0" marL="0" rtl="0" algn="l">
-              <a:spcBef>
-                <a:spcPts val="0"/>
-              </a:spcBef>
-              <a:spcAft>
-                <a:spcPts val="0"/>
-              </a:spcAft>
-              <a:buNone/>
-            </a:pPr>
-            <a:r>
-              <a:t/>
+              <a:t> Hamming Loss is a metric used to measure the accuracy of multilabel classification models, particularly in cases where instances can belong to multiple classes simultaneously. It quantifies the fraction of labels that are incorrectly predicted for a given set of instances.</a:t>
             </a:r>
             <a:endParaRPr/>
           </a:p>
@@ -1700,7 +1700,7 @@
       </p:grpSpPr>
       <p:sp>
         <p:nvSpPr>
-          <p:cNvPr id="172" name="Google Shape;172;g1e59d677230_1_1439:notes"/>
+          <p:cNvPr id="172" name="Google Shape;172;g1e59d677230_1_1446:notes"/>
           <p:cNvSpPr/>
           <p:nvPr>
             <p:ph idx="2" type="sldImg"/>
@@ -1735,7 +1735,7 @@
       </p:sp>
       <p:sp>
         <p:nvSpPr>
-          <p:cNvPr id="173" name="Google Shape;173;g1e59d677230_1_1439:notes"/>
+          <p:cNvPr id="173" name="Google Shape;173;g1e59d677230_1_1446:notes"/>
           <p:cNvSpPr txBox="1"/>
           <p:nvPr>
             <p:ph idx="1" type="body"/>
@@ -1757,29 +1757,16 @@
           <a:lstStyle/>
           <a:p>
             <a:pPr indent="0" lvl="0" marL="0" rtl="0" algn="l">
-              <a:lnSpc>
-                <a:spcPct val="115000"/>
-              </a:lnSpc>
-              <a:spcBef>
-                <a:spcPts val="0"/>
-              </a:spcBef>
-              <a:spcAft>
-                <a:spcPts val="0"/>
-              </a:spcAft>
-              <a:buClr>
-                <a:schemeClr val="dk1"/>
-              </a:buClr>
-              <a:buSzPts val="1100"/>
-              <a:buFont typeface="Arial"/>
+              <a:spcBef>
+                <a:spcPts val="0"/>
+              </a:spcBef>
+              <a:spcAft>
+                <a:spcPts val="0"/>
+              </a:spcAft>
               <a:buNone/>
             </a:pPr>
             <a:r>
-              <a:rPr lang="en" sz="900">
-                <a:solidFill>
-                  <a:schemeClr val="dk1"/>
-                </a:solidFill>
-              </a:rPr>
-              <a:t> Hamming Loss is a metric used to measure the accuracy of multilabel classification models, particularly in cases where instances can belong to multiple classes simultaneously. It quantifies the fraction of labels that are incorrectly predicted for a given set of instances.</a:t>
+              <a:t/>
             </a:r>
             <a:endParaRPr/>
           </a:p>
@@ -1798,7 +1785,7 @@
   <p:cSld>
     <p:spTree>
       <p:nvGrpSpPr>
-        <p:cNvPr id="176" name="Shape 176"/>
+        <p:cNvPr id="178" name="Shape 178"/>
         <p:cNvGrpSpPr/>
         <p:nvPr/>
       </p:nvGrpSpPr>
@@ -1812,7 +1799,7 @@
       </p:grpSpPr>
       <p:sp>
         <p:nvSpPr>
-          <p:cNvPr id="177" name="Google Shape;177;g1e59d677230_1_1446:notes"/>
+          <p:cNvPr id="179" name="Google Shape;179;g1e59d677230_1_1745:notes"/>
           <p:cNvSpPr/>
           <p:nvPr>
             <p:ph idx="2" type="sldImg"/>
@@ -1847,7 +1834,7 @@
       </p:sp>
       <p:sp>
         <p:nvSpPr>
-          <p:cNvPr id="178" name="Google Shape;178;g1e59d677230_1_1446:notes"/>
+          <p:cNvPr id="180" name="Google Shape;180;g1e59d677230_1_1745:notes"/>
           <p:cNvSpPr txBox="1"/>
           <p:nvPr>
             <p:ph idx="1" type="body"/>
@@ -1897,7 +1884,7 @@
   <p:cSld>
     <p:spTree>
       <p:nvGrpSpPr>
-        <p:cNvPr id="183" name="Shape 183"/>
+        <p:cNvPr id="185" name="Shape 185"/>
         <p:cNvGrpSpPr/>
         <p:nvPr/>
       </p:nvGrpSpPr>
@@ -1911,7 +1898,7 @@
       </p:grpSpPr>
       <p:sp>
         <p:nvSpPr>
-          <p:cNvPr id="184" name="Google Shape;184;g1e59d677230_1_1499:notes"/>
+          <p:cNvPr id="186" name="Google Shape;186;g1e59d677230_1_1508:notes"/>
           <p:cNvSpPr/>
           <p:nvPr>
             <p:ph idx="2" type="sldImg"/>
@@ -1946,7 +1933,7 @@
       </p:sp>
       <p:sp>
         <p:nvSpPr>
-          <p:cNvPr id="185" name="Google Shape;185;g1e59d677230_1_1499:notes"/>
+          <p:cNvPr id="187" name="Google Shape;187;g1e59d677230_1_1508:notes"/>
           <p:cNvSpPr txBox="1"/>
           <p:nvPr>
             <p:ph idx="1" type="body"/>
@@ -2164,12 +2151,12 @@
 </p:notes>
 </file>
 
-<file path=ppt/notesSlides/notesSlide20.xml><?xml version="1.0" encoding="utf-8"?>
+<file path=ppt/notesSlides/notesSlide3.xml><?xml version="1.0" encoding="utf-8"?>
 <p:notes xmlns:a="http://schemas.openxmlformats.org/drawingml/2006/main" xmlns:r="http://schemas.openxmlformats.org/officeDocument/2006/relationships" xmlns:mc="http://schemas.openxmlformats.org/markup-compatibility/2006" xmlns:mv="urn:schemas-microsoft-com:mac:vml" xmlns:p="http://schemas.openxmlformats.org/presentationml/2006/main" xmlns:c="http://schemas.openxmlformats.org/drawingml/2006/chart" xmlns:dgm="http://schemas.openxmlformats.org/drawingml/2006/diagram" xmlns:o="urn:schemas-microsoft-com:office:office" xmlns:v="urn:schemas-microsoft-com:vml" xmlns:pvml="urn:schemas-microsoft-com:office:powerpoint" xmlns:com="http://schemas.openxmlformats.org/drawingml/2006/compatibility" xmlns:p14="http://schemas.microsoft.com/office/powerpoint/2010/main" xmlns:p15="http://schemas.microsoft.com/office/powerpoint/2012/main" xmlns:ahyp="http://schemas.microsoft.com/office/drawing/2018/hyperlinkcolor" showMasterPhAnim="0" showMasterSp="0">
   <p:cSld>
     <p:spTree>
       <p:nvGrpSpPr>
-        <p:cNvPr id="188" name="Shape 188"/>
+        <p:cNvPr id="79" name="Shape 79"/>
         <p:cNvGrpSpPr/>
         <p:nvPr/>
       </p:nvGrpSpPr>
@@ -2183,7 +2170,7 @@
       </p:grpSpPr>
       <p:sp>
         <p:nvSpPr>
-          <p:cNvPr id="189" name="Google Shape;189;g1e59d677230_1_1508:notes"/>
+          <p:cNvPr id="80" name="Google Shape;80;g1e59d677230_1_14:notes"/>
           <p:cNvSpPr/>
           <p:nvPr>
             <p:ph idx="2" type="sldImg"/>
@@ -2218,7 +2205,7 @@
       </p:sp>
       <p:sp>
         <p:nvSpPr>
-          <p:cNvPr id="190" name="Google Shape;190;g1e59d677230_1_1508:notes"/>
+          <p:cNvPr id="81" name="Google Shape;81;g1e59d677230_1_14:notes"/>
           <p:cNvSpPr txBox="1"/>
           <p:nvPr>
             <p:ph idx="1" type="body"/>
@@ -2239,6 +2226,94 @@
           </a:bodyPr>
           <a:lstStyle/>
           <a:p>
+            <a:pPr indent="-285750" lvl="0" marL="457200" rtl="0" algn="l">
+              <a:lnSpc>
+                <a:spcPct val="115000"/>
+              </a:lnSpc>
+              <a:spcBef>
+                <a:spcPts val="0"/>
+              </a:spcBef>
+              <a:spcAft>
+                <a:spcPts val="0"/>
+              </a:spcAft>
+              <a:buClr>
+                <a:schemeClr val="dk1"/>
+              </a:buClr>
+              <a:buSzPts val="900"/>
+              <a:buFont typeface="Raleway"/>
+              <a:buChar char="❏"/>
+            </a:pPr>
+            <a:r>
+              <a:rPr i="1" lang="en" sz="900">
+                <a:solidFill>
+                  <a:schemeClr val="dk1"/>
+                </a:solidFill>
+              </a:rPr>
+              <a:t>Online conversation can devolve into harassment and toxic speech. Often their anonymous and may say things they wouldn’t otherwise say to a person face to face.  </a:t>
+            </a:r>
+            <a:r>
+              <a:rPr b="1" lang="en" sz="900">
+                <a:solidFill>
+                  <a:schemeClr val="dk1"/>
+                </a:solidFill>
+                <a:latin typeface="Raleway"/>
+                <a:ea typeface="Raleway"/>
+                <a:cs typeface="Raleway"/>
+                <a:sym typeface="Raleway"/>
+              </a:rPr>
+              <a:t>Online Platforms continue to struggle to effectively mitigate harassment and toxicity,</a:t>
+            </a:r>
+            <a:endParaRPr b="1" sz="900">
+              <a:solidFill>
+                <a:schemeClr val="dk1"/>
+              </a:solidFill>
+              <a:latin typeface="Raleway"/>
+              <a:ea typeface="Raleway"/>
+              <a:cs typeface="Raleway"/>
+              <a:sym typeface="Raleway"/>
+            </a:endParaRPr>
+          </a:p>
+          <a:p>
+            <a:pPr indent="-285750" lvl="0" marL="457200" rtl="0" algn="l">
+              <a:lnSpc>
+                <a:spcPct val="115000"/>
+              </a:lnSpc>
+              <a:spcBef>
+                <a:spcPts val="0"/>
+              </a:spcBef>
+              <a:spcAft>
+                <a:spcPts val="0"/>
+              </a:spcAft>
+              <a:buClr>
+                <a:schemeClr val="dk1"/>
+              </a:buClr>
+              <a:buSzPts val="900"/>
+              <a:buFont typeface="Raleway Medium"/>
+              <a:buChar char="❏"/>
+            </a:pPr>
+            <a:r>
+              <a:rPr b="1" lang="en" sz="900">
+                <a:solidFill>
+                  <a:schemeClr val="dk1"/>
+                </a:solidFill>
+                <a:latin typeface="Raleway"/>
+                <a:ea typeface="Raleway"/>
+                <a:cs typeface="Raleway"/>
+                <a:sym typeface="Raleway"/>
+              </a:rPr>
+              <a:t>The way that we interact with each other online can have a profound impact how we view ourselves and how we show up in our daily lives. </a:t>
+            </a:r>
+            <a:endParaRPr b="1" sz="900">
+              <a:solidFill>
+                <a:schemeClr val="dk1"/>
+              </a:solidFill>
+              <a:latin typeface="Raleway"/>
+              <a:ea typeface="Raleway"/>
+              <a:cs typeface="Raleway"/>
+              <a:sym typeface="Raleway"/>
+            </a:endParaRPr>
+          </a:p>
+          <a:p>
             <a:pPr indent="0" lvl="0" marL="0" rtl="0" algn="l">
               <a:spcBef>
                 <a:spcPts val="0"/>
@@ -2263,12 +2338,12 @@
 </p:notes>
 </file>
 
-<file path=ppt/notesSlides/notesSlide3.xml><?xml version="1.0" encoding="utf-8"?>
+<file path=ppt/notesSlides/notesSlide4.xml><?xml version="1.0" encoding="utf-8"?>
 <p:notes xmlns:a="http://schemas.openxmlformats.org/drawingml/2006/main" xmlns:r="http://schemas.openxmlformats.org/officeDocument/2006/relationships" xmlns:mc="http://schemas.openxmlformats.org/markup-compatibility/2006" xmlns:mv="urn:schemas-microsoft-com:mac:vml" xmlns:p="http://schemas.openxmlformats.org/presentationml/2006/main" xmlns:c="http://schemas.openxmlformats.org/drawingml/2006/chart" xmlns:dgm="http://schemas.openxmlformats.org/drawingml/2006/diagram" xmlns:o="urn:schemas-microsoft-com:office:office" xmlns:v="urn:schemas-microsoft-com:vml" xmlns:pvml="urn:schemas-microsoft-com:office:powerpoint" xmlns:com="http://schemas.openxmlformats.org/drawingml/2006/compatibility" xmlns:p14="http://schemas.microsoft.com/office/powerpoint/2010/main" xmlns:p15="http://schemas.microsoft.com/office/powerpoint/2012/main" xmlns:ahyp="http://schemas.microsoft.com/office/drawing/2018/hyperlinkcolor" showMasterPhAnim="0" showMasterSp="0">
   <p:cSld>
     <p:spTree>
       <p:nvGrpSpPr>
-        <p:cNvPr id="79" name="Shape 79"/>
+        <p:cNvPr id="84" name="Shape 84"/>
         <p:cNvGrpSpPr/>
         <p:nvPr/>
       </p:nvGrpSpPr>
@@ -2282,7 +2357,7 @@
       </p:grpSpPr>
       <p:sp>
         <p:nvSpPr>
-          <p:cNvPr id="80" name="Google Shape;80;g1e59d677230_1_10:notes"/>
+          <p:cNvPr id="85" name="Google Shape;85;g1e59d677230_1_409:notes"/>
           <p:cNvSpPr/>
           <p:nvPr>
             <p:ph idx="2" type="sldImg"/>
@@ -2317,7 +2392,7 @@
       </p:sp>
       <p:sp>
         <p:nvSpPr>
-          <p:cNvPr id="81" name="Google Shape;81;g1e59d677230_1_10:notes"/>
+          <p:cNvPr id="86" name="Google Shape;86;g1e59d677230_1_409:notes"/>
           <p:cNvSpPr txBox="1"/>
           <p:nvPr>
             <p:ph idx="1" type="body"/>
@@ -2339,106 +2414,18 @@
           <a:lstStyle/>
           <a:p>
             <a:pPr indent="0" lvl="0" marL="0" rtl="0" algn="l">
-              <a:lnSpc>
-                <a:spcPct val="115000"/>
-              </a:lnSpc>
-              <a:spcBef>
-                <a:spcPts val="0"/>
-              </a:spcBef>
-              <a:spcAft>
-                <a:spcPts val="0"/>
-              </a:spcAft>
-              <a:buClr>
-                <a:schemeClr val="dk1"/>
-              </a:buClr>
-              <a:buSzPts val="1100"/>
-              <a:buFont typeface="Arial"/>
+              <a:spcBef>
+                <a:spcPts val="0"/>
+              </a:spcBef>
+              <a:spcAft>
+                <a:spcPts val="0"/>
+              </a:spcAft>
               <a:buNone/>
             </a:pPr>
             <a:r>
               <a:t/>
             </a:r>
-            <a:endParaRPr i="1" sz="900">
-              <a:solidFill>
-                <a:schemeClr val="dk1"/>
-              </a:solidFill>
-            </a:endParaRPr>
-          </a:p>
-          <a:p>
-            <a:pPr indent="0" lvl="0" marL="0" rtl="0" algn="l">
-              <a:lnSpc>
-                <a:spcPct val="115000"/>
-              </a:lnSpc>
-              <a:spcBef>
-                <a:spcPts val="0"/>
-              </a:spcBef>
-              <a:spcAft>
-                <a:spcPts val="0"/>
-              </a:spcAft>
-              <a:buNone/>
-            </a:pPr>
-            <a:r>
-              <a:rPr lang="en" sz="900">
-                <a:solidFill>
-                  <a:schemeClr val="dk1"/>
-                </a:solidFill>
-              </a:rPr>
-              <a:t>Harmful speech and harassment not only tend to make people less likely to want to share their views and perspectives</a:t>
-            </a:r>
-            <a:endParaRPr sz="900">
-              <a:solidFill>
-                <a:schemeClr val="dk1"/>
-              </a:solidFill>
-            </a:endParaRPr>
-          </a:p>
-          <a:p>
-            <a:pPr indent="0" lvl="0" marL="0" rtl="0" algn="l">
-              <a:lnSpc>
-                <a:spcPct val="115000"/>
-              </a:lnSpc>
-              <a:spcBef>
-                <a:spcPts val="0"/>
-              </a:spcBef>
-              <a:spcAft>
-                <a:spcPts val="0"/>
-              </a:spcAft>
-              <a:buNone/>
-            </a:pPr>
-            <a:r>
-              <a:t/>
-            </a:r>
-            <a:endParaRPr sz="900">
-              <a:solidFill>
-                <a:schemeClr val="dk1"/>
-              </a:solidFill>
-            </a:endParaRPr>
-          </a:p>
-          <a:p>
-            <a:pPr indent="0" lvl="0" marL="0" rtl="0" algn="l">
-              <a:lnSpc>
-                <a:spcPct val="115000"/>
-              </a:lnSpc>
-              <a:spcBef>
-                <a:spcPts val="0"/>
-              </a:spcBef>
-              <a:spcAft>
-                <a:spcPts val="0"/>
-              </a:spcAft>
-              <a:buClr>
-                <a:schemeClr val="dk1"/>
-              </a:buClr>
-              <a:buSzPts val="1100"/>
-              <a:buFont typeface="Arial"/>
-              <a:buNone/>
-            </a:pPr>
-            <a:r>
-              <a:t/>
-            </a:r>
-            <a:endParaRPr sz="900">
-              <a:solidFill>
-                <a:schemeClr val="dk1"/>
-              </a:solidFill>
-            </a:endParaRPr>
+            <a:endParaRPr/>
           </a:p>
         </p:txBody>
       </p:sp>
@@ -2450,12 +2437,12 @@
 </p:notes>
 </file>
 
-<file path=ppt/notesSlides/notesSlide4.xml><?xml version="1.0" encoding="utf-8"?>
+<file path=ppt/notesSlides/notesSlide5.xml><?xml version="1.0" encoding="utf-8"?>
 <p:notes xmlns:a="http://schemas.openxmlformats.org/drawingml/2006/main" xmlns:r="http://schemas.openxmlformats.org/officeDocument/2006/relationships" xmlns:mc="http://schemas.openxmlformats.org/markup-compatibility/2006" xmlns:mv="urn:schemas-microsoft-com:mac:vml" xmlns:p="http://schemas.openxmlformats.org/presentationml/2006/main" xmlns:c="http://schemas.openxmlformats.org/drawingml/2006/chart" xmlns:dgm="http://schemas.openxmlformats.org/drawingml/2006/diagram" xmlns:o="urn:schemas-microsoft-com:office:office" xmlns:v="urn:schemas-microsoft-com:vml" xmlns:pvml="urn:schemas-microsoft-com:office:powerpoint" xmlns:com="http://schemas.openxmlformats.org/drawingml/2006/compatibility" xmlns:p14="http://schemas.microsoft.com/office/powerpoint/2010/main" xmlns:p15="http://schemas.microsoft.com/office/powerpoint/2012/main" xmlns:ahyp="http://schemas.microsoft.com/office/drawing/2018/hyperlinkcolor" showMasterPhAnim="0" showMasterSp="0">
   <p:cSld>
     <p:spTree>
       <p:nvGrpSpPr>
-        <p:cNvPr id="84" name="Shape 84"/>
+        <p:cNvPr id="89" name="Shape 89"/>
         <p:cNvGrpSpPr/>
         <p:nvPr/>
       </p:nvGrpSpPr>
@@ -2469,7 +2456,7 @@
       </p:grpSpPr>
       <p:sp>
         <p:nvSpPr>
-          <p:cNvPr id="85" name="Google Shape;85;g1e59d677230_1_14:notes"/>
+          <p:cNvPr id="90" name="Google Shape;90;g1e59d677230_1_418:notes"/>
           <p:cNvSpPr/>
           <p:nvPr>
             <p:ph idx="2" type="sldImg"/>
@@ -2504,7 +2491,7 @@
       </p:sp>
       <p:sp>
         <p:nvSpPr>
-          <p:cNvPr id="86" name="Google Shape;86;g1e59d677230_1_14:notes"/>
+          <p:cNvPr id="91" name="Google Shape;91;g1e59d677230_1_418:notes"/>
           <p:cNvSpPr txBox="1"/>
           <p:nvPr>
             <p:ph idx="1" type="body"/>
@@ -2525,94 +2512,6 @@
           </a:bodyPr>
           <a:lstStyle/>
           <a:p>
-            <a:pPr indent="-285750" lvl="0" marL="457200" rtl="0" algn="l">
-              <a:lnSpc>
-                <a:spcPct val="115000"/>
-              </a:lnSpc>
-              <a:spcBef>
-                <a:spcPts val="0"/>
-              </a:spcBef>
-              <a:spcAft>
-                <a:spcPts val="0"/>
-              </a:spcAft>
-              <a:buClr>
-                <a:schemeClr val="dk1"/>
-              </a:buClr>
-              <a:buSzPts val="900"/>
-              <a:buFont typeface="Raleway"/>
-              <a:buChar char="❏"/>
-            </a:pPr>
-            <a:r>
-              <a:rPr i="1" lang="en" sz="900">
-                <a:solidFill>
-                  <a:schemeClr val="dk1"/>
-                </a:solidFill>
-              </a:rPr>
-              <a:t>Online conversation can devolve into harassment and toxic speech. Often their anonymous and may say things they wouldn’t otherwise say to a person face to face.  </a:t>
-            </a:r>
-            <a:r>
-              <a:rPr b="1" lang="en" sz="900">
-                <a:solidFill>
-                  <a:schemeClr val="dk1"/>
-                </a:solidFill>
-                <a:latin typeface="Raleway"/>
-                <a:ea typeface="Raleway"/>
-                <a:cs typeface="Raleway"/>
-                <a:sym typeface="Raleway"/>
-              </a:rPr>
-              <a:t>Online Platforms continue to struggle to effectively mitigate harassment and toxicity,</a:t>
-            </a:r>
-            <a:endParaRPr b="1" sz="900">
-              <a:solidFill>
-                <a:schemeClr val="dk1"/>
-              </a:solidFill>
-              <a:latin typeface="Raleway"/>
-              <a:ea typeface="Raleway"/>
-              <a:cs typeface="Raleway"/>
-              <a:sym typeface="Raleway"/>
-            </a:endParaRPr>
-          </a:p>
-          <a:p>
-            <a:pPr indent="-285750" lvl="0" marL="457200" rtl="0" algn="l">
-              <a:lnSpc>
-                <a:spcPct val="115000"/>
-              </a:lnSpc>
-              <a:spcBef>
-                <a:spcPts val="0"/>
-              </a:spcBef>
-              <a:spcAft>
-                <a:spcPts val="0"/>
-              </a:spcAft>
-              <a:buClr>
-                <a:schemeClr val="dk1"/>
-              </a:buClr>
-              <a:buSzPts val="900"/>
-              <a:buFont typeface="Raleway Medium"/>
-              <a:buChar char="❏"/>
-            </a:pPr>
-            <a:r>
-              <a:rPr b="1" lang="en" sz="900">
-                <a:solidFill>
-                  <a:schemeClr val="dk1"/>
-                </a:solidFill>
-                <a:latin typeface="Raleway"/>
-                <a:ea typeface="Raleway"/>
-                <a:cs typeface="Raleway"/>
-                <a:sym typeface="Raleway"/>
-              </a:rPr>
-              <a:t>The way that we interact with each other online can have a profound impact how we view ourselves and how we show up in our daily lives. </a:t>
-            </a:r>
-            <a:endParaRPr b="1" sz="900">
-              <a:solidFill>
-                <a:schemeClr val="dk1"/>
-              </a:solidFill>
-              <a:latin typeface="Raleway"/>
-              <a:ea typeface="Raleway"/>
-              <a:cs typeface="Raleway"/>
-              <a:sym typeface="Raleway"/>
-            </a:endParaRPr>
-          </a:p>
-          <a:p>
             <a:pPr indent="0" lvl="0" marL="0" rtl="0" algn="l">
               <a:spcBef>
                 <a:spcPts val="0"/>
@@ -2637,12 +2536,12 @@
 </p:notes>
 </file>
 
-<file path=ppt/notesSlides/notesSlide5.xml><?xml version="1.0" encoding="utf-8"?>
+<file path=ppt/notesSlides/notesSlide6.xml><?xml version="1.0" encoding="utf-8"?>
 <p:notes xmlns:a="http://schemas.openxmlformats.org/drawingml/2006/main" xmlns:r="http://schemas.openxmlformats.org/officeDocument/2006/relationships" xmlns:mc="http://schemas.openxmlformats.org/markup-compatibility/2006" xmlns:mv="urn:schemas-microsoft-com:mac:vml" xmlns:p="http://schemas.openxmlformats.org/presentationml/2006/main" xmlns:c="http://schemas.openxmlformats.org/drawingml/2006/chart" xmlns:dgm="http://schemas.openxmlformats.org/drawingml/2006/diagram" xmlns:o="urn:schemas-microsoft-com:office:office" xmlns:v="urn:schemas-microsoft-com:vml" xmlns:pvml="urn:schemas-microsoft-com:office:powerpoint" xmlns:com="http://schemas.openxmlformats.org/drawingml/2006/compatibility" xmlns:p14="http://schemas.microsoft.com/office/powerpoint/2010/main" xmlns:p15="http://schemas.microsoft.com/office/powerpoint/2012/main" xmlns:ahyp="http://schemas.microsoft.com/office/drawing/2018/hyperlinkcolor" showMasterPhAnim="0" showMasterSp="0">
   <p:cSld>
     <p:spTree>
       <p:nvGrpSpPr>
-        <p:cNvPr id="89" name="Shape 89"/>
+        <p:cNvPr id="95" name="Shape 95"/>
         <p:cNvGrpSpPr/>
         <p:nvPr/>
       </p:nvGrpSpPr>
@@ -2656,7 +2555,7 @@
       </p:grpSpPr>
       <p:sp>
         <p:nvSpPr>
-          <p:cNvPr id="90" name="Google Shape;90;g1e59d677230_1_409:notes"/>
+          <p:cNvPr id="96" name="Google Shape;96;g1e59d677230_1_1376:notes"/>
           <p:cNvSpPr/>
           <p:nvPr>
             <p:ph idx="2" type="sldImg"/>
@@ -2691,7 +2590,7 @@
       </p:sp>
       <p:sp>
         <p:nvSpPr>
-          <p:cNvPr id="91" name="Google Shape;91;g1e59d677230_1_409:notes"/>
+          <p:cNvPr id="97" name="Google Shape;97;g1e59d677230_1_1376:notes"/>
           <p:cNvSpPr txBox="1"/>
           <p:nvPr>
             <p:ph idx="1" type="body"/>
@@ -2736,12 +2635,12 @@
 </p:notes>
 </file>
 
-<file path=ppt/notesSlides/notesSlide6.xml><?xml version="1.0" encoding="utf-8"?>
+<file path=ppt/notesSlides/notesSlide7.xml><?xml version="1.0" encoding="utf-8"?>
 <p:notes xmlns:a="http://schemas.openxmlformats.org/drawingml/2006/main" xmlns:r="http://schemas.openxmlformats.org/officeDocument/2006/relationships" xmlns:mc="http://schemas.openxmlformats.org/markup-compatibility/2006" xmlns:mv="urn:schemas-microsoft-com:mac:vml" xmlns:p="http://schemas.openxmlformats.org/presentationml/2006/main" xmlns:c="http://schemas.openxmlformats.org/drawingml/2006/chart" xmlns:dgm="http://schemas.openxmlformats.org/drawingml/2006/diagram" xmlns:o="urn:schemas-microsoft-com:office:office" xmlns:v="urn:schemas-microsoft-com:vml" xmlns:pvml="urn:schemas-microsoft-com:office:powerpoint" xmlns:com="http://schemas.openxmlformats.org/drawingml/2006/compatibility" xmlns:p14="http://schemas.microsoft.com/office/powerpoint/2010/main" xmlns:p15="http://schemas.microsoft.com/office/powerpoint/2012/main" xmlns:ahyp="http://schemas.microsoft.com/office/drawing/2018/hyperlinkcolor" showMasterPhAnim="0" showMasterSp="0">
   <p:cSld>
     <p:spTree>
       <p:nvGrpSpPr>
-        <p:cNvPr id="94" name="Shape 94"/>
+        <p:cNvPr id="101" name="Shape 101"/>
         <p:cNvGrpSpPr/>
         <p:nvPr/>
       </p:nvGrpSpPr>
@@ -2755,7 +2654,7 @@
       </p:grpSpPr>
       <p:sp>
         <p:nvSpPr>
-          <p:cNvPr id="95" name="Google Shape;95;g1e59d677230_1_418:notes"/>
+          <p:cNvPr id="102" name="Google Shape;102;g1e59d677230_1_1217:notes"/>
           <p:cNvSpPr/>
           <p:nvPr>
             <p:ph idx="2" type="sldImg"/>
@@ -2790,7 +2689,7 @@
       </p:sp>
       <p:sp>
         <p:nvSpPr>
-          <p:cNvPr id="96" name="Google Shape;96;g1e59d677230_1_418:notes"/>
+          <p:cNvPr id="103" name="Google Shape;103;g1e59d677230_1_1217:notes"/>
           <p:cNvSpPr txBox="1"/>
           <p:nvPr>
             <p:ph idx="1" type="body"/>
@@ -2835,12 +2734,12 @@
 </p:notes>
 </file>
 
-<file path=ppt/notesSlides/notesSlide7.xml><?xml version="1.0" encoding="utf-8"?>
+<file path=ppt/notesSlides/notesSlide8.xml><?xml version="1.0" encoding="utf-8"?>
 <p:notes xmlns:a="http://schemas.openxmlformats.org/drawingml/2006/main" xmlns:r="http://schemas.openxmlformats.org/officeDocument/2006/relationships" xmlns:mc="http://schemas.openxmlformats.org/markup-compatibility/2006" xmlns:mv="urn:schemas-microsoft-com:mac:vml" xmlns:p="http://schemas.openxmlformats.org/presentationml/2006/main" xmlns:c="http://schemas.openxmlformats.org/drawingml/2006/chart" xmlns:dgm="http://schemas.openxmlformats.org/drawingml/2006/diagram" xmlns:o="urn:schemas-microsoft-com:office:office" xmlns:v="urn:schemas-microsoft-com:vml" xmlns:pvml="urn:schemas-microsoft-com:office:powerpoint" xmlns:com="http://schemas.openxmlformats.org/drawingml/2006/compatibility" xmlns:p14="http://schemas.microsoft.com/office/powerpoint/2010/main" xmlns:p15="http://schemas.microsoft.com/office/powerpoint/2012/main" xmlns:ahyp="http://schemas.microsoft.com/office/drawing/2018/hyperlinkcolor" showMasterPhAnim="0" showMasterSp="0">
   <p:cSld>
     <p:spTree>
       <p:nvGrpSpPr>
-        <p:cNvPr id="100" name="Shape 100"/>
+        <p:cNvPr id="121" name="Shape 121"/>
         <p:cNvGrpSpPr/>
         <p:nvPr/>
       </p:nvGrpSpPr>
@@ -2854,7 +2753,7 @@
       </p:grpSpPr>
       <p:sp>
         <p:nvSpPr>
-          <p:cNvPr id="101" name="Google Shape;101;g1e59d677230_1_1376:notes"/>
+          <p:cNvPr id="122" name="Google Shape;122;g1e59d677230_1_1512:notes"/>
           <p:cNvSpPr/>
           <p:nvPr>
             <p:ph idx="2" type="sldImg"/>
@@ -2889,7 +2788,7 @@
       </p:sp>
       <p:sp>
         <p:nvSpPr>
-          <p:cNvPr id="102" name="Google Shape;102;g1e59d677230_1_1376:notes"/>
+          <p:cNvPr id="123" name="Google Shape;123;g1e59d677230_1_1512:notes"/>
           <p:cNvSpPr txBox="1"/>
           <p:nvPr>
             <p:ph idx="1" type="body"/>
@@ -2934,12 +2833,12 @@
 </p:notes>
 </file>
 
-<file path=ppt/notesSlides/notesSlide8.xml><?xml version="1.0" encoding="utf-8"?>
+<file path=ppt/notesSlides/notesSlide9.xml><?xml version="1.0" encoding="utf-8"?>
 <p:notes xmlns:a="http://schemas.openxmlformats.org/drawingml/2006/main" xmlns:r="http://schemas.openxmlformats.org/officeDocument/2006/relationships" xmlns:mc="http://schemas.openxmlformats.org/markup-compatibility/2006" xmlns:mv="urn:schemas-microsoft-com:mac:vml" xmlns:p="http://schemas.openxmlformats.org/presentationml/2006/main" xmlns:c="http://schemas.openxmlformats.org/drawingml/2006/chart" xmlns:dgm="http://schemas.openxmlformats.org/drawingml/2006/diagram" xmlns:o="urn:schemas-microsoft-com:office:office" xmlns:v="urn:schemas-microsoft-com:vml" xmlns:pvml="urn:schemas-microsoft-com:office:powerpoint" xmlns:com="http://schemas.openxmlformats.org/drawingml/2006/compatibility" xmlns:p14="http://schemas.microsoft.com/office/powerpoint/2010/main" xmlns:p15="http://schemas.microsoft.com/office/powerpoint/2012/main" xmlns:ahyp="http://schemas.microsoft.com/office/drawing/2018/hyperlinkcolor" showMasterPhAnim="0" showMasterSp="0">
   <p:cSld>
     <p:spTree>
       <p:nvGrpSpPr>
-        <p:cNvPr id="106" name="Shape 106"/>
+        <p:cNvPr id="126" name="Shape 126"/>
         <p:cNvGrpSpPr/>
         <p:nvPr/>
       </p:nvGrpSpPr>
@@ -2953,7 +2852,7 @@
       </p:grpSpPr>
       <p:sp>
         <p:nvSpPr>
-          <p:cNvPr id="107" name="Google Shape;107;g1e59d677230_1_1217:notes"/>
+          <p:cNvPr id="127" name="Google Shape;127;g1e59d677230_1_1452:notes"/>
           <p:cNvSpPr/>
           <p:nvPr>
             <p:ph idx="2" type="sldImg"/>
@@ -2988,7 +2887,7 @@
       </p:sp>
       <p:sp>
         <p:nvSpPr>
-          <p:cNvPr id="108" name="Google Shape;108;g1e59d677230_1_1217:notes"/>
+          <p:cNvPr id="128" name="Google Shape;128;g1e59d677230_1_1452:notes"/>
           <p:cNvSpPr txBox="1"/>
           <p:nvPr>
             <p:ph idx="1" type="body"/>
@@ -3019,106 +2918,19 @@
               <a:buNone/>
             </a:pPr>
             <a:r>
-              <a:t/>
-            </a:r>
-            <a:endParaRPr/>
-          </a:p>
-        </p:txBody>
-      </p:sp>
-    </p:spTree>
-  </p:cSld>
-  <p:clrMapOvr>
-    <a:masterClrMapping/>
-  </p:clrMapOvr>
-</p:notes>
-</file>
-
-<file path=ppt/notesSlides/notesSlide9.xml><?xml version="1.0" encoding="utf-8"?>
-<p:notes xmlns:a="http://schemas.openxmlformats.org/drawingml/2006/main" xmlns:r="http://schemas.openxmlformats.org/officeDocument/2006/relationships" xmlns:mc="http://schemas.openxmlformats.org/markup-compatibility/2006" xmlns:mv="urn:schemas-microsoft-com:mac:vml" xmlns:p="http://schemas.openxmlformats.org/presentationml/2006/main" xmlns:c="http://schemas.openxmlformats.org/drawingml/2006/chart" xmlns:dgm="http://schemas.openxmlformats.org/drawingml/2006/diagram" xmlns:o="urn:schemas-microsoft-com:office:office" xmlns:v="urn:schemas-microsoft-com:vml" xmlns:pvml="urn:schemas-microsoft-com:office:powerpoint" xmlns:com="http://schemas.openxmlformats.org/drawingml/2006/compatibility" xmlns:p14="http://schemas.microsoft.com/office/powerpoint/2010/main" xmlns:p15="http://schemas.microsoft.com/office/powerpoint/2012/main" xmlns:ahyp="http://schemas.microsoft.com/office/drawing/2018/hyperlinkcolor" showMasterPhAnim="0" showMasterSp="0">
-  <p:cSld>
-    <p:spTree>
-      <p:nvGrpSpPr>
-        <p:cNvPr id="126" name="Shape 126"/>
-        <p:cNvGrpSpPr/>
-        <p:nvPr/>
-      </p:nvGrpSpPr>
-      <p:grpSpPr>
-        <a:xfrm>
-          <a:off x="0" y="0"/>
-          <a:ext cx="0" cy="0"/>
-          <a:chOff x="0" y="0"/>
-          <a:chExt cx="0" cy="0"/>
-        </a:xfrm>
-      </p:grpSpPr>
-      <p:sp>
-        <p:nvSpPr>
-          <p:cNvPr id="127" name="Google Shape;127;g1e59d677230_1_1512:notes"/>
-          <p:cNvSpPr/>
-          <p:nvPr>
-            <p:ph idx="2" type="sldImg"/>
-          </p:nvPr>
-        </p:nvSpPr>
-        <p:spPr>
-          <a:xfrm>
-            <a:off x="381300" y="685800"/>
-            <a:ext cx="6096000" cy="3429000"/>
-          </a:xfrm>
-          <a:custGeom>
-            <a:rect b="b" l="l" r="r" t="t"/>
-            <a:pathLst>
-              <a:path extrusionOk="0" h="120000" w="120000">
-                <a:moveTo>
-                  <a:pt x="0" y="0"/>
-                </a:moveTo>
-                <a:lnTo>
-                  <a:pt x="120000" y="0"/>
-                </a:lnTo>
-                <a:lnTo>
-                  <a:pt x="120000" y="120000"/>
-                </a:lnTo>
-                <a:lnTo>
-                  <a:pt x="0" y="120000"/>
-                </a:lnTo>
-                <a:close/>
-              </a:path>
-            </a:pathLst>
-          </a:custGeom>
-        </p:spPr>
-      </p:sp>
-      <p:sp>
-        <p:nvSpPr>
-          <p:cNvPr id="128" name="Google Shape;128;g1e59d677230_1_1512:notes"/>
-          <p:cNvSpPr txBox="1"/>
-          <p:nvPr>
-            <p:ph idx="1" type="body"/>
-          </p:nvPr>
-        </p:nvSpPr>
-        <p:spPr>
-          <a:xfrm>
-            <a:off x="685800" y="4343400"/>
-            <a:ext cx="5486400" cy="4114800"/>
-          </a:xfrm>
-          <a:prstGeom prst="rect">
-            <a:avLst/>
-          </a:prstGeom>
-        </p:spPr>
-        <p:txBody>
-          <a:bodyPr anchorCtr="0" anchor="t" bIns="91425" lIns="91425" spcFirstLastPara="1" rIns="91425" wrap="square" tIns="91425">
-            <a:noAutofit/>
-          </a:bodyPr>
-          <a:lstStyle/>
-          <a:p>
-            <a:pPr indent="0" lvl="0" marL="0" rtl="0" algn="l">
-              <a:spcBef>
-                <a:spcPts val="0"/>
-              </a:spcBef>
-              <a:spcAft>
-                <a:spcPts val="0"/>
-              </a:spcAft>
-              <a:buNone/>
-            </a:pPr>
-            <a:r>
-              <a:t/>
+              <a:rPr lang="en" sz="1200">
+                <a:solidFill>
+                  <a:srgbClr val="D1D5DB"/>
+                </a:solidFill>
+                <a:highlight>
+                  <a:srgbClr val="444654"/>
+                </a:highlight>
+                <a:latin typeface="Roboto"/>
+                <a:ea typeface="Roboto"/>
+                <a:cs typeface="Roboto"/>
+                <a:sym typeface="Roboto"/>
+              </a:rPr>
+              <a:t>involves reducing words to their base or root form, known as the "lemma."</a:t>
             </a:r>
             <a:endParaRPr/>
           </a:p>
@@ -9161,7 +8973,7 @@
   <p:cSld>
     <p:spTree>
       <p:nvGrpSpPr>
-        <p:cNvPr id="134" name="Shape 134"/>
+        <p:cNvPr id="135" name="Shape 135"/>
         <p:cNvGrpSpPr/>
         <p:nvPr/>
       </p:nvGrpSpPr>
@@ -9175,7 +8987,7 @@
       </p:grpSpPr>
       <p:sp>
         <p:nvSpPr>
-          <p:cNvPr id="135" name="Google Shape;135;p22"/>
+          <p:cNvPr id="136" name="Google Shape;136;p22"/>
           <p:cNvSpPr txBox="1"/>
           <p:nvPr>
             <p:ph type="title"/>
@@ -9183,8 +8995,8 @@
         </p:nvSpPr>
         <p:spPr>
           <a:xfrm>
-            <a:off x="283100" y="198575"/>
-            <a:ext cx="8338200" cy="3185400"/>
+            <a:off x="283100" y="267525"/>
+            <a:ext cx="8790000" cy="4107300"/>
           </a:xfrm>
           <a:prstGeom prst="rect">
             <a:avLst/>
@@ -9203,6 +9015,11 @@
               <a:spcAft>
                 <a:spcPts val="0"/>
               </a:spcAft>
+              <a:buClr>
+                <a:schemeClr val="dk2"/>
+              </a:buClr>
+              <a:buSzPts val="1100"/>
+              <a:buFont typeface="Arial"/>
               <a:buNone/>
             </a:pPr>
             <a:r>
@@ -9211,7 +9028,7 @@
                   <a:schemeClr val="accent5"/>
                 </a:solidFill>
               </a:rPr>
-              <a:t>2. Text</a:t>
+              <a:t>3. </a:t>
             </a:r>
             <a:r>
               <a:rPr lang="en">
@@ -9219,7 +9036,7 @@
                   <a:schemeClr val="accent5"/>
                 </a:solidFill>
               </a:rPr>
-              <a:t> Preprocessing:</a:t>
+              <a:t>Text Augmentation:</a:t>
             </a:r>
             <a:endParaRPr>
               <a:solidFill>
@@ -9228,88 +9045,180 @@
             </a:endParaRPr>
           </a:p>
           <a:p>
-            <a:pPr indent="-381000" lvl="0" marL="457200" rtl="0" algn="l">
-              <a:spcBef>
-                <a:spcPts val="0"/>
-              </a:spcBef>
-              <a:spcAft>
-                <a:spcPts val="0"/>
-              </a:spcAft>
-              <a:buSzPts val="2400"/>
-              <a:buChar char="❏"/>
+            <a:pPr indent="0" lvl="0" marL="0" rtl="0" algn="l">
+              <a:spcBef>
+                <a:spcPts val="0"/>
+              </a:spcBef>
+              <a:spcAft>
+                <a:spcPts val="0"/>
+              </a:spcAft>
+              <a:buNone/>
             </a:pPr>
             <a:r>
-              <a:rPr lang="en" sz="2400"/>
-              <a:t>Stopword Removal: Words like ‘is’, ‘the’, ‘and’, etc.</a:t>
-            </a:r>
-            <a:endParaRPr sz="2400"/>
-          </a:p>
-          <a:p>
-            <a:pPr indent="-381000" lvl="0" marL="457200" rtl="0" algn="l">
-              <a:spcBef>
-                <a:spcPts val="0"/>
-              </a:spcBef>
-              <a:spcAft>
-                <a:spcPts val="0"/>
-              </a:spcAft>
-              <a:buSzPts val="2400"/>
-              <a:buChar char="❏"/>
-            </a:pPr>
-            <a:r>
-              <a:rPr lang="en" sz="2400"/>
-              <a:t>Lemmatization: Reducing words to their base or root form, also known as their ‘lemma’ to simplify text analysis</a:t>
-            </a:r>
-            <a:endParaRPr sz="2400"/>
-          </a:p>
-          <a:p>
-            <a:pPr indent="0" lvl="0" marL="0" rtl="0" algn="l">
-              <a:spcBef>
-                <a:spcPts val="0"/>
-              </a:spcBef>
-              <a:spcAft>
-                <a:spcPts val="0"/>
-              </a:spcAft>
-              <a:buNone/>
-            </a:pPr>
-            <a:r>
-              <a:t/>
-            </a:r>
-            <a:endParaRPr>
+              <a:rPr lang="en" sz="3600">
+                <a:solidFill>
+                  <a:schemeClr val="accent5"/>
+                </a:solidFill>
+              </a:rPr>
+              <a:t>Synonym Replacement</a:t>
+            </a:r>
+            <a:endParaRPr sz="3600">
               <a:solidFill>
                 <a:schemeClr val="accent5"/>
               </a:solidFill>
             </a:endParaRPr>
           </a:p>
+          <a:p>
+            <a:pPr indent="0" lvl="0" marL="0" rtl="0" algn="l">
+              <a:spcBef>
+                <a:spcPts val="0"/>
+              </a:spcBef>
+              <a:spcAft>
+                <a:spcPts val="0"/>
+              </a:spcAft>
+              <a:buNone/>
+            </a:pPr>
+            <a:r>
+              <a:t/>
+            </a:r>
+            <a:endParaRPr sz="1700"/>
+          </a:p>
+          <a:p>
+            <a:pPr indent="-336550" lvl="0" marL="457200" rtl="0" algn="l">
+              <a:spcBef>
+                <a:spcPts val="0"/>
+              </a:spcBef>
+              <a:spcAft>
+                <a:spcPts val="0"/>
+              </a:spcAft>
+              <a:buSzPts val="1700"/>
+              <a:buChar char="-"/>
+            </a:pPr>
+            <a:r>
+              <a:rPr lang="en" sz="1700">
+                <a:solidFill>
+                  <a:schemeClr val="accent5"/>
+                </a:solidFill>
+                <a:highlight>
+                  <a:srgbClr val="353535"/>
+                </a:highlight>
+              </a:rPr>
+              <a:t>Goal:</a:t>
+            </a:r>
+            <a:r>
+              <a:rPr lang="en" sz="1700">
+                <a:highlight>
+                  <a:srgbClr val="353535"/>
+                </a:highlight>
+              </a:rPr>
+              <a:t> Increase the representation of the toxic </a:t>
+            </a:r>
+            <a:r>
+              <a:rPr lang="en" sz="1700">
+                <a:highlight>
+                  <a:srgbClr val="353535"/>
+                </a:highlight>
+              </a:rPr>
+              <a:t>comment samples</a:t>
+            </a:r>
+            <a:endParaRPr sz="1700"/>
+          </a:p>
+          <a:p>
+            <a:pPr indent="-336550" lvl="0" marL="457200" rtl="0" algn="l">
+              <a:spcBef>
+                <a:spcPts val="0"/>
+              </a:spcBef>
+              <a:spcAft>
+                <a:spcPts val="0"/>
+              </a:spcAft>
+              <a:buSzPts val="1700"/>
+              <a:buChar char="-"/>
+            </a:pPr>
+            <a:r>
+              <a:rPr lang="en" sz="1700">
+                <a:solidFill>
+                  <a:schemeClr val="accent5"/>
+                </a:solidFill>
+              </a:rPr>
+              <a:t>How:</a:t>
+            </a:r>
+            <a:r>
+              <a:rPr lang="en" sz="1700"/>
+              <a:t> I used Synonym replacement,  involves replacing words in a corpus with one of it’s synonyms.</a:t>
+            </a:r>
+            <a:endParaRPr sz="1700"/>
+          </a:p>
+          <a:p>
+            <a:pPr indent="-336550" lvl="0" marL="457200" rtl="0" algn="l">
+              <a:spcBef>
+                <a:spcPts val="0"/>
+              </a:spcBef>
+              <a:spcAft>
+                <a:spcPts val="0"/>
+              </a:spcAft>
+              <a:buSzPts val="1700"/>
+              <a:buChar char="-"/>
+            </a:pPr>
+            <a:r>
+              <a:rPr lang="en" sz="1700">
+                <a:solidFill>
+                  <a:schemeClr val="accent5"/>
+                </a:solidFill>
+              </a:rPr>
+              <a:t>Tools: </a:t>
+            </a:r>
+            <a:r>
+              <a:rPr lang="en" sz="1700"/>
+              <a:t>WordNet, a large linguistic database from the NLTK library, to identify </a:t>
+            </a:r>
+            <a:r>
+              <a:rPr lang="en" sz="1700"/>
+              <a:t>relevant synonyms and iteratively replace the original text with it’s synonyms</a:t>
+            </a:r>
+            <a:endParaRPr sz="1700"/>
+          </a:p>
+          <a:p>
+            <a:pPr indent="-336550" lvl="0" marL="457200" rtl="0" algn="l">
+              <a:spcBef>
+                <a:spcPts val="0"/>
+              </a:spcBef>
+              <a:spcAft>
+                <a:spcPts val="0"/>
+              </a:spcAft>
+              <a:buSzPts val="1700"/>
+              <a:buChar char="-"/>
+            </a:pPr>
+            <a:r>
+              <a:rPr lang="en" sz="1700">
+                <a:solidFill>
+                  <a:schemeClr val="accent5"/>
+                </a:solidFill>
+              </a:rPr>
+              <a:t>Result: </a:t>
+            </a:r>
+            <a:r>
+              <a:rPr lang="en" sz="1700"/>
+              <a:t> This created additional samples in the toxicity classes that were derived from the original samples</a:t>
+            </a:r>
+            <a:endParaRPr sz="1700"/>
+          </a:p>
+          <a:p>
+            <a:pPr indent="0" lvl="0" marL="0" rtl="0" algn="l">
+              <a:spcBef>
+                <a:spcPts val="0"/>
+              </a:spcBef>
+              <a:spcAft>
+                <a:spcPts val="0"/>
+              </a:spcAft>
+              <a:buNone/>
+            </a:pPr>
+            <a:r>
+              <a:t/>
+            </a:r>
+            <a:endParaRPr/>
+          </a:p>
         </p:txBody>
       </p:sp>
-      <p:pic>
-        <p:nvPicPr>
-          <p:cNvPr id="136" name="Google Shape;136;p22"/>
-          <p:cNvPicPr preferRelativeResize="0"/>
-          <p:nvPr/>
-        </p:nvPicPr>
-        <p:blipFill>
-          <a:blip r:embed="rId3">
-            <a:alphaModFix/>
-          </a:blip>
-          <a:stretch>
-            <a:fillRect/>
-          </a:stretch>
-        </p:blipFill>
-        <p:spPr>
-          <a:xfrm>
-            <a:off x="2612725" y="2722050"/>
-            <a:ext cx="3209225" cy="1914475"/>
-          </a:xfrm>
-          <a:prstGeom prst="rect">
-            <a:avLst/>
-          </a:prstGeom>
-          <a:noFill/>
-          <a:ln>
-            <a:noFill/>
-          </a:ln>
-        </p:spPr>
-      </p:pic>
     </p:spTree>
   </p:cSld>
   <p:clrMapOvr>
@@ -9345,265 +9254,6 @@
         </p:nvSpPr>
         <p:spPr>
           <a:xfrm>
-            <a:off x="283100" y="267525"/>
-            <a:ext cx="8790000" cy="4107300"/>
-          </a:xfrm>
-          <a:prstGeom prst="rect">
-            <a:avLst/>
-          </a:prstGeom>
-        </p:spPr>
-        <p:txBody>
-          <a:bodyPr anchorCtr="0" anchor="ctr" bIns="91425" lIns="91425" spcFirstLastPara="1" rIns="91425" wrap="square" tIns="91425">
-            <a:noAutofit/>
-          </a:bodyPr>
-          <a:lstStyle/>
-          <a:p>
-            <a:pPr indent="0" lvl="0" marL="0" rtl="0" algn="l">
-              <a:spcBef>
-                <a:spcPts val="0"/>
-              </a:spcBef>
-              <a:spcAft>
-                <a:spcPts val="0"/>
-              </a:spcAft>
-              <a:buClr>
-                <a:schemeClr val="dk2"/>
-              </a:buClr>
-              <a:buSzPts val="1100"/>
-              <a:buFont typeface="Arial"/>
-              <a:buNone/>
-            </a:pPr>
-            <a:r>
-              <a:rPr lang="en">
-                <a:solidFill>
-                  <a:schemeClr val="accent5"/>
-                </a:solidFill>
-              </a:rPr>
-              <a:t>3. </a:t>
-            </a:r>
-            <a:r>
-              <a:rPr lang="en">
-                <a:solidFill>
-                  <a:schemeClr val="accent5"/>
-                </a:solidFill>
-              </a:rPr>
-              <a:t>Text Augmentation:</a:t>
-            </a:r>
-            <a:endParaRPr>
-              <a:solidFill>
-                <a:schemeClr val="accent5"/>
-              </a:solidFill>
-            </a:endParaRPr>
-          </a:p>
-          <a:p>
-            <a:pPr indent="0" lvl="0" marL="0" rtl="0" algn="l">
-              <a:spcBef>
-                <a:spcPts val="0"/>
-              </a:spcBef>
-              <a:spcAft>
-                <a:spcPts val="0"/>
-              </a:spcAft>
-              <a:buNone/>
-            </a:pPr>
-            <a:r>
-              <a:rPr lang="en" sz="3600">
-                <a:solidFill>
-                  <a:schemeClr val="accent5"/>
-                </a:solidFill>
-              </a:rPr>
-              <a:t>Synonym Replacement</a:t>
-            </a:r>
-            <a:endParaRPr sz="3600">
-              <a:solidFill>
-                <a:schemeClr val="accent5"/>
-              </a:solidFill>
-            </a:endParaRPr>
-          </a:p>
-          <a:p>
-            <a:pPr indent="0" lvl="0" marL="0" rtl="0" algn="l">
-              <a:spcBef>
-                <a:spcPts val="0"/>
-              </a:spcBef>
-              <a:spcAft>
-                <a:spcPts val="0"/>
-              </a:spcAft>
-              <a:buNone/>
-            </a:pPr>
-            <a:r>
-              <a:t/>
-            </a:r>
-            <a:endParaRPr sz="1700"/>
-          </a:p>
-          <a:p>
-            <a:pPr indent="-336550" lvl="0" marL="457200" rtl="0" algn="l">
-              <a:spcBef>
-                <a:spcPts val="0"/>
-              </a:spcBef>
-              <a:spcAft>
-                <a:spcPts val="0"/>
-              </a:spcAft>
-              <a:buSzPts val="1700"/>
-              <a:buChar char="-"/>
-            </a:pPr>
-            <a:r>
-              <a:rPr lang="en" sz="1700">
-                <a:solidFill>
-                  <a:schemeClr val="accent5"/>
-                </a:solidFill>
-                <a:highlight>
-                  <a:srgbClr val="353535"/>
-                </a:highlight>
-              </a:rPr>
-              <a:t>Goal:</a:t>
-            </a:r>
-            <a:r>
-              <a:rPr lang="en" sz="1700">
-                <a:highlight>
-                  <a:srgbClr val="353535"/>
-                </a:highlight>
-              </a:rPr>
-              <a:t> Increase the representation of the toxic </a:t>
-            </a:r>
-            <a:r>
-              <a:rPr lang="en" sz="1700">
-                <a:highlight>
-                  <a:srgbClr val="353535"/>
-                </a:highlight>
-              </a:rPr>
-              <a:t>comment samples</a:t>
-            </a:r>
-            <a:endParaRPr sz="1700"/>
-          </a:p>
-          <a:p>
-            <a:pPr indent="-336550" lvl="0" marL="457200" rtl="0" algn="l">
-              <a:spcBef>
-                <a:spcPts val="0"/>
-              </a:spcBef>
-              <a:spcAft>
-                <a:spcPts val="0"/>
-              </a:spcAft>
-              <a:buSzPts val="1700"/>
-              <a:buChar char="-"/>
-            </a:pPr>
-            <a:r>
-              <a:rPr lang="en" sz="1700">
-                <a:solidFill>
-                  <a:schemeClr val="accent5"/>
-                </a:solidFill>
-              </a:rPr>
-              <a:t>How:</a:t>
-            </a:r>
-            <a:r>
-              <a:rPr lang="en" sz="1700"/>
-              <a:t> I used Synonym replacement,  involves replacing words in a corpus with one of it’s synonyms.</a:t>
-            </a:r>
-            <a:endParaRPr sz="1700"/>
-          </a:p>
-          <a:p>
-            <a:pPr indent="-336550" lvl="0" marL="457200" rtl="0" algn="l">
-              <a:spcBef>
-                <a:spcPts val="0"/>
-              </a:spcBef>
-              <a:spcAft>
-                <a:spcPts val="0"/>
-              </a:spcAft>
-              <a:buSzPts val="1700"/>
-              <a:buChar char="-"/>
-            </a:pPr>
-            <a:r>
-              <a:rPr lang="en" sz="1700">
-                <a:solidFill>
-                  <a:schemeClr val="accent5"/>
-                </a:solidFill>
-              </a:rPr>
-              <a:t>Tools: </a:t>
-            </a:r>
-            <a:r>
-              <a:rPr lang="en" sz="1700"/>
-              <a:t>WordNet, a large linguistic database from the NLTK library, to identify </a:t>
-            </a:r>
-            <a:r>
-              <a:rPr lang="en" sz="1700"/>
-              <a:t>relevant synonyms and iteratively replace the original text with it’s synonyms</a:t>
-            </a:r>
-            <a:endParaRPr sz="1700"/>
-          </a:p>
-          <a:p>
-            <a:pPr indent="-336550" lvl="0" marL="457200" rtl="0" algn="l">
-              <a:spcBef>
-                <a:spcPts val="0"/>
-              </a:spcBef>
-              <a:spcAft>
-                <a:spcPts val="0"/>
-              </a:spcAft>
-              <a:buSzPts val="1700"/>
-              <a:buChar char="-"/>
-            </a:pPr>
-            <a:r>
-              <a:rPr lang="en" sz="1700">
-                <a:solidFill>
-                  <a:schemeClr val="accent5"/>
-                </a:solidFill>
-              </a:rPr>
-              <a:t>Result: </a:t>
-            </a:r>
-            <a:r>
-              <a:rPr lang="en" sz="1700"/>
-              <a:t> This created additional samples in the toxicity classes that were derived from the original samples</a:t>
-            </a:r>
-            <a:endParaRPr sz="1700"/>
-          </a:p>
-          <a:p>
-            <a:pPr indent="0" lvl="0" marL="0" rtl="0" algn="l">
-              <a:spcBef>
-                <a:spcPts val="0"/>
-              </a:spcBef>
-              <a:spcAft>
-                <a:spcPts val="0"/>
-              </a:spcAft>
-              <a:buNone/>
-            </a:pPr>
-            <a:r>
-              <a:t/>
-            </a:r>
-            <a:endParaRPr/>
-          </a:p>
-        </p:txBody>
-      </p:sp>
-    </p:spTree>
-  </p:cSld>
-  <p:clrMapOvr>
-    <a:masterClrMapping/>
-  </p:clrMapOvr>
-</p:sld>
-</file>
-
-<file path=ppt/slides/slide12.xml><?xml version="1.0" encoding="utf-8"?>
-<p:sld xmlns:a="http://schemas.openxmlformats.org/drawingml/2006/main" xmlns:r="http://schemas.openxmlformats.org/officeDocument/2006/relationships" xmlns:mc="http://schemas.openxmlformats.org/markup-compatibility/2006" xmlns:mv="urn:schemas-microsoft-com:mac:vml" xmlns:p="http://schemas.openxmlformats.org/presentationml/2006/main" xmlns:c="http://schemas.openxmlformats.org/drawingml/2006/chart" xmlns:dgm="http://schemas.openxmlformats.org/drawingml/2006/diagram" xmlns:o="urn:schemas-microsoft-com:office:office" xmlns:v="urn:schemas-microsoft-com:vml" xmlns:pvml="urn:schemas-microsoft-com:office:powerpoint" xmlns:com="http://schemas.openxmlformats.org/drawingml/2006/compatibility" xmlns:p14="http://schemas.microsoft.com/office/powerpoint/2010/main" xmlns:p15="http://schemas.microsoft.com/office/powerpoint/2012/main" xmlns:ahyp="http://schemas.microsoft.com/office/drawing/2018/hyperlinkcolor">
-  <p:cSld>
-    <p:spTree>
-      <p:nvGrpSpPr>
-        <p:cNvPr id="145" name="Shape 145"/>
-        <p:cNvGrpSpPr/>
-        <p:nvPr/>
-      </p:nvGrpSpPr>
-      <p:grpSpPr>
-        <a:xfrm>
-          <a:off x="0" y="0"/>
-          <a:ext cx="0" cy="0"/>
-          <a:chOff x="0" y="0"/>
-          <a:chExt cx="0" cy="0"/>
-        </a:xfrm>
-      </p:grpSpPr>
-      <p:sp>
-        <p:nvSpPr>
-          <p:cNvPr id="146" name="Google Shape;146;p24"/>
-          <p:cNvSpPr txBox="1"/>
-          <p:nvPr>
-            <p:ph type="title"/>
-          </p:nvPr>
-        </p:nvSpPr>
-        <p:spPr>
-          <a:xfrm>
             <a:off x="255525" y="-835650"/>
             <a:ext cx="9144000" cy="2371800"/>
           </a:xfrm>
@@ -9644,7 +9294,7 @@
       </p:sp>
       <p:pic>
         <p:nvPicPr>
-          <p:cNvPr id="147" name="Google Shape;147;p24"/>
+          <p:cNvPr id="142" name="Google Shape;142;p23"/>
           <p:cNvPicPr preferRelativeResize="0"/>
           <p:nvPr/>
         </p:nvPicPr>
@@ -9672,7 +9322,7 @@
       </p:pic>
       <p:pic>
         <p:nvPicPr>
-          <p:cNvPr id="148" name="Google Shape;148;p24"/>
+          <p:cNvPr id="143" name="Google Shape;143;p23"/>
           <p:cNvPicPr preferRelativeResize="0"/>
           <p:nvPr/>
         </p:nvPicPr>
@@ -9698,6 +9348,204 @@
           </a:ln>
         </p:spPr>
       </p:pic>
+    </p:spTree>
+  </p:cSld>
+  <p:clrMapOvr>
+    <a:masterClrMapping/>
+  </p:clrMapOvr>
+</p:sld>
+</file>
+
+<file path=ppt/slides/slide12.xml><?xml version="1.0" encoding="utf-8"?>
+<p:sld xmlns:a="http://schemas.openxmlformats.org/drawingml/2006/main" xmlns:r="http://schemas.openxmlformats.org/officeDocument/2006/relationships" xmlns:mc="http://schemas.openxmlformats.org/markup-compatibility/2006" xmlns:mv="urn:schemas-microsoft-com:mac:vml" xmlns:p="http://schemas.openxmlformats.org/presentationml/2006/main" xmlns:c="http://schemas.openxmlformats.org/drawingml/2006/chart" xmlns:dgm="http://schemas.openxmlformats.org/drawingml/2006/diagram" xmlns:o="urn:schemas-microsoft-com:office:office" xmlns:v="urn:schemas-microsoft-com:vml" xmlns:pvml="urn:schemas-microsoft-com:office:powerpoint" xmlns:com="http://schemas.openxmlformats.org/drawingml/2006/compatibility" xmlns:p14="http://schemas.microsoft.com/office/powerpoint/2010/main" xmlns:p15="http://schemas.microsoft.com/office/powerpoint/2012/main" xmlns:ahyp="http://schemas.microsoft.com/office/drawing/2018/hyperlinkcolor">
+  <p:cSld>
+    <p:spTree>
+      <p:nvGrpSpPr>
+        <p:cNvPr id="147" name="Shape 147"/>
+        <p:cNvGrpSpPr/>
+        <p:nvPr/>
+      </p:nvGrpSpPr>
+      <p:grpSpPr>
+        <a:xfrm>
+          <a:off x="0" y="0"/>
+          <a:ext cx="0" cy="0"/>
+          <a:chOff x="0" y="0"/>
+          <a:chExt cx="0" cy="0"/>
+        </a:xfrm>
+      </p:grpSpPr>
+      <p:sp>
+        <p:nvSpPr>
+          <p:cNvPr id="148" name="Google Shape;148;p24"/>
+          <p:cNvSpPr txBox="1"/>
+          <p:nvPr>
+            <p:ph type="title"/>
+          </p:nvPr>
+        </p:nvSpPr>
+        <p:spPr>
+          <a:xfrm>
+            <a:off x="283100" y="88250"/>
+            <a:ext cx="8613900" cy="4578000"/>
+          </a:xfrm>
+          <a:prstGeom prst="rect">
+            <a:avLst/>
+          </a:prstGeom>
+        </p:spPr>
+        <p:txBody>
+          <a:bodyPr anchorCtr="0" anchor="ctr" bIns="91425" lIns="91425" spcFirstLastPara="1" rIns="91425" wrap="square" tIns="91425">
+            <a:noAutofit/>
+          </a:bodyPr>
+          <a:lstStyle/>
+          <a:p>
+            <a:pPr indent="0" lvl="0" marL="0" rtl="0" algn="l">
+              <a:spcBef>
+                <a:spcPts val="0"/>
+              </a:spcBef>
+              <a:spcAft>
+                <a:spcPts val="0"/>
+              </a:spcAft>
+              <a:buNone/>
+            </a:pPr>
+            <a:r>
+              <a:rPr lang="en" sz="3500">
+                <a:solidFill>
+                  <a:schemeClr val="accent5"/>
+                </a:solidFill>
+              </a:rPr>
+              <a:t>4. Text Vectorization </a:t>
+            </a:r>
+            <a:endParaRPr sz="3500">
+              <a:solidFill>
+                <a:schemeClr val="accent5"/>
+              </a:solidFill>
+            </a:endParaRPr>
+          </a:p>
+          <a:p>
+            <a:pPr indent="0" lvl="0" marL="0" rtl="0" algn="l">
+              <a:spcBef>
+                <a:spcPts val="0"/>
+              </a:spcBef>
+              <a:spcAft>
+                <a:spcPts val="0"/>
+              </a:spcAft>
+              <a:buNone/>
+            </a:pPr>
+            <a:r>
+              <a:t/>
+            </a:r>
+            <a:endParaRPr sz="2700"/>
+          </a:p>
+          <a:p>
+            <a:pPr indent="-349250" lvl="0" marL="457200" rtl="0" algn="l">
+              <a:spcBef>
+                <a:spcPts val="0"/>
+              </a:spcBef>
+              <a:spcAft>
+                <a:spcPts val="0"/>
+              </a:spcAft>
+              <a:buSzPts val="1900"/>
+              <a:buChar char="❏"/>
+            </a:pPr>
+            <a:r>
+              <a:rPr lang="en" sz="1900"/>
+              <a:t>Text data needs to be converted to numbers so that the machine learning models can understand it.</a:t>
+            </a:r>
+            <a:endParaRPr sz="1900"/>
+          </a:p>
+          <a:p>
+            <a:pPr indent="-349250" lvl="0" marL="457200" rtl="0" algn="l">
+              <a:spcBef>
+                <a:spcPts val="0"/>
+              </a:spcBef>
+              <a:spcAft>
+                <a:spcPts val="0"/>
+              </a:spcAft>
+              <a:buSzPts val="1900"/>
+              <a:buChar char="❏"/>
+            </a:pPr>
+            <a:r>
+              <a:rPr lang="en" sz="1900">
+                <a:solidFill>
+                  <a:schemeClr val="accent5"/>
+                </a:solidFill>
+              </a:rPr>
+              <a:t>TFIDF Vectorizer </a:t>
+            </a:r>
+            <a:r>
+              <a:rPr lang="en" sz="1900"/>
+              <a:t>does this by creating numeric representations of words and phrases</a:t>
+            </a:r>
+            <a:endParaRPr sz="1900"/>
+          </a:p>
+          <a:p>
+            <a:pPr indent="-349250" lvl="1" marL="914400" rtl="0" algn="l">
+              <a:spcBef>
+                <a:spcPts val="0"/>
+              </a:spcBef>
+              <a:spcAft>
+                <a:spcPts val="0"/>
+              </a:spcAft>
+              <a:buSzPts val="1900"/>
+              <a:buChar char="❏"/>
+            </a:pPr>
+            <a:r>
+              <a:rPr lang="en" sz="1900"/>
+              <a:t>This create a feature matrix that </a:t>
+            </a:r>
+            <a:r>
+              <a:rPr lang="en" sz="1900"/>
+              <a:t>helps our model understand which words are important in each type of text. </a:t>
+            </a:r>
+            <a:endParaRPr sz="1900"/>
+          </a:p>
+          <a:p>
+            <a:pPr indent="-349250" lvl="2" marL="1371600" rtl="0" algn="l">
+              <a:spcBef>
+                <a:spcPts val="0"/>
+              </a:spcBef>
+              <a:spcAft>
+                <a:spcPts val="0"/>
+              </a:spcAft>
+              <a:buSzPts val="1900"/>
+              <a:buChar char="❏"/>
+            </a:pPr>
+            <a:r>
+              <a:rPr lang="en" sz="1900"/>
+              <a:t>What words are important in neutral text? What words are important in toxic text?</a:t>
+            </a:r>
+            <a:endParaRPr sz="1900"/>
+          </a:p>
+          <a:p>
+            <a:pPr indent="0" lvl="0" marL="0" rtl="0" algn="l">
+              <a:spcBef>
+                <a:spcPts val="0"/>
+              </a:spcBef>
+              <a:spcAft>
+                <a:spcPts val="0"/>
+              </a:spcAft>
+              <a:buNone/>
+            </a:pPr>
+            <a:r>
+              <a:t/>
+            </a:r>
+            <a:endParaRPr sz="2700"/>
+          </a:p>
+          <a:p>
+            <a:pPr indent="0" lvl="0" marL="0" rtl="0" algn="l">
+              <a:spcBef>
+                <a:spcPts val="0"/>
+              </a:spcBef>
+              <a:spcAft>
+                <a:spcPts val="0"/>
+              </a:spcAft>
+              <a:buNone/>
+            </a:pPr>
+            <a:r>
+              <a:t/>
+            </a:r>
+            <a:endParaRPr sz="2700"/>
+          </a:p>
+        </p:txBody>
+      </p:sp>
     </p:spTree>
   </p:cSld>
   <p:clrMapOvr>
@@ -9761,30 +9609,15 @@
                   <a:schemeClr val="accent5"/>
                 </a:solidFill>
               </a:rPr>
-              <a:t>4. Text Vectorization </a:t>
-            </a:r>
-            <a:endParaRPr sz="3500">
+              <a:t>5. Binary Classification Model</a:t>
+            </a:r>
+            <a:endParaRPr sz="2700">
               <a:solidFill>
                 <a:schemeClr val="accent5"/>
               </a:solidFill>
             </a:endParaRPr>
           </a:p>
           <a:p>
-            <a:pPr indent="0" lvl="0" marL="0" rtl="0" algn="l">
-              <a:spcBef>
-                <a:spcPts val="0"/>
-              </a:spcBef>
-              <a:spcAft>
-                <a:spcPts val="0"/>
-              </a:spcAft>
-              <a:buNone/>
-            </a:pPr>
-            <a:r>
-              <a:t/>
-            </a:r>
-            <a:endParaRPr sz="2700"/>
-          </a:p>
-          <a:p>
             <a:pPr indent="-349250" lvl="0" marL="457200" rtl="0" algn="l">
               <a:spcBef>
                 <a:spcPts val="0"/>
@@ -9797,7 +9630,7 @@
             </a:pPr>
             <a:r>
               <a:rPr lang="en" sz="1900"/>
-              <a:t>Text data needs to be converted to numbers so that the machine learning models can understand it.</a:t>
+              <a:t>The Multinomial Naive Bayes Classifier is a probabilistic model that works well for text classification</a:t>
             </a:r>
             <a:endParaRPr sz="1900"/>
           </a:p>
@@ -9813,16 +9646,8 @@
               <a:buChar char="❏"/>
             </a:pPr>
             <a:r>
-              <a:rPr lang="en" sz="1900">
-                <a:solidFill>
-                  <a:schemeClr val="accent5"/>
-                </a:solidFill>
-              </a:rPr>
-              <a:t>TFIDF Vectorizer </a:t>
-            </a:r>
-            <a:r>
               <a:rPr lang="en" sz="1900"/>
-              <a:t>does this by creating numeric representations of words and phrases</a:t>
+              <a:t>The TFIDF Vectorizer and Multinomial Naive Bayes Classifier together in a pipeline to tune hyperparameters using GridsearchCV</a:t>
             </a:r>
             <a:endParaRPr sz="1900"/>
           </a:p>
@@ -9839,28 +9664,7 @@
             </a:pPr>
             <a:r>
               <a:rPr lang="en" sz="1900"/>
-              <a:t>This create a feature matrix that </a:t>
-            </a:r>
-            <a:r>
-              <a:rPr lang="en" sz="1900"/>
-              <a:t>helps our model understand which words are important in each type of text. </a:t>
-            </a:r>
-            <a:endParaRPr sz="1900"/>
-          </a:p>
-          <a:p>
-            <a:pPr indent="-349250" lvl="2" marL="1371600" rtl="0" algn="l">
-              <a:spcBef>
-                <a:spcPts val="0"/>
-              </a:spcBef>
-              <a:spcAft>
-                <a:spcPts val="0"/>
-              </a:spcAft>
-              <a:buSzPts val="1900"/>
-              <a:buChar char="❏"/>
-            </a:pPr>
-            <a:r>
-              <a:rPr lang="en" sz="1900"/>
-              <a:t>What words are important in neutral text? What words are important in toxic text?</a:t>
+              <a:t>Optimized for Recall and ROC AUC Score</a:t>
             </a:r>
             <a:endParaRPr sz="1900"/>
           </a:p>
@@ -9931,160 +9735,6 @@
         </p:nvSpPr>
         <p:spPr>
           <a:xfrm>
-            <a:off x="283100" y="88250"/>
-            <a:ext cx="8613900" cy="4578000"/>
-          </a:xfrm>
-          <a:prstGeom prst="rect">
-            <a:avLst/>
-          </a:prstGeom>
-        </p:spPr>
-        <p:txBody>
-          <a:bodyPr anchorCtr="0" anchor="ctr" bIns="91425" lIns="91425" spcFirstLastPara="1" rIns="91425" wrap="square" tIns="91425">
-            <a:noAutofit/>
-          </a:bodyPr>
-          <a:lstStyle/>
-          <a:p>
-            <a:pPr indent="0" lvl="0" marL="0" rtl="0" algn="l">
-              <a:spcBef>
-                <a:spcPts val="0"/>
-              </a:spcBef>
-              <a:spcAft>
-                <a:spcPts val="0"/>
-              </a:spcAft>
-              <a:buNone/>
-            </a:pPr>
-            <a:r>
-              <a:rPr lang="en" sz="3500">
-                <a:solidFill>
-                  <a:schemeClr val="accent5"/>
-                </a:solidFill>
-              </a:rPr>
-              <a:t>5. Binary Classification Model</a:t>
-            </a:r>
-            <a:endParaRPr sz="2700">
-              <a:solidFill>
-                <a:schemeClr val="accent5"/>
-              </a:solidFill>
-            </a:endParaRPr>
-          </a:p>
-          <a:p>
-            <a:pPr indent="-349250" lvl="0" marL="457200" rtl="0" algn="l">
-              <a:spcBef>
-                <a:spcPts val="0"/>
-              </a:spcBef>
-              <a:spcAft>
-                <a:spcPts val="0"/>
-              </a:spcAft>
-              <a:buSzPts val="1900"/>
-              <a:buChar char="❏"/>
-            </a:pPr>
-            <a:r>
-              <a:rPr lang="en" sz="1900"/>
-              <a:t>The Multinomial Naive Bayes Classifier is a probabilistic model that works well for text classification</a:t>
-            </a:r>
-            <a:endParaRPr sz="1900"/>
-          </a:p>
-          <a:p>
-            <a:pPr indent="-349250" lvl="0" marL="457200" rtl="0" algn="l">
-              <a:spcBef>
-                <a:spcPts val="0"/>
-              </a:spcBef>
-              <a:spcAft>
-                <a:spcPts val="0"/>
-              </a:spcAft>
-              <a:buSzPts val="1900"/>
-              <a:buChar char="❏"/>
-            </a:pPr>
-            <a:r>
-              <a:rPr lang="en" sz="1900"/>
-              <a:t>The TFIDF Vectorizer and Multinomial Naive Bayes Classifier together in a pipeline to tune hyperparameters using GridsearchCV</a:t>
-            </a:r>
-            <a:endParaRPr sz="1900"/>
-          </a:p>
-          <a:p>
-            <a:pPr indent="-349250" lvl="1" marL="914400" rtl="0" algn="l">
-              <a:spcBef>
-                <a:spcPts val="0"/>
-              </a:spcBef>
-              <a:spcAft>
-                <a:spcPts val="0"/>
-              </a:spcAft>
-              <a:buSzPts val="1900"/>
-              <a:buChar char="❏"/>
-            </a:pPr>
-            <a:r>
-              <a:rPr lang="en" sz="1900"/>
-              <a:t>Optimized for Recall and ROC AUC Score</a:t>
-            </a:r>
-            <a:endParaRPr sz="1900"/>
-          </a:p>
-          <a:p>
-            <a:pPr indent="0" lvl="0" marL="0" rtl="0" algn="l">
-              <a:spcBef>
-                <a:spcPts val="0"/>
-              </a:spcBef>
-              <a:spcAft>
-                <a:spcPts val="0"/>
-              </a:spcAft>
-              <a:buNone/>
-            </a:pPr>
-            <a:r>
-              <a:t/>
-            </a:r>
-            <a:endParaRPr sz="2700"/>
-          </a:p>
-          <a:p>
-            <a:pPr indent="0" lvl="0" marL="0" rtl="0" algn="l">
-              <a:spcBef>
-                <a:spcPts val="0"/>
-              </a:spcBef>
-              <a:spcAft>
-                <a:spcPts val="0"/>
-              </a:spcAft>
-              <a:buNone/>
-            </a:pPr>
-            <a:r>
-              <a:t/>
-            </a:r>
-            <a:endParaRPr sz="2700"/>
-          </a:p>
-        </p:txBody>
-      </p:sp>
-    </p:spTree>
-  </p:cSld>
-  <p:clrMapOvr>
-    <a:masterClrMapping/>
-  </p:clrMapOvr>
-</p:sld>
-</file>
-
-<file path=ppt/slides/slide15.xml><?xml version="1.0" encoding="utf-8"?>
-<p:sld xmlns:a="http://schemas.openxmlformats.org/drawingml/2006/main" xmlns:r="http://schemas.openxmlformats.org/officeDocument/2006/relationships" xmlns:mc="http://schemas.openxmlformats.org/markup-compatibility/2006" xmlns:mv="urn:schemas-microsoft-com:mac:vml" xmlns:p="http://schemas.openxmlformats.org/presentationml/2006/main" xmlns:c="http://schemas.openxmlformats.org/drawingml/2006/chart" xmlns:dgm="http://schemas.openxmlformats.org/drawingml/2006/diagram" xmlns:o="urn:schemas-microsoft-com:office:office" xmlns:v="urn:schemas-microsoft-com:vml" xmlns:pvml="urn:schemas-microsoft-com:office:powerpoint" xmlns:com="http://schemas.openxmlformats.org/drawingml/2006/compatibility" xmlns:p14="http://schemas.microsoft.com/office/powerpoint/2010/main" xmlns:p15="http://schemas.microsoft.com/office/powerpoint/2012/main" xmlns:ahyp="http://schemas.microsoft.com/office/drawing/2018/hyperlinkcolor">
-  <p:cSld>
-    <p:spTree>
-      <p:nvGrpSpPr>
-        <p:cNvPr id="162" name="Shape 162"/>
-        <p:cNvGrpSpPr/>
-        <p:nvPr/>
-      </p:nvGrpSpPr>
-      <p:grpSpPr>
-        <a:xfrm>
-          <a:off x="0" y="0"/>
-          <a:ext cx="0" cy="0"/>
-          <a:chOff x="0" y="0"/>
-          <a:chExt cx="0" cy="0"/>
-        </a:xfrm>
-      </p:grpSpPr>
-      <p:sp>
-        <p:nvSpPr>
-          <p:cNvPr id="163" name="Google Shape;163;p27"/>
-          <p:cNvSpPr txBox="1"/>
-          <p:nvPr>
-            <p:ph type="title"/>
-          </p:nvPr>
-        </p:nvSpPr>
-        <p:spPr>
-          <a:xfrm>
             <a:off x="283100" y="488150"/>
             <a:ext cx="8669100" cy="703200"/>
           </a:xfrm>
@@ -10137,14 +9787,14 @@
       </p:sp>
       <p:sp>
         <p:nvSpPr>
-          <p:cNvPr id="164" name="Google Shape;164;p27"/>
+          <p:cNvPr id="159" name="Google Shape;159;p26"/>
           <p:cNvSpPr txBox="1"/>
           <p:nvPr/>
         </p:nvSpPr>
         <p:spPr>
           <a:xfrm>
             <a:off x="5270375" y="1398250"/>
-            <a:ext cx="3530100" cy="3213000"/>
+            <a:ext cx="3530100" cy="1096200"/>
           </a:xfrm>
           <a:prstGeom prst="rect">
             <a:avLst/>
@@ -10298,219 +9948,10 @@
               <a:spcAft>
                 <a:spcPts val="0"/>
               </a:spcAft>
-              <a:buClr>
-                <a:schemeClr val="dk2"/>
-              </a:buClr>
-              <a:buSzPts val="1100"/>
-              <a:buFont typeface="Arial"/>
               <a:buNone/>
             </a:pPr>
             <a:r>
-              <a:rPr b="1" lang="en" sz="1800">
-                <a:solidFill>
-                  <a:schemeClr val="accent5"/>
-                </a:solidFill>
-                <a:latin typeface="Raleway"/>
-                <a:ea typeface="Raleway"/>
-                <a:cs typeface="Raleway"/>
-                <a:sym typeface="Raleway"/>
-              </a:rPr>
-              <a:t>Baseline Accuracy:</a:t>
-            </a:r>
-            <a:r>
-              <a:rPr b="1" lang="en" sz="1800">
-                <a:solidFill>
-                  <a:schemeClr val="lt1"/>
-                </a:solidFill>
-                <a:latin typeface="Raleway"/>
-                <a:ea typeface="Raleway"/>
-                <a:cs typeface="Raleway"/>
-                <a:sym typeface="Raleway"/>
-              </a:rPr>
-              <a:t> 0.688</a:t>
-            </a:r>
-            <a:endParaRPr b="1" sz="1800">
-              <a:solidFill>
-                <a:schemeClr val="lt1"/>
-              </a:solidFill>
-              <a:latin typeface="Raleway"/>
-              <a:ea typeface="Raleway"/>
-              <a:cs typeface="Raleway"/>
-              <a:sym typeface="Raleway"/>
-            </a:endParaRPr>
-          </a:p>
-          <a:p>
-            <a:pPr indent="0" lvl="0" marL="0" rtl="0" algn="l">
-              <a:spcBef>
-                <a:spcPts val="0"/>
-              </a:spcBef>
-              <a:spcAft>
-                <a:spcPts val="0"/>
-              </a:spcAft>
-              <a:buClr>
-                <a:schemeClr val="dk2"/>
-              </a:buClr>
-              <a:buSzPts val="1100"/>
-              <a:buFont typeface="Arial"/>
-              <a:buNone/>
-            </a:pPr>
-            <a:r>
-              <a:rPr b="1" lang="en" sz="1800">
-                <a:solidFill>
-                  <a:schemeClr val="accent5"/>
-                </a:solidFill>
-                <a:latin typeface="Raleway"/>
-                <a:ea typeface="Raleway"/>
-                <a:cs typeface="Raleway"/>
-                <a:sym typeface="Raleway"/>
-              </a:rPr>
-              <a:t>Accuracy:</a:t>
-            </a:r>
-            <a:r>
-              <a:rPr b="1" lang="en" sz="1800">
-                <a:solidFill>
-                  <a:schemeClr val="lt1"/>
-                </a:solidFill>
-                <a:latin typeface="Raleway"/>
-                <a:ea typeface="Raleway"/>
-                <a:cs typeface="Raleway"/>
-                <a:sym typeface="Raleway"/>
-              </a:rPr>
-              <a:t> 0.937</a:t>
-            </a:r>
-            <a:endParaRPr b="1" sz="1800">
-              <a:solidFill>
-                <a:schemeClr val="lt1"/>
-              </a:solidFill>
-              <a:latin typeface="Raleway"/>
-              <a:ea typeface="Raleway"/>
-              <a:cs typeface="Raleway"/>
-              <a:sym typeface="Raleway"/>
-            </a:endParaRPr>
-          </a:p>
-          <a:p>
-            <a:pPr indent="0" lvl="0" marL="0" rtl="0" algn="l">
-              <a:spcBef>
-                <a:spcPts val="0"/>
-              </a:spcBef>
-              <a:spcAft>
-                <a:spcPts val="0"/>
-              </a:spcAft>
-              <a:buNone/>
-            </a:pPr>
-            <a:r>
               <a:t/>
-            </a:r>
-            <a:endParaRPr b="1" sz="1800">
-              <a:solidFill>
-                <a:schemeClr val="lt1"/>
-              </a:solidFill>
-              <a:latin typeface="Raleway"/>
-              <a:ea typeface="Raleway"/>
-              <a:cs typeface="Raleway"/>
-              <a:sym typeface="Raleway"/>
-            </a:endParaRPr>
-          </a:p>
-          <a:p>
-            <a:pPr indent="0" lvl="0" marL="0" rtl="0" algn="l">
-              <a:spcBef>
-                <a:spcPts val="0"/>
-              </a:spcBef>
-              <a:spcAft>
-                <a:spcPts val="0"/>
-              </a:spcAft>
-              <a:buNone/>
-            </a:pPr>
-            <a:r>
-              <a:t/>
-            </a:r>
-            <a:endParaRPr b="1" sz="1800">
-              <a:solidFill>
-                <a:schemeClr val="lt1"/>
-              </a:solidFill>
-              <a:latin typeface="Raleway"/>
-              <a:ea typeface="Raleway"/>
-              <a:cs typeface="Raleway"/>
-              <a:sym typeface="Raleway"/>
-            </a:endParaRPr>
-          </a:p>
-          <a:p>
-            <a:pPr indent="0" lvl="0" marL="0" rtl="0" algn="l">
-              <a:spcBef>
-                <a:spcPts val="0"/>
-              </a:spcBef>
-              <a:spcAft>
-                <a:spcPts val="0"/>
-              </a:spcAft>
-              <a:buNone/>
-            </a:pPr>
-            <a:r>
-              <a:rPr b="1" lang="en" sz="1800">
-                <a:solidFill>
-                  <a:schemeClr val="accent5"/>
-                </a:solidFill>
-                <a:latin typeface="Raleway"/>
-                <a:ea typeface="Raleway"/>
-                <a:cs typeface="Raleway"/>
-                <a:sym typeface="Raleway"/>
-              </a:rPr>
-              <a:t>Precision:</a:t>
-            </a:r>
-            <a:r>
-              <a:rPr b="1" lang="en" sz="1800">
-                <a:solidFill>
-                  <a:schemeClr val="lt1"/>
-                </a:solidFill>
-                <a:latin typeface="Raleway"/>
-                <a:ea typeface="Raleway"/>
-                <a:cs typeface="Raleway"/>
-                <a:sym typeface="Raleway"/>
-              </a:rPr>
-              <a:t> 0.947</a:t>
-            </a:r>
-            <a:endParaRPr b="1" sz="1800">
-              <a:solidFill>
-                <a:schemeClr val="lt1"/>
-              </a:solidFill>
-              <a:latin typeface="Raleway"/>
-              <a:ea typeface="Raleway"/>
-              <a:cs typeface="Raleway"/>
-              <a:sym typeface="Raleway"/>
-            </a:endParaRPr>
-          </a:p>
-          <a:p>
-            <a:pPr indent="0" lvl="0" marL="0" rtl="0" algn="l">
-              <a:spcBef>
-                <a:spcPts val="0"/>
-              </a:spcBef>
-              <a:spcAft>
-                <a:spcPts val="0"/>
-              </a:spcAft>
-              <a:buNone/>
-            </a:pPr>
-            <a:r>
-              <a:rPr b="1" lang="en" sz="1800">
-                <a:solidFill>
-                  <a:schemeClr val="accent5"/>
-                </a:solidFill>
-                <a:latin typeface="Raleway"/>
-                <a:ea typeface="Raleway"/>
-                <a:cs typeface="Raleway"/>
-                <a:sym typeface="Raleway"/>
-              </a:rPr>
-              <a:t>F1 Score:</a:t>
-            </a:r>
-            <a:r>
-              <a:rPr b="1" lang="en" sz="1800">
-                <a:solidFill>
-                  <a:schemeClr val="lt1"/>
-                </a:solidFill>
-                <a:latin typeface="Raleway"/>
-                <a:ea typeface="Raleway"/>
-                <a:cs typeface="Raleway"/>
-                <a:sym typeface="Raleway"/>
-              </a:rPr>
-              <a:t> 0.894</a:t>
             </a:r>
             <a:endParaRPr b="1" sz="1800">
               <a:solidFill>
@@ -10526,7 +9967,7 @@
       </p:sp>
       <p:pic>
         <p:nvPicPr>
-          <p:cNvPr id="165" name="Google Shape;165;p27"/>
+          <p:cNvPr id="160" name="Google Shape;160;p26"/>
           <p:cNvPicPr preferRelativeResize="0"/>
           <p:nvPr/>
         </p:nvPicPr>
@@ -10552,6 +9993,242 @@
           </a:ln>
         </p:spPr>
       </p:pic>
+    </p:spTree>
+  </p:cSld>
+  <p:clrMapOvr>
+    <a:masterClrMapping/>
+  </p:clrMapOvr>
+</p:sld>
+</file>
+
+<file path=ppt/slides/slide15.xml><?xml version="1.0" encoding="utf-8"?>
+<p:sld xmlns:a="http://schemas.openxmlformats.org/drawingml/2006/main" xmlns:r="http://schemas.openxmlformats.org/officeDocument/2006/relationships" xmlns:mc="http://schemas.openxmlformats.org/markup-compatibility/2006" xmlns:mv="urn:schemas-microsoft-com:mac:vml" xmlns:p="http://schemas.openxmlformats.org/presentationml/2006/main" xmlns:c="http://schemas.openxmlformats.org/drawingml/2006/chart" xmlns:dgm="http://schemas.openxmlformats.org/drawingml/2006/diagram" xmlns:o="urn:schemas-microsoft-com:office:office" xmlns:v="urn:schemas-microsoft-com:vml" xmlns:pvml="urn:schemas-microsoft-com:office:powerpoint" xmlns:com="http://schemas.openxmlformats.org/drawingml/2006/compatibility" xmlns:p14="http://schemas.microsoft.com/office/powerpoint/2010/main" xmlns:p15="http://schemas.microsoft.com/office/powerpoint/2012/main" xmlns:ahyp="http://schemas.microsoft.com/office/drawing/2018/hyperlinkcolor">
+  <p:cSld>
+    <p:spTree>
+      <p:nvGrpSpPr>
+        <p:cNvPr id="164" name="Shape 164"/>
+        <p:cNvGrpSpPr/>
+        <p:nvPr/>
+      </p:nvGrpSpPr>
+      <p:grpSpPr>
+        <a:xfrm>
+          <a:off x="0" y="0"/>
+          <a:ext cx="0" cy="0"/>
+          <a:chOff x="0" y="0"/>
+          <a:chExt cx="0" cy="0"/>
+        </a:xfrm>
+      </p:grpSpPr>
+      <p:sp>
+        <p:nvSpPr>
+          <p:cNvPr id="165" name="Google Shape;165;p27"/>
+          <p:cNvSpPr txBox="1"/>
+          <p:nvPr>
+            <p:ph type="title"/>
+          </p:nvPr>
+        </p:nvSpPr>
+        <p:spPr>
+          <a:xfrm>
+            <a:off x="223400" y="157625"/>
+            <a:ext cx="8590800" cy="4619100"/>
+          </a:xfrm>
+          <a:prstGeom prst="rect">
+            <a:avLst/>
+          </a:prstGeom>
+        </p:spPr>
+        <p:txBody>
+          <a:bodyPr anchorCtr="0" anchor="ctr" bIns="91425" lIns="91425" spcFirstLastPara="1" rIns="91425" wrap="square" tIns="91425">
+            <a:noAutofit/>
+          </a:bodyPr>
+          <a:lstStyle/>
+          <a:p>
+            <a:pPr indent="0" lvl="0" marL="0" rtl="0" algn="l">
+              <a:spcBef>
+                <a:spcPts val="0"/>
+              </a:spcBef>
+              <a:spcAft>
+                <a:spcPts val="0"/>
+              </a:spcAft>
+              <a:buNone/>
+            </a:pPr>
+            <a:r>
+              <a:rPr lang="en" sz="3600">
+                <a:solidFill>
+                  <a:schemeClr val="accent5"/>
+                </a:solidFill>
+              </a:rPr>
+              <a:t>6. </a:t>
+            </a:r>
+            <a:r>
+              <a:rPr lang="en" sz="3600">
+                <a:solidFill>
+                  <a:schemeClr val="accent5"/>
+                </a:solidFill>
+              </a:rPr>
+              <a:t>MultiLabel Classification Model </a:t>
+            </a:r>
+            <a:endParaRPr sz="3600">
+              <a:solidFill>
+                <a:schemeClr val="accent5"/>
+              </a:solidFill>
+            </a:endParaRPr>
+          </a:p>
+          <a:p>
+            <a:pPr indent="0" lvl="0" marL="0" rtl="0" algn="l">
+              <a:spcBef>
+                <a:spcPts val="0"/>
+              </a:spcBef>
+              <a:spcAft>
+                <a:spcPts val="0"/>
+              </a:spcAft>
+              <a:buNone/>
+            </a:pPr>
+            <a:r>
+              <a:t/>
+            </a:r>
+            <a:endParaRPr sz="1700">
+              <a:solidFill>
+                <a:schemeClr val="accent5"/>
+              </a:solidFill>
+            </a:endParaRPr>
+          </a:p>
+          <a:p>
+            <a:pPr indent="-355600" lvl="0" marL="457200" rtl="0" algn="l">
+              <a:spcBef>
+                <a:spcPts val="0"/>
+              </a:spcBef>
+              <a:spcAft>
+                <a:spcPts val="0"/>
+              </a:spcAft>
+              <a:buSzPts val="2000"/>
+              <a:buChar char="❏"/>
+            </a:pPr>
+            <a:r>
+              <a:rPr lang="en" sz="2000"/>
+              <a:t>Used Binary Relevance Model from the Sklearn MultiLearn Module</a:t>
+            </a:r>
+            <a:endParaRPr sz="2000"/>
+          </a:p>
+          <a:p>
+            <a:pPr indent="-355600" lvl="1" marL="914400" rtl="0" algn="l">
+              <a:spcBef>
+                <a:spcPts val="0"/>
+              </a:spcBef>
+              <a:spcAft>
+                <a:spcPts val="0"/>
+              </a:spcAft>
+              <a:buSzPts val="2000"/>
+              <a:buChar char="❏"/>
+            </a:pPr>
+            <a:r>
+              <a:rPr lang="en" sz="2000"/>
+              <a:t>Classifying Toxicity Subtypes: </a:t>
+            </a:r>
+            <a:r>
+              <a:rPr lang="en" sz="2000"/>
+              <a:t>Toxic, Severe Toxic, Obscene, Threat, Insult, Identity Hate</a:t>
+            </a:r>
+            <a:endParaRPr sz="2000"/>
+          </a:p>
+          <a:p>
+            <a:pPr indent="-355600" lvl="1" marL="914400" rtl="0" algn="l">
+              <a:spcBef>
+                <a:spcPts val="0"/>
+              </a:spcBef>
+              <a:spcAft>
+                <a:spcPts val="0"/>
+              </a:spcAft>
+              <a:buSzPts val="2000"/>
+              <a:buChar char="❏"/>
+            </a:pPr>
+            <a:r>
+              <a:rPr lang="en" sz="2000"/>
+              <a:t>For each label, a separate classifier (in this case, a Multinomial Naive Bayes Classifier) is trained to predict whether an observation belongs to that label's class or not. </a:t>
+            </a:r>
+            <a:endParaRPr sz="2000"/>
+          </a:p>
+          <a:p>
+            <a:pPr indent="-355600" lvl="1" marL="914400" rtl="0" algn="l">
+              <a:spcBef>
+                <a:spcPts val="0"/>
+              </a:spcBef>
+              <a:spcAft>
+                <a:spcPts val="0"/>
+              </a:spcAft>
+              <a:buSzPts val="2000"/>
+              <a:buChar char="❏"/>
+            </a:pPr>
+            <a:r>
+              <a:rPr lang="en" sz="2000"/>
+              <a:t>It simplifies the </a:t>
+            </a:r>
+            <a:r>
+              <a:rPr lang="en" sz="2000"/>
+              <a:t>multi label</a:t>
+            </a:r>
+            <a:r>
+              <a:rPr lang="en" sz="2000"/>
+              <a:t> problem into several binary classification problems for each observation. </a:t>
+            </a:r>
+            <a:endParaRPr sz="2000"/>
+          </a:p>
+          <a:p>
+            <a:pPr indent="-355600" lvl="1" marL="914400" rtl="0" algn="l">
+              <a:spcBef>
+                <a:spcPts val="0"/>
+              </a:spcBef>
+              <a:spcAft>
+                <a:spcPts val="0"/>
+              </a:spcAft>
+              <a:buSzPts val="2000"/>
+              <a:buChar char="❏"/>
+            </a:pPr>
+            <a:r>
+              <a:rPr lang="en" sz="2000"/>
+              <a:t>Used GridsearchCV to tune relevant hyperparameters</a:t>
+            </a:r>
+            <a:endParaRPr sz="2000"/>
+          </a:p>
+          <a:p>
+            <a:pPr indent="0" lvl="0" marL="914400" rtl="0" algn="l">
+              <a:spcBef>
+                <a:spcPts val="0"/>
+              </a:spcBef>
+              <a:spcAft>
+                <a:spcPts val="0"/>
+              </a:spcAft>
+              <a:buNone/>
+            </a:pPr>
+            <a:r>
+              <a:t/>
+            </a:r>
+            <a:endParaRPr sz="1400"/>
+          </a:p>
+          <a:p>
+            <a:pPr indent="0" lvl="0" marL="914400" rtl="0" algn="l">
+              <a:spcBef>
+                <a:spcPts val="0"/>
+              </a:spcBef>
+              <a:spcAft>
+                <a:spcPts val="0"/>
+              </a:spcAft>
+              <a:buNone/>
+            </a:pPr>
+            <a:r>
+              <a:rPr lang="en">
+                <a:solidFill>
+                  <a:schemeClr val="accent5"/>
+                </a:solidFill>
+              </a:rPr>
+              <a:t> </a:t>
+            </a:r>
+            <a:endParaRPr>
+              <a:solidFill>
+                <a:schemeClr val="accent5"/>
+              </a:solidFill>
+            </a:endParaRPr>
+          </a:p>
+        </p:txBody>
+      </p:sp>
     </p:spTree>
   </p:cSld>
   <p:clrMapOvr>
@@ -10587,8 +10264,8 @@
         </p:nvSpPr>
         <p:spPr>
           <a:xfrm>
-            <a:off x="223400" y="157625"/>
-            <a:ext cx="8590800" cy="4619100"/>
+            <a:off x="327150" y="102050"/>
+            <a:ext cx="8489700" cy="4054200"/>
           </a:xfrm>
           <a:prstGeom prst="rect">
             <a:avLst/>
@@ -10615,15 +10292,7 @@
                   <a:schemeClr val="accent5"/>
                 </a:solidFill>
               </a:rPr>
-              <a:t>6. </a:t>
-            </a:r>
-            <a:r>
-              <a:rPr lang="en" sz="3600">
-                <a:solidFill>
-                  <a:schemeClr val="accent5"/>
-                </a:solidFill>
-              </a:rPr>
-              <a:t>MultiLabel Classification Model </a:t>
+              <a:t>Multilabel Metrics:</a:t>
             </a:r>
             <a:endParaRPr sz="3600">
               <a:solidFill>
@@ -10632,155 +10301,96 @@
             </a:endParaRPr>
           </a:p>
           <a:p>
-            <a:pPr indent="0" lvl="0" marL="0" rtl="0" algn="l">
-              <a:spcBef>
-                <a:spcPts val="0"/>
-              </a:spcBef>
-              <a:spcAft>
-                <a:spcPts val="0"/>
-              </a:spcAft>
-              <a:buNone/>
+            <a:pPr indent="-381000" lvl="0" marL="457200" rtl="0" algn="l">
+              <a:spcBef>
+                <a:spcPts val="0"/>
+              </a:spcBef>
+              <a:spcAft>
+                <a:spcPts val="0"/>
+              </a:spcAft>
+              <a:buSzPts val="2400"/>
+              <a:buChar char="❏"/>
             </a:pPr>
             <a:r>
-              <a:t/>
-            </a:r>
-            <a:endParaRPr sz="1700">
-              <a:solidFill>
-                <a:schemeClr val="accent5"/>
-              </a:solidFill>
-            </a:endParaRPr>
+              <a:rPr lang="en" sz="2400">
+                <a:solidFill>
+                  <a:schemeClr val="accent5"/>
+                </a:solidFill>
+              </a:rPr>
+              <a:t>F1 Micro:</a:t>
+            </a:r>
+            <a:r>
+              <a:rPr lang="en" sz="2400"/>
+              <a:t> A combined measure of the model’s accuracy in predicting positive cases across all labels. </a:t>
+            </a:r>
+            <a:endParaRPr sz="2400"/>
           </a:p>
           <a:p>
-            <a:pPr indent="-355600" lvl="0" marL="457200" rtl="0" algn="l">
-              <a:spcBef>
-                <a:spcPts val="0"/>
-              </a:spcBef>
-              <a:spcAft>
-                <a:spcPts val="0"/>
-              </a:spcAft>
-              <a:buSzPts val="2000"/>
+            <a:pPr indent="-349250" lvl="1" marL="914400" rtl="0" algn="l">
+              <a:spcBef>
+                <a:spcPts val="0"/>
+              </a:spcBef>
+              <a:spcAft>
+                <a:spcPts val="0"/>
+              </a:spcAft>
+              <a:buSzPts val="1900"/>
               <a:buChar char="❏"/>
             </a:pPr>
             <a:r>
-              <a:rPr lang="en" sz="2000"/>
-              <a:t>Used Binary Relevance Model from the Sklearn MultiLearn Module</a:t>
-            </a:r>
-            <a:endParaRPr sz="2000"/>
+              <a:rPr lang="en" sz="1900"/>
+              <a:t>Scale of 0.00-1.00 (the higher the better)</a:t>
+            </a:r>
+            <a:endParaRPr sz="1900"/>
           </a:p>
           <a:p>
-            <a:pPr indent="-355600" lvl="1" marL="914400" rtl="0" algn="l">
-              <a:spcBef>
-                <a:spcPts val="0"/>
-              </a:spcBef>
-              <a:spcAft>
-                <a:spcPts val="0"/>
-              </a:spcAft>
-              <a:buSzPts val="2000"/>
+            <a:pPr indent="-381000" lvl="0" marL="457200" rtl="0" algn="l">
+              <a:spcBef>
+                <a:spcPts val="0"/>
+              </a:spcBef>
+              <a:spcAft>
+                <a:spcPts val="0"/>
+              </a:spcAft>
+              <a:buSzPts val="2400"/>
               <a:buChar char="❏"/>
             </a:pPr>
             <a:r>
-              <a:rPr lang="en" sz="2000"/>
-              <a:t>Treats each label as a separate binary classification problem. </a:t>
-            </a:r>
-            <a:endParaRPr sz="2000"/>
+              <a:rPr lang="en" sz="2400">
+                <a:solidFill>
+                  <a:schemeClr val="accent5"/>
+                </a:solidFill>
+              </a:rPr>
+              <a:t>Hamming Loss:</a:t>
+            </a:r>
+            <a:r>
+              <a:rPr lang="en" sz="2400"/>
+              <a:t> Quantifies the fraction of labels that are incorrectly predicted across all labels. </a:t>
+            </a:r>
+            <a:endParaRPr sz="2400"/>
           </a:p>
           <a:p>
-            <a:pPr indent="-355600" lvl="1" marL="914400" rtl="0" algn="l">
-              <a:spcBef>
-                <a:spcPts val="0"/>
-              </a:spcBef>
-              <a:spcAft>
-                <a:spcPts val="0"/>
-              </a:spcAft>
-              <a:buSzPts val="2000"/>
+            <a:pPr indent="-349250" lvl="1" marL="914400" rtl="0" algn="l">
+              <a:spcBef>
+                <a:spcPts val="0"/>
+              </a:spcBef>
+              <a:spcAft>
+                <a:spcPts val="0"/>
+              </a:spcAft>
+              <a:buSzPts val="1900"/>
               <a:buChar char="❏"/>
             </a:pPr>
             <a:r>
-              <a:rPr lang="en" sz="2000"/>
-              <a:t>For each label, a separate classifier (in this case, a Multinomial Naive Bayes Classifier) is trained to predict whether an observation belongs to that label's class or not. </a:t>
-            </a:r>
-            <a:endParaRPr sz="2000"/>
-          </a:p>
-          <a:p>
-            <a:pPr indent="-355600" lvl="1" marL="914400" rtl="0" algn="l">
-              <a:spcBef>
-                <a:spcPts val="0"/>
-              </a:spcBef>
-              <a:spcAft>
-                <a:spcPts val="0"/>
-              </a:spcAft>
-              <a:buSzPts val="2000"/>
-              <a:buChar char="❏"/>
-            </a:pPr>
-            <a:r>
-              <a:rPr lang="en" sz="2000"/>
-              <a:t>It simplifies the </a:t>
-            </a:r>
-            <a:r>
-              <a:rPr lang="en" sz="2000"/>
-              <a:t>multi label</a:t>
-            </a:r>
-            <a:r>
-              <a:rPr lang="en" sz="2000"/>
-              <a:t> problem into several binary classification problems for each observation. </a:t>
-            </a:r>
-            <a:endParaRPr sz="2000"/>
-          </a:p>
-          <a:p>
-            <a:pPr indent="-355600" lvl="1" marL="914400" rtl="0" algn="l">
-              <a:spcBef>
-                <a:spcPts val="0"/>
-              </a:spcBef>
-              <a:spcAft>
-                <a:spcPts val="0"/>
-              </a:spcAft>
-              <a:buSzPts val="2000"/>
-              <a:buChar char="❏"/>
-            </a:pPr>
-            <a:r>
-              <a:rPr lang="en" sz="2000"/>
-              <a:t>Used GridsearchCV to tune relevant hyperparameters</a:t>
-            </a:r>
-            <a:endParaRPr sz="2000"/>
-          </a:p>
-          <a:p>
-            <a:pPr indent="0" lvl="0" marL="914400" rtl="0" algn="l">
-              <a:spcBef>
-                <a:spcPts val="0"/>
-              </a:spcBef>
-              <a:spcAft>
-                <a:spcPts val="0"/>
-              </a:spcAft>
-              <a:buNone/>
-            </a:pPr>
-            <a:r>
-              <a:t/>
-            </a:r>
-            <a:endParaRPr sz="1400"/>
-          </a:p>
-          <a:p>
-            <a:pPr indent="0" lvl="0" marL="914400" rtl="0" algn="l">
-              <a:spcBef>
-                <a:spcPts val="0"/>
-              </a:spcBef>
-              <a:spcAft>
-                <a:spcPts val="0"/>
-              </a:spcAft>
-              <a:buNone/>
-            </a:pPr>
-            <a:r>
-              <a:rPr lang="en">
-                <a:solidFill>
-                  <a:schemeClr val="accent5"/>
-                </a:solidFill>
-              </a:rPr>
-              <a:t> </a:t>
-            </a:r>
-            <a:endParaRPr>
-              <a:solidFill>
-                <a:schemeClr val="accent5"/>
-              </a:solidFill>
-            </a:endParaRPr>
+              <a:rPr lang="en" sz="1900"/>
+              <a:t>Scale of 0.00 - 1.00 (the lower the </a:t>
+            </a:r>
+            <a:r>
+              <a:rPr lang="en" sz="1900"/>
+              <a:t>better</a:t>
+            </a:r>
+            <a:r>
+              <a:rPr lang="en" sz="1900"/>
+              <a:t>)</a:t>
+            </a:r>
+            <a:endParaRPr sz="1900"/>
           </a:p>
         </p:txBody>
       </p:sp>
@@ -10819,171 +10429,6 @@
         </p:nvSpPr>
         <p:spPr>
           <a:xfrm>
-            <a:off x="327150" y="102050"/>
-            <a:ext cx="8489700" cy="4054200"/>
-          </a:xfrm>
-          <a:prstGeom prst="rect">
-            <a:avLst/>
-          </a:prstGeom>
-        </p:spPr>
-        <p:txBody>
-          <a:bodyPr anchorCtr="0" anchor="ctr" bIns="91425" lIns="91425" spcFirstLastPara="1" rIns="91425" wrap="square" tIns="91425">
-            <a:noAutofit/>
-          </a:bodyPr>
-          <a:lstStyle/>
-          <a:p>
-            <a:pPr indent="0" lvl="0" marL="0" rtl="0" algn="l">
-              <a:spcBef>
-                <a:spcPts val="0"/>
-              </a:spcBef>
-              <a:spcAft>
-                <a:spcPts val="0"/>
-              </a:spcAft>
-              <a:buNone/>
-            </a:pPr>
-            <a:r>
-              <a:rPr lang="en" sz="3600">
-                <a:solidFill>
-                  <a:schemeClr val="accent5"/>
-                </a:solidFill>
-              </a:rPr>
-              <a:t>Multilabel Metrics:</a:t>
-            </a:r>
-            <a:endParaRPr sz="3600">
-              <a:solidFill>
-                <a:schemeClr val="accent5"/>
-              </a:solidFill>
-            </a:endParaRPr>
-          </a:p>
-          <a:p>
-            <a:pPr indent="-381000" lvl="0" marL="457200" rtl="0" algn="l">
-              <a:spcBef>
-                <a:spcPts val="0"/>
-              </a:spcBef>
-              <a:spcAft>
-                <a:spcPts val="0"/>
-              </a:spcAft>
-              <a:buSzPts val="2400"/>
-              <a:buChar char="❏"/>
-            </a:pPr>
-            <a:r>
-              <a:rPr lang="en" sz="2400">
-                <a:solidFill>
-                  <a:schemeClr val="accent5"/>
-                </a:solidFill>
-              </a:rPr>
-              <a:t>F1 Micro:</a:t>
-            </a:r>
-            <a:r>
-              <a:rPr lang="en" sz="2400"/>
-              <a:t> A combined measure of the model’s accuracy in predicting positive cases across all labels. </a:t>
-            </a:r>
-            <a:endParaRPr sz="2400"/>
-          </a:p>
-          <a:p>
-            <a:pPr indent="-349250" lvl="1" marL="914400" rtl="0" algn="l">
-              <a:spcBef>
-                <a:spcPts val="0"/>
-              </a:spcBef>
-              <a:spcAft>
-                <a:spcPts val="0"/>
-              </a:spcAft>
-              <a:buSzPts val="1900"/>
-              <a:buChar char="❏"/>
-            </a:pPr>
-            <a:r>
-              <a:rPr lang="en" sz="1900"/>
-              <a:t>Scale of 0.00-1.00 (the higher the better)</a:t>
-            </a:r>
-            <a:endParaRPr sz="1900"/>
-          </a:p>
-          <a:p>
-            <a:pPr indent="-381000" lvl="0" marL="457200" rtl="0" algn="l">
-              <a:spcBef>
-                <a:spcPts val="0"/>
-              </a:spcBef>
-              <a:spcAft>
-                <a:spcPts val="0"/>
-              </a:spcAft>
-              <a:buSzPts val="2400"/>
-              <a:buChar char="❏"/>
-            </a:pPr>
-            <a:r>
-              <a:rPr lang="en" sz="2400">
-                <a:solidFill>
-                  <a:schemeClr val="accent5"/>
-                </a:solidFill>
-              </a:rPr>
-              <a:t>Hamming Loss:</a:t>
-            </a:r>
-            <a:r>
-              <a:rPr lang="en" sz="2400"/>
-              <a:t> Quantifies the fraction of labels that are incorrectly predicted across all labels. </a:t>
-            </a:r>
-            <a:endParaRPr sz="2400"/>
-          </a:p>
-          <a:p>
-            <a:pPr indent="-349250" lvl="1" marL="914400" rtl="0" algn="l">
-              <a:spcBef>
-                <a:spcPts val="0"/>
-              </a:spcBef>
-              <a:spcAft>
-                <a:spcPts val="0"/>
-              </a:spcAft>
-              <a:buSzPts val="1900"/>
-              <a:buChar char="❏"/>
-            </a:pPr>
-            <a:r>
-              <a:rPr lang="en" sz="1900"/>
-              <a:t>Scale of 0.00 - 1.00 (the lower the </a:t>
-            </a:r>
-            <a:r>
-              <a:rPr lang="en" sz="1900"/>
-              <a:t>better</a:t>
-            </a:r>
-            <a:r>
-              <a:rPr lang="en" sz="1900"/>
-              <a:t>)</a:t>
-            </a:r>
-            <a:endParaRPr sz="1900"/>
-          </a:p>
-        </p:txBody>
-      </p:sp>
-    </p:spTree>
-  </p:cSld>
-  <p:clrMapOvr>
-    <a:masterClrMapping/>
-  </p:clrMapOvr>
-</p:sld>
-</file>
-
-<file path=ppt/slides/slide18.xml><?xml version="1.0" encoding="utf-8"?>
-<p:sld xmlns:a="http://schemas.openxmlformats.org/drawingml/2006/main" xmlns:r="http://schemas.openxmlformats.org/officeDocument/2006/relationships" xmlns:mc="http://schemas.openxmlformats.org/markup-compatibility/2006" xmlns:mv="urn:schemas-microsoft-com:mac:vml" xmlns:p="http://schemas.openxmlformats.org/presentationml/2006/main" xmlns:c="http://schemas.openxmlformats.org/drawingml/2006/chart" xmlns:dgm="http://schemas.openxmlformats.org/drawingml/2006/diagram" xmlns:o="urn:schemas-microsoft-com:office:office" xmlns:v="urn:schemas-microsoft-com:vml" xmlns:pvml="urn:schemas-microsoft-com:office:powerpoint" xmlns:com="http://schemas.openxmlformats.org/drawingml/2006/compatibility" xmlns:p14="http://schemas.microsoft.com/office/powerpoint/2010/main" xmlns:p15="http://schemas.microsoft.com/office/powerpoint/2012/main" xmlns:ahyp="http://schemas.microsoft.com/office/drawing/2018/hyperlinkcolor">
-  <p:cSld>
-    <p:spTree>
-      <p:nvGrpSpPr>
-        <p:cNvPr id="179" name="Shape 179"/>
-        <p:cNvGrpSpPr/>
-        <p:nvPr/>
-      </p:nvGrpSpPr>
-      <p:grpSpPr>
-        <a:xfrm>
-          <a:off x="0" y="0"/>
-          <a:ext cx="0" cy="0"/>
-          <a:chOff x="0" y="0"/>
-          <a:chExt cx="0" cy="0"/>
-        </a:xfrm>
-      </p:grpSpPr>
-      <p:sp>
-        <p:nvSpPr>
-          <p:cNvPr id="180" name="Google Shape;180;p30"/>
-          <p:cNvSpPr txBox="1"/>
-          <p:nvPr>
-            <p:ph type="title"/>
-          </p:nvPr>
-        </p:nvSpPr>
-        <p:spPr>
-          <a:xfrm>
             <a:off x="283100" y="226150"/>
             <a:ext cx="8627700" cy="758400"/>
           </a:xfrm>
@@ -11024,7 +10469,7 @@
       </p:sp>
       <p:pic>
         <p:nvPicPr>
-          <p:cNvPr id="181" name="Google Shape;181;p30"/>
+          <p:cNvPr id="176" name="Google Shape;176;p29"/>
           <p:cNvPicPr preferRelativeResize="0"/>
           <p:nvPr/>
         </p:nvPicPr>
@@ -11052,7 +10497,7 @@
       </p:pic>
       <p:sp>
         <p:nvSpPr>
-          <p:cNvPr id="182" name="Google Shape;182;p30"/>
+          <p:cNvPr id="177" name="Google Shape;177;p29"/>
           <p:cNvSpPr txBox="1"/>
           <p:nvPr/>
         </p:nvSpPr>
@@ -11175,6 +10620,304 @@
               <a:t/>
             </a:r>
             <a:endParaRPr b="1" sz="1900">
+              <a:solidFill>
+                <a:schemeClr val="lt1"/>
+              </a:solidFill>
+              <a:latin typeface="Raleway"/>
+              <a:ea typeface="Raleway"/>
+              <a:cs typeface="Raleway"/>
+              <a:sym typeface="Raleway"/>
+            </a:endParaRPr>
+          </a:p>
+        </p:txBody>
+      </p:sp>
+    </p:spTree>
+  </p:cSld>
+  <p:clrMapOvr>
+    <a:masterClrMapping/>
+  </p:clrMapOvr>
+</p:sld>
+</file>
+
+<file path=ppt/slides/slide18.xml><?xml version="1.0" encoding="utf-8"?>
+<p:sld xmlns:a="http://schemas.openxmlformats.org/drawingml/2006/main" xmlns:r="http://schemas.openxmlformats.org/officeDocument/2006/relationships" xmlns:mc="http://schemas.openxmlformats.org/markup-compatibility/2006" xmlns:mv="urn:schemas-microsoft-com:mac:vml" xmlns:p="http://schemas.openxmlformats.org/presentationml/2006/main" xmlns:c="http://schemas.openxmlformats.org/drawingml/2006/chart" xmlns:dgm="http://schemas.openxmlformats.org/drawingml/2006/diagram" xmlns:o="urn:schemas-microsoft-com:office:office" xmlns:v="urn:schemas-microsoft-com:vml" xmlns:pvml="urn:schemas-microsoft-com:office:powerpoint" xmlns:com="http://schemas.openxmlformats.org/drawingml/2006/compatibility" xmlns:p14="http://schemas.microsoft.com/office/powerpoint/2010/main" xmlns:p15="http://schemas.microsoft.com/office/powerpoint/2012/main" xmlns:ahyp="http://schemas.microsoft.com/office/drawing/2018/hyperlinkcolor">
+  <p:cSld>
+    <p:spTree>
+      <p:nvGrpSpPr>
+        <p:cNvPr id="181" name="Shape 181"/>
+        <p:cNvGrpSpPr/>
+        <p:nvPr/>
+      </p:nvGrpSpPr>
+      <p:grpSpPr>
+        <a:xfrm>
+          <a:off x="0" y="0"/>
+          <a:ext cx="0" cy="0"/>
+          <a:chOff x="0" y="0"/>
+          <a:chExt cx="0" cy="0"/>
+        </a:xfrm>
+      </p:grpSpPr>
+      <p:sp>
+        <p:nvSpPr>
+          <p:cNvPr id="182" name="Google Shape;182;p30"/>
+          <p:cNvSpPr txBox="1"/>
+          <p:nvPr>
+            <p:ph type="title"/>
+          </p:nvPr>
+        </p:nvSpPr>
+        <p:spPr>
+          <a:xfrm>
+            <a:off x="283100" y="365025"/>
+            <a:ext cx="8499600" cy="594600"/>
+          </a:xfrm>
+          <a:prstGeom prst="rect">
+            <a:avLst/>
+          </a:prstGeom>
+        </p:spPr>
+        <p:txBody>
+          <a:bodyPr anchorCtr="0" anchor="ctr" bIns="91425" lIns="91425" spcFirstLastPara="1" rIns="91425" wrap="square" tIns="91425">
+            <a:noAutofit/>
+          </a:bodyPr>
+          <a:lstStyle/>
+          <a:p>
+            <a:pPr indent="0" lvl="0" marL="0" rtl="0" algn="l">
+              <a:spcBef>
+                <a:spcPts val="0"/>
+              </a:spcBef>
+              <a:spcAft>
+                <a:spcPts val="0"/>
+              </a:spcAft>
+              <a:buNone/>
+            </a:pPr>
+            <a:r>
+              <a:rPr lang="en" sz="3600">
+                <a:solidFill>
+                  <a:schemeClr val="accent5"/>
+                </a:solidFill>
+              </a:rPr>
+              <a:t>Building a Custom Class</a:t>
+            </a:r>
+            <a:endParaRPr sz="3600">
+              <a:solidFill>
+                <a:schemeClr val="accent5"/>
+              </a:solidFill>
+            </a:endParaRPr>
+          </a:p>
+        </p:txBody>
+      </p:sp>
+      <p:pic>
+        <p:nvPicPr>
+          <p:cNvPr id="183" name="Google Shape;183;p30"/>
+          <p:cNvPicPr preferRelativeResize="0"/>
+          <p:nvPr/>
+        </p:nvPicPr>
+        <p:blipFill>
+          <a:blip r:embed="rId3">
+            <a:alphaModFix/>
+          </a:blip>
+          <a:stretch>
+            <a:fillRect/>
+          </a:stretch>
+        </p:blipFill>
+        <p:spPr>
+          <a:xfrm>
+            <a:off x="4381650" y="1037550"/>
+            <a:ext cx="4401049" cy="3535366"/>
+          </a:xfrm>
+          <a:prstGeom prst="rect">
+            <a:avLst/>
+          </a:prstGeom>
+          <a:noFill/>
+          <a:ln>
+            <a:noFill/>
+          </a:ln>
+        </p:spPr>
+      </p:pic>
+      <p:sp>
+        <p:nvSpPr>
+          <p:cNvPr id="184" name="Google Shape;184;p30"/>
+          <p:cNvSpPr txBox="1"/>
+          <p:nvPr/>
+        </p:nvSpPr>
+        <p:spPr>
+          <a:xfrm>
+            <a:off x="389900" y="683025"/>
+            <a:ext cx="3830100" cy="4056000"/>
+          </a:xfrm>
+          <a:prstGeom prst="rect">
+            <a:avLst/>
+          </a:prstGeom>
+          <a:noFill/>
+          <a:ln>
+            <a:noFill/>
+          </a:ln>
+        </p:spPr>
+        <p:txBody>
+          <a:bodyPr anchorCtr="0" anchor="t" bIns="91425" lIns="91425" spcFirstLastPara="1" rIns="91425" wrap="square" tIns="91425">
+            <a:noAutofit/>
+          </a:bodyPr>
+          <a:lstStyle/>
+          <a:p>
+            <a:pPr indent="0" lvl="0" marL="0" rtl="0" algn="l">
+              <a:spcBef>
+                <a:spcPts val="0"/>
+              </a:spcBef>
+              <a:spcAft>
+                <a:spcPts val="0"/>
+              </a:spcAft>
+              <a:buNone/>
+            </a:pPr>
+            <a:r>
+              <a:t/>
+            </a:r>
+            <a:endParaRPr b="1" sz="2000">
+              <a:solidFill>
+                <a:schemeClr val="lt1"/>
+              </a:solidFill>
+              <a:latin typeface="Raleway"/>
+              <a:ea typeface="Raleway"/>
+              <a:cs typeface="Raleway"/>
+              <a:sym typeface="Raleway"/>
+            </a:endParaRPr>
+          </a:p>
+          <a:p>
+            <a:pPr indent="-355600" lvl="0" marL="457200" rtl="0" algn="l">
+              <a:spcBef>
+                <a:spcPts val="0"/>
+              </a:spcBef>
+              <a:spcAft>
+                <a:spcPts val="0"/>
+              </a:spcAft>
+              <a:buClr>
+                <a:schemeClr val="lt1"/>
+              </a:buClr>
+              <a:buSzPts val="2000"/>
+              <a:buFont typeface="Raleway"/>
+              <a:buChar char="❏"/>
+            </a:pPr>
+            <a:r>
+              <a:rPr b="1" lang="en" sz="2000">
+                <a:solidFill>
+                  <a:schemeClr val="lt1"/>
+                </a:solidFill>
+                <a:latin typeface="Raleway"/>
+                <a:ea typeface="Raleway"/>
+                <a:cs typeface="Raleway"/>
+                <a:sym typeface="Raleway"/>
+              </a:rPr>
+              <a:t>Pickled (saved) individual models in their trained form</a:t>
+            </a:r>
+            <a:endParaRPr b="1" sz="2000">
+              <a:solidFill>
+                <a:schemeClr val="lt1"/>
+              </a:solidFill>
+              <a:latin typeface="Raleway"/>
+              <a:ea typeface="Raleway"/>
+              <a:cs typeface="Raleway"/>
+              <a:sym typeface="Raleway"/>
+            </a:endParaRPr>
+          </a:p>
+          <a:p>
+            <a:pPr indent="-355600" lvl="0" marL="457200" rtl="0" algn="l">
+              <a:spcBef>
+                <a:spcPts val="0"/>
+              </a:spcBef>
+              <a:spcAft>
+                <a:spcPts val="0"/>
+              </a:spcAft>
+              <a:buClr>
+                <a:schemeClr val="lt1"/>
+              </a:buClr>
+              <a:buSzPts val="2000"/>
+              <a:buFont typeface="Raleway"/>
+              <a:buChar char="❏"/>
+            </a:pPr>
+            <a:r>
+              <a:rPr b="1" lang="en" sz="2000">
+                <a:solidFill>
+                  <a:schemeClr val="lt1"/>
+                </a:solidFill>
+                <a:latin typeface="Raleway"/>
+                <a:ea typeface="Raleway"/>
+                <a:cs typeface="Raleway"/>
+                <a:sym typeface="Raleway"/>
+              </a:rPr>
+              <a:t>Results were consistent with individual model performances:</a:t>
+            </a:r>
+            <a:endParaRPr b="1" sz="2000">
+              <a:solidFill>
+                <a:schemeClr val="lt1"/>
+              </a:solidFill>
+              <a:latin typeface="Raleway"/>
+              <a:ea typeface="Raleway"/>
+              <a:cs typeface="Raleway"/>
+              <a:sym typeface="Raleway"/>
+            </a:endParaRPr>
+          </a:p>
+          <a:p>
+            <a:pPr indent="-336550" lvl="1" marL="1371600" rtl="0" algn="l">
+              <a:spcBef>
+                <a:spcPts val="0"/>
+              </a:spcBef>
+              <a:spcAft>
+                <a:spcPts val="0"/>
+              </a:spcAft>
+              <a:buClr>
+                <a:schemeClr val="lt1"/>
+              </a:buClr>
+              <a:buSzPts val="1700"/>
+              <a:buFont typeface="Raleway"/>
+              <a:buChar char="❏"/>
+            </a:pPr>
+            <a:r>
+              <a:rPr b="1" lang="en" sz="1700">
+                <a:solidFill>
+                  <a:schemeClr val="lt1"/>
+                </a:solidFill>
+                <a:latin typeface="Raleway"/>
+                <a:ea typeface="Raleway"/>
+                <a:cs typeface="Raleway"/>
+                <a:sym typeface="Raleway"/>
+              </a:rPr>
+              <a:t>Binary Recall: 0.867</a:t>
+            </a:r>
+            <a:endParaRPr b="1" sz="1700">
+              <a:solidFill>
+                <a:schemeClr val="lt1"/>
+              </a:solidFill>
+              <a:latin typeface="Raleway"/>
+              <a:ea typeface="Raleway"/>
+              <a:cs typeface="Raleway"/>
+              <a:sym typeface="Raleway"/>
+            </a:endParaRPr>
+          </a:p>
+          <a:p>
+            <a:pPr indent="-336550" lvl="1" marL="1371600" rtl="0" algn="l">
+              <a:spcBef>
+                <a:spcPts val="0"/>
+              </a:spcBef>
+              <a:spcAft>
+                <a:spcPts val="0"/>
+              </a:spcAft>
+              <a:buClr>
+                <a:schemeClr val="lt1"/>
+              </a:buClr>
+              <a:buSzPts val="1700"/>
+              <a:buFont typeface="Raleway"/>
+              <a:buChar char="❏"/>
+            </a:pPr>
+            <a:r>
+              <a:rPr b="1" lang="en" sz="1700">
+                <a:solidFill>
+                  <a:schemeClr val="lt1"/>
+                </a:solidFill>
+                <a:latin typeface="Raleway"/>
+                <a:ea typeface="Raleway"/>
+                <a:cs typeface="Raleway"/>
+                <a:sym typeface="Raleway"/>
+              </a:rPr>
+              <a:t>Hamming Loss: 0.054</a:t>
+            </a:r>
+            <a:endParaRPr b="1" sz="1700">
               <a:solidFill>
                 <a:schemeClr val="lt1"/>
               </a:solidFill>
@@ -11199,7 +10942,7 @@
   <p:cSld>
     <p:spTree>
       <p:nvGrpSpPr>
-        <p:cNvPr id="186" name="Shape 186"/>
+        <p:cNvPr id="188" name="Shape 188"/>
         <p:cNvGrpSpPr/>
         <p:nvPr/>
       </p:nvGrpSpPr>
@@ -11213,7 +10956,7 @@
       </p:grpSpPr>
       <p:sp>
         <p:nvSpPr>
-          <p:cNvPr id="187" name="Google Shape;187;p31"/>
+          <p:cNvPr id="189" name="Google Shape;189;p31"/>
           <p:cNvSpPr txBox="1"/>
           <p:nvPr>
             <p:ph type="title"/>
@@ -11221,8 +10964,8 @@
         </p:nvSpPr>
         <p:spPr>
           <a:xfrm>
-            <a:off x="283100" y="116150"/>
-            <a:ext cx="8544900" cy="3097200"/>
+            <a:off x="283100" y="364050"/>
+            <a:ext cx="8283000" cy="4591800"/>
           </a:xfrm>
           <a:prstGeom prst="rect">
             <a:avLst/>
@@ -11249,7 +10992,7 @@
                   <a:schemeClr val="accent5"/>
                 </a:solidFill>
               </a:rPr>
-              <a:t>Creating a Custom Class</a:t>
+              <a:t>Conclusions and Next Steps:</a:t>
             </a:r>
             <a:endParaRPr sz="3600">
               <a:solidFill>
@@ -11258,78 +11001,74 @@
             </a:endParaRPr>
           </a:p>
           <a:p>
-            <a:pPr indent="-387350" lvl="0" marL="457200" rtl="0" algn="l">
-              <a:spcBef>
-                <a:spcPts val="0"/>
-              </a:spcBef>
-              <a:spcAft>
-                <a:spcPts val="0"/>
-              </a:spcAft>
-              <a:buSzPts val="2500"/>
+            <a:pPr indent="-381000" lvl="0" marL="457200" rtl="0" algn="l">
+              <a:spcBef>
+                <a:spcPts val="0"/>
+              </a:spcBef>
+              <a:spcAft>
+                <a:spcPts val="0"/>
+              </a:spcAft>
+              <a:buSzPts val="2400"/>
               <a:buChar char="❏"/>
             </a:pPr>
             <a:r>
+              <a:rPr lang="en" sz="2400"/>
+              <a:t>This approach worked well, but there is room for improvement!</a:t>
+            </a:r>
+            <a:endParaRPr sz="2400"/>
+          </a:p>
+          <a:p>
+            <a:pPr indent="-381000" lvl="0" marL="457200" rtl="0" algn="l">
+              <a:spcBef>
+                <a:spcPts val="0"/>
+              </a:spcBef>
+              <a:spcAft>
+                <a:spcPts val="0"/>
+              </a:spcAft>
+              <a:buSzPts val="2400"/>
+              <a:buChar char="❏"/>
+            </a:pPr>
+            <a:r>
               <a:rPr lang="en" sz="2500"/>
-              <a:t>These steps were original done </a:t>
-            </a:r>
-            <a:r>
-              <a:rPr lang="en" sz="2500"/>
-              <a:t>separately</a:t>
+              <a:t>Incorporate more of the features such as sentiment scores, LDA labels, text length, character counts</a:t>
+            </a:r>
+            <a:endParaRPr sz="2400"/>
+          </a:p>
+          <a:p>
+            <a:pPr indent="-381000" lvl="0" marL="457200" rtl="0" algn="l">
+              <a:spcBef>
+                <a:spcPts val="0"/>
+              </a:spcBef>
+              <a:spcAft>
+                <a:spcPts val="0"/>
+              </a:spcAft>
+              <a:buSzPts val="2400"/>
+              <a:buChar char="❏"/>
+            </a:pPr>
+            <a:r>
+              <a:rPr lang="en" sz="2400"/>
+              <a:t>Classifying</a:t>
+            </a:r>
+            <a:r>
+              <a:rPr lang="en" sz="2400"/>
+              <a:t> toxic text is possible and has been done! There are multiple pre-trained models that exist to detect hate speech on HuggingFace that have been trained on much more data.</a:t>
             </a:r>
             <a:endParaRPr sz="2500"/>
           </a:p>
           <a:p>
-            <a:pPr indent="-387350" lvl="1" marL="1371600" rtl="0" algn="l">
-              <a:spcBef>
-                <a:spcPts val="0"/>
-              </a:spcBef>
-              <a:spcAft>
-                <a:spcPts val="0"/>
-              </a:spcAft>
-              <a:buSzPts val="2500"/>
-              <a:buChar char="❏"/>
+            <a:pPr indent="0" lvl="0" marL="457200" rtl="0" algn="l">
+              <a:spcBef>
+                <a:spcPts val="0"/>
+              </a:spcBef>
+              <a:spcAft>
+                <a:spcPts val="0"/>
+              </a:spcAft>
+              <a:buNone/>
             </a:pPr>
             <a:r>
-              <a:rPr lang="en" sz="2500"/>
-              <a:t>Pickled (s</a:t>
-            </a:r>
-            <a:r>
-              <a:rPr lang="en" sz="2500"/>
-              <a:t>aved) individual models in their trained form</a:t>
-            </a:r>
-            <a:endParaRPr sz="2500"/>
-          </a:p>
-          <a:p>
-            <a:pPr indent="-387350" lvl="1" marL="1371600" rtl="0" algn="l">
-              <a:spcBef>
-                <a:spcPts val="0"/>
-              </a:spcBef>
-              <a:spcAft>
-                <a:spcPts val="0"/>
-              </a:spcAft>
-              <a:buSzPts val="2500"/>
-              <a:buChar char="❏"/>
-            </a:pPr>
-            <a:r>
-              <a:rPr lang="en" sz="2500"/>
-              <a:t>Combined in a custom class to be able to generate predictions</a:t>
-            </a:r>
-            <a:endParaRPr sz="2500"/>
-          </a:p>
-          <a:p>
-            <a:pPr indent="0" lvl="0" marL="1371600" rtl="0" algn="l">
-              <a:spcBef>
-                <a:spcPts val="0"/>
-              </a:spcBef>
-              <a:spcAft>
-                <a:spcPts val="0"/>
-              </a:spcAft>
-              <a:buNone/>
-            </a:pPr>
-            <a:r>
               <a:t/>
             </a:r>
-            <a:endParaRPr sz="2500"/>
+            <a:endParaRPr sz="2400"/>
           </a:p>
         </p:txBody>
       </p:sp>
@@ -11368,8 +11107,8 @@
         </p:nvSpPr>
         <p:spPr>
           <a:xfrm>
-            <a:off x="271875" y="421275"/>
-            <a:ext cx="8745900" cy="4548000"/>
+            <a:off x="271875" y="240575"/>
+            <a:ext cx="8745900" cy="4728600"/>
           </a:xfrm>
           <a:prstGeom prst="rect">
             <a:avLst/>
@@ -11413,105 +11152,175 @@
             </a:endParaRPr>
           </a:p>
           <a:p>
-            <a:pPr indent="-361950" lvl="0" marL="457200" rtl="0" algn="l">
-              <a:spcBef>
-                <a:spcPts val="0"/>
-              </a:spcBef>
-              <a:spcAft>
-                <a:spcPts val="0"/>
-              </a:spcAft>
-              <a:buSzPts val="2100"/>
+            <a:pPr indent="-349250" lvl="0" marL="457200" rtl="0" algn="l">
+              <a:spcBef>
+                <a:spcPts val="0"/>
+              </a:spcBef>
+              <a:spcAft>
+                <a:spcPts val="0"/>
+              </a:spcAft>
+              <a:buSzPts val="1900"/>
               <a:buChar char="❏"/>
             </a:pPr>
             <a:r>
-              <a:rPr lang="en" sz="2100"/>
-              <a:t>The average user spends about 2.5 hours on social media daily. This has increased year over year. (Data Reportal, 2022)</a:t>
-            </a:r>
-            <a:endParaRPr sz="2100"/>
+              <a:rPr lang="en" sz="1900"/>
+              <a:t>The average user spends about 2.5 hours on social media daily. This has increased </a:t>
+            </a:r>
+            <a:r>
+              <a:rPr lang="en" sz="1900"/>
+              <a:t>year</a:t>
+            </a:r>
+            <a:r>
+              <a:rPr lang="en" sz="1900"/>
+              <a:t> over year.  </a:t>
+            </a:r>
+            <a:r>
+              <a:rPr lang="en" sz="1900"/>
+              <a:t>(Data Reportal, 2022)</a:t>
+            </a:r>
+            <a:endParaRPr sz="1900"/>
           </a:p>
           <a:p>
-            <a:pPr indent="-361950" lvl="0" marL="457200" rtl="0" algn="l">
-              <a:spcBef>
-                <a:spcPts val="0"/>
-              </a:spcBef>
-              <a:spcAft>
-                <a:spcPts val="0"/>
-              </a:spcAft>
-              <a:buSzPts val="2100"/>
+            <a:pPr indent="-349250" lvl="0" marL="457200" rtl="0" algn="l">
+              <a:spcBef>
+                <a:spcPts val="0"/>
+              </a:spcBef>
+              <a:spcAft>
+                <a:spcPts val="0"/>
+              </a:spcAft>
+              <a:buSzPts val="1900"/>
               <a:buChar char="❏"/>
             </a:pPr>
             <a:r>
-              <a:rPr lang="en" sz="2100"/>
+              <a:rPr lang="en" sz="1900"/>
               <a:t>Toxic speech online has also increased year over year (</a:t>
             </a:r>
             <a:r>
-              <a:rPr lang="en" sz="2100"/>
+              <a:rPr lang="en" sz="1900"/>
               <a:t>Data Reportal, 2022)</a:t>
             </a:r>
-            <a:endParaRPr sz="2100"/>
+            <a:endParaRPr sz="1900"/>
           </a:p>
           <a:p>
-            <a:pPr indent="-361950" lvl="0" marL="457200" rtl="0" algn="l">
-              <a:spcBef>
-                <a:spcPts val="0"/>
-              </a:spcBef>
-              <a:spcAft>
-                <a:spcPts val="0"/>
-              </a:spcAft>
-              <a:buSzPts val="2100"/>
+            <a:pPr indent="0" lvl="0" marL="457200" rtl="0" algn="l">
+              <a:spcBef>
+                <a:spcPts val="0"/>
+              </a:spcBef>
+              <a:spcAft>
+                <a:spcPts val="0"/>
+              </a:spcAft>
+              <a:buNone/>
+            </a:pPr>
+            <a:r>
+              <a:t/>
+            </a:r>
+            <a:endParaRPr sz="1900"/>
+          </a:p>
+          <a:p>
+            <a:pPr indent="-349250" lvl="1" marL="914400" rtl="0" algn="l">
+              <a:spcBef>
+                <a:spcPts val="0"/>
+              </a:spcBef>
+              <a:spcAft>
+                <a:spcPts val="0"/>
+              </a:spcAft>
+              <a:buSzPts val="1900"/>
               <a:buChar char="❏"/>
             </a:pPr>
             <a:r>
-              <a:rPr lang="en" sz="2100"/>
-              <a:t>At least 20% of young adults between 18-24 have experienced online hate speech (Gestche, et al, 2019)</a:t>
-            </a:r>
-            <a:endParaRPr sz="2100"/>
+              <a:rPr lang="en" sz="1900"/>
+              <a:t>20% of young adults between 18-24 have experienced online hate speech (Gestche, et al, 2019)</a:t>
+            </a:r>
+            <a:endParaRPr sz="1900"/>
           </a:p>
           <a:p>
-            <a:pPr indent="-361950" lvl="0" marL="457200" rtl="0" algn="l">
-              <a:spcBef>
-                <a:spcPts val="0"/>
-              </a:spcBef>
-              <a:spcAft>
-                <a:spcPts val="0"/>
-              </a:spcAft>
-              <a:buSzPts val="2100"/>
+            <a:pPr indent="-349250" lvl="1" marL="914400" rtl="0" algn="l">
+              <a:spcBef>
+                <a:spcPts val="0"/>
+              </a:spcBef>
+              <a:spcAft>
+                <a:spcPts val="0"/>
+              </a:spcAft>
+              <a:buSzPts val="1900"/>
               <a:buChar char="❏"/>
             </a:pPr>
             <a:r>
-              <a:rPr lang="en" sz="2100"/>
+              <a:rPr lang="en" sz="1900"/>
               <a:t>40% of Americans have experienced online </a:t>
             </a:r>
             <a:r>
-              <a:rPr lang="en" sz="2100"/>
+              <a:rPr lang="en" sz="1900"/>
               <a:t>harassment (Pew, 2021)</a:t>
             </a:r>
-            <a:endParaRPr sz="2100"/>
+            <a:endParaRPr sz="1900"/>
           </a:p>
           <a:p>
-            <a:pPr indent="-361950" lvl="0" marL="457200" rtl="0" algn="l">
-              <a:spcBef>
-                <a:spcPts val="0"/>
-              </a:spcBef>
-              <a:spcAft>
-                <a:spcPts val="0"/>
-              </a:spcAft>
-              <a:buSzPts val="2100"/>
+            <a:pPr indent="-349250" lvl="1" marL="914400" rtl="0" algn="l">
+              <a:spcBef>
+                <a:spcPts val="0"/>
+              </a:spcBef>
+              <a:spcAft>
+                <a:spcPts val="0"/>
+              </a:spcAft>
+              <a:buSzPts val="1900"/>
               <a:buChar char="❏"/>
             </a:pPr>
             <a:r>
-              <a:rPr lang="en" sz="2100"/>
+              <a:rPr lang="en" sz="1900"/>
               <a:t>73% of online users have witnessed others being </a:t>
             </a:r>
             <a:r>
-              <a:rPr lang="en" sz="2100"/>
+              <a:rPr lang="en" sz="1900"/>
               <a:t>harassed</a:t>
             </a:r>
             <a:r>
-              <a:rPr lang="en" sz="2100"/>
+              <a:rPr lang="en" sz="1900"/>
               <a:t> (Pew, 2014)</a:t>
             </a:r>
-            <a:endParaRPr sz="2100"/>
+            <a:endParaRPr sz="1900"/>
+          </a:p>
+          <a:p>
+            <a:pPr indent="-349250" lvl="1" marL="914400" rtl="0" algn="l">
+              <a:lnSpc>
+                <a:spcPct val="115000"/>
+              </a:lnSpc>
+              <a:spcBef>
+                <a:spcPts val="0"/>
+              </a:spcBef>
+              <a:spcAft>
+                <a:spcPts val="0"/>
+              </a:spcAft>
+              <a:buSzPts val="1900"/>
+              <a:buChar char="❏"/>
+            </a:pPr>
+            <a:r>
+              <a:rPr lang="en" sz="1900"/>
+              <a:t>Targets of hate speech and harassment can suffer substantial side effects: anxiety,  insecurity, depression  (Delgagado &amp; Stefanic, 2019)</a:t>
+            </a:r>
+            <a:endParaRPr sz="1900">
+              <a:solidFill>
+                <a:schemeClr val="dk2"/>
+              </a:solidFill>
+              <a:latin typeface="Arial"/>
+              <a:ea typeface="Arial"/>
+              <a:cs typeface="Arial"/>
+              <a:sym typeface="Arial"/>
+            </a:endParaRPr>
+          </a:p>
+          <a:p>
+            <a:pPr indent="0" lvl="0" marL="457200" rtl="0" algn="l">
+              <a:spcBef>
+                <a:spcPts val="0"/>
+              </a:spcBef>
+              <a:spcAft>
+                <a:spcPts val="0"/>
+              </a:spcAft>
+              <a:buNone/>
+            </a:pPr>
+            <a:r>
+              <a:t/>
+            </a:r>
+            <a:endParaRPr sz="1900"/>
           </a:p>
           <a:p>
             <a:pPr indent="0" lvl="0" marL="0" rtl="0" algn="l">
@@ -11552,134 +11361,6 @@
               <a:cs typeface="Arial"/>
               <a:sym typeface="Arial"/>
             </a:endParaRPr>
-          </a:p>
-        </p:txBody>
-      </p:sp>
-    </p:spTree>
-  </p:cSld>
-  <p:clrMapOvr>
-    <a:masterClrMapping/>
-  </p:clrMapOvr>
-</p:sld>
-</file>
-
-<file path=ppt/slides/slide20.xml><?xml version="1.0" encoding="utf-8"?>
-<p:sld xmlns:a="http://schemas.openxmlformats.org/drawingml/2006/main" xmlns:r="http://schemas.openxmlformats.org/officeDocument/2006/relationships" xmlns:mc="http://schemas.openxmlformats.org/markup-compatibility/2006" xmlns:mv="urn:schemas-microsoft-com:mac:vml" xmlns:p="http://schemas.openxmlformats.org/presentationml/2006/main" xmlns:c="http://schemas.openxmlformats.org/drawingml/2006/chart" xmlns:dgm="http://schemas.openxmlformats.org/drawingml/2006/diagram" xmlns:o="urn:schemas-microsoft-com:office:office" xmlns:v="urn:schemas-microsoft-com:vml" xmlns:pvml="urn:schemas-microsoft-com:office:powerpoint" xmlns:com="http://schemas.openxmlformats.org/drawingml/2006/compatibility" xmlns:p14="http://schemas.microsoft.com/office/powerpoint/2010/main" xmlns:p15="http://schemas.microsoft.com/office/powerpoint/2012/main" xmlns:ahyp="http://schemas.microsoft.com/office/drawing/2018/hyperlinkcolor">
-  <p:cSld>
-    <p:spTree>
-      <p:nvGrpSpPr>
-        <p:cNvPr id="191" name="Shape 191"/>
-        <p:cNvGrpSpPr/>
-        <p:nvPr/>
-      </p:nvGrpSpPr>
-      <p:grpSpPr>
-        <a:xfrm>
-          <a:off x="0" y="0"/>
-          <a:ext cx="0" cy="0"/>
-          <a:chOff x="0" y="0"/>
-          <a:chExt cx="0" cy="0"/>
-        </a:xfrm>
-      </p:grpSpPr>
-      <p:sp>
-        <p:nvSpPr>
-          <p:cNvPr id="192" name="Google Shape;192;p32"/>
-          <p:cNvSpPr txBox="1"/>
-          <p:nvPr>
-            <p:ph type="title"/>
-          </p:nvPr>
-        </p:nvSpPr>
-        <p:spPr>
-          <a:xfrm>
-            <a:off x="283100" y="364050"/>
-            <a:ext cx="8283000" cy="4591800"/>
-          </a:xfrm>
-          <a:prstGeom prst="rect">
-            <a:avLst/>
-          </a:prstGeom>
-        </p:spPr>
-        <p:txBody>
-          <a:bodyPr anchorCtr="0" anchor="ctr" bIns="91425" lIns="91425" spcFirstLastPara="1" rIns="91425" wrap="square" tIns="91425">
-            <a:noAutofit/>
-          </a:bodyPr>
-          <a:lstStyle/>
-          <a:p>
-            <a:pPr indent="0" lvl="0" marL="0" rtl="0" algn="l">
-              <a:spcBef>
-                <a:spcPts val="0"/>
-              </a:spcBef>
-              <a:spcAft>
-                <a:spcPts val="0"/>
-              </a:spcAft>
-              <a:buNone/>
-            </a:pPr>
-            <a:r>
-              <a:rPr lang="en" sz="3600">
-                <a:solidFill>
-                  <a:schemeClr val="accent5"/>
-                </a:solidFill>
-              </a:rPr>
-              <a:t>Conclusions and Next Steps:</a:t>
-            </a:r>
-            <a:endParaRPr sz="3600">
-              <a:solidFill>
-                <a:schemeClr val="accent5"/>
-              </a:solidFill>
-            </a:endParaRPr>
-          </a:p>
-          <a:p>
-            <a:pPr indent="-381000" lvl="0" marL="457200" rtl="0" algn="l">
-              <a:spcBef>
-                <a:spcPts val="0"/>
-              </a:spcBef>
-              <a:spcAft>
-                <a:spcPts val="0"/>
-              </a:spcAft>
-              <a:buSzPts val="2400"/>
-              <a:buChar char="❏"/>
-            </a:pPr>
-            <a:r>
-              <a:rPr lang="en" sz="2400"/>
-              <a:t>This approach worked well, but there is room for improvement!</a:t>
-            </a:r>
-            <a:endParaRPr sz="2400"/>
-          </a:p>
-          <a:p>
-            <a:pPr indent="-381000" lvl="0" marL="457200" rtl="0" algn="l">
-              <a:spcBef>
-                <a:spcPts val="0"/>
-              </a:spcBef>
-              <a:spcAft>
-                <a:spcPts val="0"/>
-              </a:spcAft>
-              <a:buSzPts val="2400"/>
-              <a:buChar char="❏"/>
-            </a:pPr>
-            <a:r>
-              <a:rPr lang="en" sz="2400"/>
-              <a:t>Classifying</a:t>
-            </a:r>
-            <a:r>
-              <a:rPr lang="en" sz="2400"/>
-              <a:t> toxic text is possible and has been done! There are multiple pre-trained models that exist to detect hate speech on HuggingFace that have been train on much more data.</a:t>
-            </a:r>
-            <a:endParaRPr sz="2500"/>
-          </a:p>
-          <a:p>
-            <a:pPr indent="-387350" lvl="0" marL="457200" rtl="0" algn="l">
-              <a:spcBef>
-                <a:spcPts val="0"/>
-              </a:spcBef>
-              <a:spcAft>
-                <a:spcPts val="0"/>
-              </a:spcAft>
-              <a:buSzPts val="2500"/>
-              <a:buChar char="❏"/>
-            </a:pPr>
-            <a:r>
-              <a:rPr lang="en" sz="2500"/>
-              <a:t>Incorporate more of the features such as sentiment scores, LDA labels, text length, character counts</a:t>
-            </a:r>
-            <a:endParaRPr sz="2400"/>
           </a:p>
         </p:txBody>
       </p:sp>
@@ -11718,8 +11399,8 @@
         </p:nvSpPr>
         <p:spPr>
           <a:xfrm>
-            <a:off x="247375" y="298825"/>
-            <a:ext cx="8768400" cy="4543500"/>
+            <a:off x="247375" y="66125"/>
+            <a:ext cx="8592600" cy="4408200"/>
           </a:xfrm>
           <a:prstGeom prst="rect">
             <a:avLst/>
@@ -11732,6 +11413,9 @@
           <a:lstStyle/>
           <a:p>
             <a:pPr indent="0" lvl="0" marL="0" rtl="0" algn="l">
+              <a:lnSpc>
+                <a:spcPct val="115000"/>
+              </a:lnSpc>
               <a:spcBef>
                 <a:spcPts val="0"/>
               </a:spcBef>
@@ -11741,22 +11425,9 @@
               <a:buNone/>
             </a:pPr>
             <a:r>
-              <a:rPr lang="en" sz="3700">
-                <a:solidFill>
-                  <a:schemeClr val="accent5"/>
-                </a:solidFill>
-              </a:rPr>
-              <a:t>Real World Impact</a:t>
-            </a:r>
-            <a:r>
-              <a:rPr lang="en" sz="3700">
-                <a:solidFill>
-                  <a:schemeClr val="accent5"/>
-                </a:solidFill>
-              </a:rPr>
-              <a:t>:</a:t>
-            </a:r>
-            <a:endParaRPr sz="3700">
+              <a:t/>
+            </a:r>
+            <a:endParaRPr sz="2800">
               <a:solidFill>
                 <a:schemeClr val="accent5"/>
               </a:solidFill>
@@ -11776,9 +11447,50 @@
               <a:buNone/>
             </a:pPr>
             <a:r>
-              <a:t/>
-            </a:r>
-            <a:endParaRPr sz="1700"/>
+              <a:rPr b="0" i="1" lang="en" sz="3400">
+                <a:solidFill>
+                  <a:schemeClr val="accent5"/>
+                </a:solidFill>
+                <a:latin typeface="Raleway ExtraBold"/>
+                <a:ea typeface="Raleway ExtraBold"/>
+                <a:cs typeface="Raleway ExtraBold"/>
+                <a:sym typeface="Raleway ExtraBold"/>
+              </a:rPr>
+              <a:t>Problem: </a:t>
+            </a:r>
+            <a:r>
+              <a:rPr b="0" i="1" lang="en" sz="2700">
+                <a:latin typeface="Raleway ExtraBold"/>
+                <a:ea typeface="Raleway ExtraBold"/>
+                <a:cs typeface="Raleway ExtraBold"/>
+                <a:sym typeface="Raleway ExtraBold"/>
+              </a:rPr>
+              <a:t>Online platforms continue to </a:t>
+            </a:r>
+            <a:r>
+              <a:rPr b="0" i="1" lang="en" sz="2700">
+                <a:latin typeface="Raleway ExtraBold"/>
+                <a:ea typeface="Raleway ExtraBold"/>
+                <a:cs typeface="Raleway ExtraBold"/>
+                <a:sym typeface="Raleway ExtraBold"/>
+              </a:rPr>
+              <a:t>struggle</a:t>
+            </a:r>
+            <a:r>
+              <a:rPr b="0" i="1" lang="en" sz="2700">
+                <a:latin typeface="Raleway ExtraBold"/>
+                <a:ea typeface="Raleway ExtraBold"/>
+                <a:cs typeface="Raleway ExtraBold"/>
+                <a:sym typeface="Raleway ExtraBold"/>
+              </a:rPr>
+              <a:t> with mitigating pervasive toxicity.</a:t>
+            </a:r>
+            <a:endParaRPr b="0" i="1" sz="2700">
+              <a:latin typeface="Raleway ExtraBold"/>
+              <a:ea typeface="Raleway ExtraBold"/>
+              <a:cs typeface="Raleway ExtraBold"/>
+              <a:sym typeface="Raleway ExtraBold"/>
+            </a:endParaRPr>
           </a:p>
           <a:p>
             <a:pPr indent="0" lvl="0" marL="0" rtl="0" algn="l">
@@ -11794,56 +11506,14 @@
               <a:buNone/>
             </a:pPr>
             <a:r>
-              <a:rPr lang="en" sz="2500">
-                <a:solidFill>
-                  <a:schemeClr val="accent5"/>
-                </a:solidFill>
-              </a:rPr>
-              <a:t>Conversational Health:</a:t>
-            </a:r>
-            <a:endParaRPr sz="2500">
-              <a:solidFill>
-                <a:schemeClr val="accent5"/>
-              </a:solidFill>
+              <a:t/>
+            </a:r>
+            <a:endParaRPr b="0" i="1" sz="2700">
+              <a:latin typeface="Raleway ExtraBold"/>
+              <a:ea typeface="Raleway ExtraBold"/>
+              <a:cs typeface="Raleway ExtraBold"/>
+              <a:sym typeface="Raleway ExtraBold"/>
             </a:endParaRPr>
-          </a:p>
-          <a:p>
-            <a:pPr indent="-368300" lvl="0" marL="914400" rtl="0" algn="l">
-              <a:lnSpc>
-                <a:spcPct val="115000"/>
-              </a:lnSpc>
-              <a:spcBef>
-                <a:spcPts val="0"/>
-              </a:spcBef>
-              <a:spcAft>
-                <a:spcPts val="0"/>
-              </a:spcAft>
-              <a:buSzPts val="2200"/>
-              <a:buChar char="❏"/>
-            </a:pPr>
-            <a:r>
-              <a:rPr lang="en" sz="2200"/>
-              <a:t>Harmful speech and harassment make people less likely to want to connect and share their views </a:t>
-            </a:r>
-            <a:endParaRPr sz="2200"/>
-          </a:p>
-          <a:p>
-            <a:pPr indent="0" lvl="0" marL="457200" rtl="0" algn="l">
-              <a:lnSpc>
-                <a:spcPct val="115000"/>
-              </a:lnSpc>
-              <a:spcBef>
-                <a:spcPts val="0"/>
-              </a:spcBef>
-              <a:spcAft>
-                <a:spcPts val="0"/>
-              </a:spcAft>
-              <a:buNone/>
-            </a:pPr>
-            <a:r>
-              <a:t/>
-            </a:r>
-            <a:endParaRPr sz="1700"/>
           </a:p>
           <a:p>
             <a:pPr indent="0" lvl="0" marL="0" rtl="0" algn="l">
@@ -11859,21 +11529,35 @@
               <a:buNone/>
             </a:pPr>
             <a:r>
-              <a:rPr lang="en" sz="2500">
+              <a:rPr b="0" i="1" lang="en" sz="3400">
                 <a:solidFill>
                   <a:schemeClr val="accent5"/>
                 </a:solidFill>
+                <a:latin typeface="Raleway ExtraBold"/>
+                <a:ea typeface="Raleway ExtraBold"/>
+                <a:cs typeface="Raleway ExtraBold"/>
+                <a:sym typeface="Raleway ExtraBold"/>
               </a:rPr>
-              <a:t>Mental Health:</a:t>
-            </a:r>
-            <a:endParaRPr sz="2500">
-              <a:solidFill>
-                <a:schemeClr val="accent5"/>
-              </a:solidFill>
+              <a:t>Question: </a:t>
+            </a:r>
+            <a:r>
+              <a:rPr b="0" i="1" lang="en" sz="2700">
+                <a:latin typeface="Raleway ExtraBold"/>
+                <a:ea typeface="Raleway ExtraBold"/>
+                <a:cs typeface="Raleway ExtraBold"/>
+                <a:sym typeface="Raleway ExtraBold"/>
+              </a:rPr>
+              <a:t>Can we leverage natural language processing and machine learning to build a model that can identify and classify toxic text?</a:t>
+            </a:r>
+            <a:endParaRPr b="0" i="1" sz="2700">
+              <a:latin typeface="Raleway ExtraBold"/>
+              <a:ea typeface="Raleway ExtraBold"/>
+              <a:cs typeface="Raleway ExtraBold"/>
+              <a:sym typeface="Raleway ExtraBold"/>
             </a:endParaRPr>
           </a:p>
           <a:p>
-            <a:pPr indent="-368300" lvl="1" marL="914400" rtl="0" algn="l">
+            <a:pPr indent="0" lvl="0" marL="0" rtl="0" algn="l">
               <a:lnSpc>
                 <a:spcPct val="115000"/>
               </a:lnSpc>
@@ -11883,48 +11567,22 @@
               <a:spcAft>
                 <a:spcPts val="0"/>
               </a:spcAft>
-              <a:buSzPts val="2200"/>
-              <a:buChar char="❏"/>
+              <a:buClr>
+                <a:schemeClr val="dk2"/>
+              </a:buClr>
+              <a:buSzPts val="1100"/>
+              <a:buFont typeface="Arial"/>
+              <a:buNone/>
             </a:pPr>
             <a:r>
-              <a:rPr lang="en" sz="2200"/>
-              <a:t>Targets of hate speech and </a:t>
-            </a:r>
-            <a:r>
-              <a:rPr lang="en" sz="2200"/>
-              <a:t>harassment</a:t>
-            </a:r>
-            <a:r>
-              <a:rPr lang="en" sz="2200"/>
-              <a:t> can suffer substantial side effects: anxiety, fear, insecurity, depression, sleeplessness. (Delgagado &amp; Stefanic, 2019)</a:t>
-            </a:r>
-            <a:endParaRPr sz="2100">
-              <a:solidFill>
-                <a:srgbClr val="000000"/>
-              </a:solidFill>
-              <a:latin typeface="Arial"/>
-              <a:ea typeface="Arial"/>
-              <a:cs typeface="Arial"/>
-              <a:sym typeface="Arial"/>
+              <a:t/>
+            </a:r>
+            <a:endParaRPr b="0" i="1" sz="2300">
+              <a:latin typeface="Raleway SemiBold"/>
+              <a:ea typeface="Raleway SemiBold"/>
+              <a:cs typeface="Raleway SemiBold"/>
+              <a:sym typeface="Raleway SemiBold"/>
             </a:endParaRPr>
-          </a:p>
-          <a:p>
-            <a:pPr indent="0" lvl="0" marL="457200" rtl="0" algn="l">
-              <a:lnSpc>
-                <a:spcPct val="115000"/>
-              </a:lnSpc>
-              <a:spcBef>
-                <a:spcPts val="0"/>
-              </a:spcBef>
-              <a:spcAft>
-                <a:spcPts val="0"/>
-              </a:spcAft>
-              <a:buNone/>
-            </a:pPr>
-            <a:r>
-              <a:t/>
-            </a:r>
-            <a:endParaRPr sz="2500"/>
           </a:p>
         </p:txBody>
       </p:sp>
@@ -11963,12 +11621,21 @@
         </p:nvSpPr>
         <p:spPr>
           <a:xfrm>
-            <a:off x="247375" y="66125"/>
-            <a:ext cx="8592600" cy="4408200"/>
+            <a:off x="283100" y="0"/>
+            <a:ext cx="8421000" cy="4625100"/>
           </a:xfrm>
           <a:prstGeom prst="rect">
             <a:avLst/>
           </a:prstGeom>
+          <a:ln cap="flat" cmpd="sng" w="9525">
+            <a:solidFill>
+              <a:srgbClr val="353535"/>
+            </a:solidFill>
+            <a:prstDash val="solid"/>
+            <a:round/>
+            <a:headEnd len="sm" w="sm" type="none"/>
+            <a:tailEnd len="sm" w="sm" type="none"/>
+          </a:ln>
         </p:spPr>
         <p:txBody>
           <a:bodyPr anchorCtr="0" anchor="ctr" bIns="91425" lIns="91425" spcFirstLastPara="1" rIns="91425" wrap="square" tIns="91425">
@@ -11977,9 +11644,6 @@
           <a:lstStyle/>
           <a:p>
             <a:pPr indent="0" lvl="0" marL="0" rtl="0" algn="l">
-              <a:lnSpc>
-                <a:spcPct val="115000"/>
-              </a:lnSpc>
               <a:spcBef>
                 <a:spcPts val="0"/>
               </a:spcBef>
@@ -11991,17 +11655,151 @@
             <a:r>
               <a:t/>
             </a:r>
-            <a:endParaRPr sz="2800">
+            <a:endParaRPr/>
+          </a:p>
+          <a:p>
+            <a:pPr indent="0" lvl="0" marL="0" rtl="0" algn="l">
+              <a:spcBef>
+                <a:spcPts val="0"/>
+              </a:spcBef>
+              <a:spcAft>
+                <a:spcPts val="0"/>
+              </a:spcAft>
+              <a:buNone/>
+            </a:pPr>
+            <a:r>
+              <a:rPr lang="en">
+                <a:solidFill>
+                  <a:schemeClr val="accent5"/>
+                </a:solidFill>
+              </a:rPr>
+              <a:t>Data:</a:t>
+            </a:r>
+            <a:endParaRPr>
+              <a:solidFill>
+                <a:schemeClr val="accent5"/>
+              </a:solidFill>
+              <a:highlight>
+                <a:schemeClr val="accent5"/>
+              </a:highlight>
+            </a:endParaRPr>
+          </a:p>
+          <a:p>
+            <a:pPr indent="0" lvl="0" marL="0" rtl="0" algn="l">
+              <a:spcBef>
+                <a:spcPts val="0"/>
+              </a:spcBef>
+              <a:spcAft>
+                <a:spcPts val="0"/>
+              </a:spcAft>
+              <a:buNone/>
+            </a:pPr>
+            <a:r>
+              <a:t/>
+            </a:r>
+            <a:endParaRPr sz="2000"/>
+          </a:p>
+          <a:p>
+            <a:pPr indent="0" lvl="0" marL="0" rtl="0" algn="l">
+              <a:spcBef>
+                <a:spcPts val="0"/>
+              </a:spcBef>
+              <a:spcAft>
+                <a:spcPts val="0"/>
+              </a:spcAft>
+              <a:buNone/>
+            </a:pPr>
+            <a:r>
+              <a:rPr lang="en" sz="2000"/>
+              <a:t>Source: Civil Comment Corpus (2017) from Jigsaw/Conversation AI</a:t>
+            </a:r>
+            <a:endParaRPr sz="2000"/>
+          </a:p>
+          <a:p>
+            <a:pPr indent="-355600" lvl="0" marL="457200" rtl="0" algn="l">
+              <a:spcBef>
+                <a:spcPts val="0"/>
+              </a:spcBef>
+              <a:spcAft>
+                <a:spcPts val="0"/>
+              </a:spcAft>
+              <a:buSzPts val="2000"/>
+              <a:buChar char="-"/>
+            </a:pPr>
+            <a:r>
+              <a:rPr lang="en" sz="2000"/>
+              <a:t>159, 571 Labeled Wikipedia  Comments</a:t>
+            </a:r>
+            <a:endParaRPr sz="2000"/>
+          </a:p>
+          <a:p>
+            <a:pPr indent="-355600" lvl="0" marL="457200" rtl="0" algn="l">
+              <a:spcBef>
+                <a:spcPts val="0"/>
+              </a:spcBef>
+              <a:spcAft>
+                <a:spcPts val="0"/>
+              </a:spcAft>
+              <a:buSzPts val="2000"/>
+              <a:buChar char="-"/>
+            </a:pPr>
+            <a:r>
+              <a:rPr lang="en" sz="2000"/>
+              <a:t>Features: Text</a:t>
+            </a:r>
+            <a:endParaRPr sz="2000"/>
+          </a:p>
+          <a:p>
+            <a:pPr indent="-355600" lvl="0" marL="457200" rtl="0" algn="l">
+              <a:spcBef>
+                <a:spcPts val="0"/>
+              </a:spcBef>
+              <a:spcAft>
+                <a:spcPts val="0"/>
+              </a:spcAft>
+              <a:buSzPts val="2000"/>
+              <a:buChar char="-"/>
+            </a:pPr>
+            <a:r>
+              <a:rPr lang="en" sz="2000"/>
+              <a:t>Labels: Toxic, Severe Toxic, Obscene, Threat, Insult, Identity Hate, Neutral </a:t>
+            </a:r>
+            <a:endParaRPr sz="2000"/>
+          </a:p>
+          <a:p>
+            <a:pPr indent="-355600" lvl="0" marL="457200" rtl="0" algn="l">
+              <a:spcBef>
+                <a:spcPts val="0"/>
+              </a:spcBef>
+              <a:spcAft>
+                <a:spcPts val="0"/>
+              </a:spcAft>
+              <a:buClr>
+                <a:schemeClr val="accent5"/>
+              </a:buClr>
+              <a:buSzPts val="2000"/>
+              <a:buChar char="-"/>
+            </a:pPr>
+            <a:r>
+              <a:rPr lang="en" sz="2000"/>
+              <a:t>Unique Challenge: </a:t>
+            </a:r>
+            <a:r>
+              <a:rPr lang="en" sz="2000">
+                <a:solidFill>
+                  <a:schemeClr val="accent5"/>
+                </a:solidFill>
+              </a:rPr>
+              <a:t>This is a highly imbalanced, Multilabel Classification problem</a:t>
+            </a:r>
+            <a:endParaRPr sz="2000">
               <a:solidFill>
                 <a:schemeClr val="accent5"/>
               </a:solidFill>
             </a:endParaRPr>
           </a:p>
           <a:p>
-            <a:pPr indent="0" lvl="0" marL="457200" rtl="0" algn="l">
-              <a:lnSpc>
-                <a:spcPct val="115000"/>
-              </a:lnSpc>
+            <a:pPr indent="0" lvl="0" marL="0" rtl="0" algn="l">
               <a:spcBef>
                 <a:spcPts val="0"/>
               </a:spcBef>
@@ -12011,54 +11809,24 @@
               <a:buNone/>
             </a:pPr>
             <a:r>
-              <a:rPr b="0" i="1" lang="en" sz="3600">
-                <a:solidFill>
-                  <a:schemeClr val="accent5"/>
-                </a:solidFill>
-                <a:latin typeface="Raleway ExtraBold"/>
-                <a:ea typeface="Raleway ExtraBold"/>
-                <a:cs typeface="Raleway ExtraBold"/>
-                <a:sym typeface="Raleway ExtraBold"/>
-              </a:rPr>
-              <a:t>Can we leverage natural language processing and machine learning to build a model that can classify toxic text?</a:t>
-            </a:r>
-            <a:endParaRPr b="0" i="1" sz="3600">
-              <a:solidFill>
-                <a:schemeClr val="accent5"/>
-              </a:solidFill>
-              <a:latin typeface="Raleway ExtraBold"/>
-              <a:ea typeface="Raleway ExtraBold"/>
-              <a:cs typeface="Raleway ExtraBold"/>
-              <a:sym typeface="Raleway ExtraBold"/>
-            </a:endParaRPr>
+              <a:t/>
+            </a:r>
+            <a:endParaRPr sz="2000"/>
           </a:p>
           <a:p>
             <a:pPr indent="0" lvl="0" marL="0" rtl="0" algn="l">
-              <a:lnSpc>
-                <a:spcPct val="115000"/>
-              </a:lnSpc>
-              <a:spcBef>
-                <a:spcPts val="0"/>
-              </a:spcBef>
-              <a:spcAft>
-                <a:spcPts val="0"/>
-              </a:spcAft>
-              <a:buClr>
-                <a:schemeClr val="dk2"/>
-              </a:buClr>
-              <a:buSzPts val="1100"/>
-              <a:buFont typeface="Arial"/>
+              <a:spcBef>
+                <a:spcPts val="0"/>
+              </a:spcBef>
+              <a:spcAft>
+                <a:spcPts val="0"/>
+              </a:spcAft>
               <a:buNone/>
             </a:pPr>
             <a:r>
               <a:t/>
             </a:r>
-            <a:endParaRPr b="0" i="1" sz="2300">
-              <a:latin typeface="Raleway SemiBold"/>
-              <a:ea typeface="Raleway SemiBold"/>
-              <a:cs typeface="Raleway SemiBold"/>
-              <a:sym typeface="Raleway SemiBold"/>
-            </a:endParaRPr>
+            <a:endParaRPr sz="2000"/>
           </a:p>
         </p:txBody>
       </p:sp>
@@ -12097,250 +11865,6 @@
         </p:nvSpPr>
         <p:spPr>
           <a:xfrm>
-            <a:off x="283100" y="0"/>
-            <a:ext cx="8421000" cy="4625100"/>
-          </a:xfrm>
-          <a:prstGeom prst="rect">
-            <a:avLst/>
-          </a:prstGeom>
-          <a:ln cap="flat" cmpd="sng" w="9525">
-            <a:solidFill>
-              <a:srgbClr val="353535"/>
-            </a:solidFill>
-            <a:prstDash val="solid"/>
-            <a:round/>
-            <a:headEnd len="sm" w="sm" type="none"/>
-            <a:tailEnd len="sm" w="sm" type="none"/>
-          </a:ln>
-        </p:spPr>
-        <p:txBody>
-          <a:bodyPr anchorCtr="0" anchor="ctr" bIns="91425" lIns="91425" spcFirstLastPara="1" rIns="91425" wrap="square" tIns="91425">
-            <a:noAutofit/>
-          </a:bodyPr>
-          <a:lstStyle/>
-          <a:p>
-            <a:pPr indent="0" lvl="0" marL="0" rtl="0" algn="l">
-              <a:spcBef>
-                <a:spcPts val="0"/>
-              </a:spcBef>
-              <a:spcAft>
-                <a:spcPts val="0"/>
-              </a:spcAft>
-              <a:buNone/>
-            </a:pPr>
-            <a:r>
-              <a:t/>
-            </a:r>
-            <a:endParaRPr/>
-          </a:p>
-          <a:p>
-            <a:pPr indent="0" lvl="0" marL="0" rtl="0" algn="l">
-              <a:spcBef>
-                <a:spcPts val="0"/>
-              </a:spcBef>
-              <a:spcAft>
-                <a:spcPts val="0"/>
-              </a:spcAft>
-              <a:buNone/>
-            </a:pPr>
-            <a:r>
-              <a:rPr lang="en">
-                <a:solidFill>
-                  <a:schemeClr val="accent5"/>
-                </a:solidFill>
-              </a:rPr>
-              <a:t>Data:</a:t>
-            </a:r>
-            <a:endParaRPr>
-              <a:solidFill>
-                <a:schemeClr val="accent5"/>
-              </a:solidFill>
-              <a:highlight>
-                <a:schemeClr val="accent5"/>
-              </a:highlight>
-            </a:endParaRPr>
-          </a:p>
-          <a:p>
-            <a:pPr indent="0" lvl="0" marL="0" rtl="0" algn="l">
-              <a:spcBef>
-                <a:spcPts val="0"/>
-              </a:spcBef>
-              <a:spcAft>
-                <a:spcPts val="0"/>
-              </a:spcAft>
-              <a:buNone/>
-            </a:pPr>
-            <a:r>
-              <a:t/>
-            </a:r>
-            <a:endParaRPr sz="2000"/>
-          </a:p>
-          <a:p>
-            <a:pPr indent="0" lvl="0" marL="0" rtl="0" algn="l">
-              <a:spcBef>
-                <a:spcPts val="0"/>
-              </a:spcBef>
-              <a:spcAft>
-                <a:spcPts val="0"/>
-              </a:spcAft>
-              <a:buNone/>
-            </a:pPr>
-            <a:r>
-              <a:rPr lang="en" sz="2000"/>
-              <a:t>Source: Civil Comment Corpus (2017) from Jigsaw/Conversation AI</a:t>
-            </a:r>
-            <a:endParaRPr sz="2000"/>
-          </a:p>
-          <a:p>
-            <a:pPr indent="-355600" lvl="0" marL="457200" rtl="0" algn="l">
-              <a:spcBef>
-                <a:spcPts val="0"/>
-              </a:spcBef>
-              <a:spcAft>
-                <a:spcPts val="0"/>
-              </a:spcAft>
-              <a:buSzPts val="2000"/>
-              <a:buChar char="-"/>
-            </a:pPr>
-            <a:r>
-              <a:rPr lang="en" sz="2000"/>
-              <a:t>159, 571 Labeled Wikipedia  Comments</a:t>
-            </a:r>
-            <a:endParaRPr sz="2000"/>
-          </a:p>
-          <a:p>
-            <a:pPr indent="-355600" lvl="0" marL="457200" rtl="0" algn="l">
-              <a:spcBef>
-                <a:spcPts val="0"/>
-              </a:spcBef>
-              <a:spcAft>
-                <a:spcPts val="0"/>
-              </a:spcAft>
-              <a:buSzPts val="2000"/>
-              <a:buChar char="-"/>
-            </a:pPr>
-            <a:r>
-              <a:rPr lang="en" sz="2000"/>
-              <a:t>Features: Text</a:t>
-            </a:r>
-            <a:endParaRPr sz="2000"/>
-          </a:p>
-          <a:p>
-            <a:pPr indent="-355600" lvl="0" marL="457200" rtl="0" algn="l">
-              <a:spcBef>
-                <a:spcPts val="0"/>
-              </a:spcBef>
-              <a:spcAft>
-                <a:spcPts val="0"/>
-              </a:spcAft>
-              <a:buSzPts val="2000"/>
-              <a:buChar char="-"/>
-            </a:pPr>
-            <a:r>
-              <a:rPr lang="en" sz="2000"/>
-              <a:t>Labels: Toxic, Severe Toxic, Obscene, Threat, Insult, Identity Hate, Neutral </a:t>
-            </a:r>
-            <a:endParaRPr sz="2000"/>
-          </a:p>
-          <a:p>
-            <a:pPr indent="-355600" lvl="0" marL="457200" rtl="0" algn="l">
-              <a:spcBef>
-                <a:spcPts val="0"/>
-              </a:spcBef>
-              <a:spcAft>
-                <a:spcPts val="0"/>
-              </a:spcAft>
-              <a:buClr>
-                <a:schemeClr val="accent5"/>
-              </a:buClr>
-              <a:buSzPts val="2000"/>
-              <a:buChar char="-"/>
-            </a:pPr>
-            <a:r>
-              <a:rPr lang="en" sz="2000"/>
-              <a:t>Unique Challenge: </a:t>
-            </a:r>
-            <a:r>
-              <a:rPr lang="en" sz="2000">
-                <a:solidFill>
-                  <a:schemeClr val="accent5"/>
-                </a:solidFill>
-              </a:rPr>
-              <a:t>This is a highly imbalanced, Multilabel Classification problem</a:t>
-            </a:r>
-            <a:endParaRPr sz="2000">
-              <a:solidFill>
-                <a:schemeClr val="accent5"/>
-              </a:solidFill>
-            </a:endParaRPr>
-          </a:p>
-          <a:p>
-            <a:pPr indent="0" lvl="0" marL="0" rtl="0" algn="l">
-              <a:spcBef>
-                <a:spcPts val="0"/>
-              </a:spcBef>
-              <a:spcAft>
-                <a:spcPts val="0"/>
-              </a:spcAft>
-              <a:buNone/>
-            </a:pPr>
-            <a:r>
-              <a:t/>
-            </a:r>
-            <a:endParaRPr sz="2000"/>
-          </a:p>
-          <a:p>
-            <a:pPr indent="0" lvl="0" marL="0" rtl="0" algn="l">
-              <a:spcBef>
-                <a:spcPts val="0"/>
-              </a:spcBef>
-              <a:spcAft>
-                <a:spcPts val="0"/>
-              </a:spcAft>
-              <a:buNone/>
-            </a:pPr>
-            <a:r>
-              <a:t/>
-            </a:r>
-            <a:endParaRPr sz="2000"/>
-          </a:p>
-        </p:txBody>
-      </p:sp>
-    </p:spTree>
-  </p:cSld>
-  <p:clrMapOvr>
-    <a:masterClrMapping/>
-  </p:clrMapOvr>
-</p:sld>
-</file>
-
-<file path=ppt/slides/slide6.xml><?xml version="1.0" encoding="utf-8"?>
-<p:sld xmlns:a="http://schemas.openxmlformats.org/drawingml/2006/main" xmlns:r="http://schemas.openxmlformats.org/officeDocument/2006/relationships" xmlns:mc="http://schemas.openxmlformats.org/markup-compatibility/2006" xmlns:mv="urn:schemas-microsoft-com:mac:vml" xmlns:p="http://schemas.openxmlformats.org/presentationml/2006/main" xmlns:c="http://schemas.openxmlformats.org/drawingml/2006/chart" xmlns:dgm="http://schemas.openxmlformats.org/drawingml/2006/diagram" xmlns:o="urn:schemas-microsoft-com:office:office" xmlns:v="urn:schemas-microsoft-com:vml" xmlns:pvml="urn:schemas-microsoft-com:office:powerpoint" xmlns:com="http://schemas.openxmlformats.org/drawingml/2006/compatibility" xmlns:p14="http://schemas.microsoft.com/office/powerpoint/2010/main" xmlns:p15="http://schemas.microsoft.com/office/powerpoint/2012/main" xmlns:ahyp="http://schemas.microsoft.com/office/drawing/2018/hyperlinkcolor">
-  <p:cSld>
-    <p:spTree>
-      <p:nvGrpSpPr>
-        <p:cNvPr id="97" name="Shape 97"/>
-        <p:cNvGrpSpPr/>
-        <p:nvPr/>
-      </p:nvGrpSpPr>
-      <p:grpSpPr>
-        <a:xfrm>
-          <a:off x="0" y="0"/>
-          <a:ext cx="0" cy="0"/>
-          <a:chOff x="0" y="0"/>
-          <a:chExt cx="0" cy="0"/>
-        </a:xfrm>
-      </p:grpSpPr>
-      <p:sp>
-        <p:nvSpPr>
-          <p:cNvPr id="98" name="Google Shape;98;p18"/>
-          <p:cNvSpPr txBox="1"/>
-          <p:nvPr>
-            <p:ph type="title"/>
-          </p:nvPr>
-        </p:nvSpPr>
-        <p:spPr>
-          <a:xfrm>
             <a:off x="283100" y="253725"/>
             <a:ext cx="8641500" cy="717000"/>
           </a:xfrm>
@@ -12385,7 +11909,7 @@
       </p:sp>
       <p:pic>
         <p:nvPicPr>
-          <p:cNvPr id="99" name="Google Shape;99;p18"/>
+          <p:cNvPr id="94" name="Google Shape;94;p17"/>
           <p:cNvPicPr preferRelativeResize="0"/>
           <p:nvPr/>
         </p:nvPicPr>
@@ -12419,12 +11943,12 @@
 </p:sld>
 </file>
 
-<file path=ppt/slides/slide7.xml><?xml version="1.0" encoding="utf-8"?>
+<file path=ppt/slides/slide6.xml><?xml version="1.0" encoding="utf-8"?>
 <p:sld xmlns:a="http://schemas.openxmlformats.org/drawingml/2006/main" xmlns:r="http://schemas.openxmlformats.org/officeDocument/2006/relationships" xmlns:mc="http://schemas.openxmlformats.org/markup-compatibility/2006" xmlns:mv="urn:schemas-microsoft-com:mac:vml" xmlns:p="http://schemas.openxmlformats.org/presentationml/2006/main" xmlns:c="http://schemas.openxmlformats.org/drawingml/2006/chart" xmlns:dgm="http://schemas.openxmlformats.org/drawingml/2006/diagram" xmlns:o="urn:schemas-microsoft-com:office:office" xmlns:v="urn:schemas-microsoft-com:vml" xmlns:pvml="urn:schemas-microsoft-com:office:powerpoint" xmlns:com="http://schemas.openxmlformats.org/drawingml/2006/compatibility" xmlns:p14="http://schemas.microsoft.com/office/powerpoint/2010/main" xmlns:p15="http://schemas.microsoft.com/office/powerpoint/2012/main" xmlns:ahyp="http://schemas.microsoft.com/office/drawing/2018/hyperlinkcolor">
   <p:cSld>
     <p:spTree>
       <p:nvGrpSpPr>
-        <p:cNvPr id="103" name="Shape 103"/>
+        <p:cNvPr id="98" name="Shape 98"/>
         <p:cNvGrpSpPr/>
         <p:nvPr/>
       </p:nvGrpSpPr>
@@ -12438,7 +11962,7 @@
       </p:grpSpPr>
       <p:sp>
         <p:nvSpPr>
-          <p:cNvPr id="104" name="Google Shape;104;p19"/>
+          <p:cNvPr id="99" name="Google Shape;99;p18"/>
           <p:cNvSpPr txBox="1"/>
           <p:nvPr>
             <p:ph type="title"/>
@@ -12486,7 +12010,7 @@
       </p:sp>
       <p:pic>
         <p:nvPicPr>
-          <p:cNvPr id="105" name="Google Shape;105;p19"/>
+          <p:cNvPr id="100" name="Google Shape;100;p18"/>
           <p:cNvPicPr preferRelativeResize="0"/>
           <p:nvPr/>
         </p:nvPicPr>
@@ -12520,12 +12044,12 @@
 </p:sld>
 </file>
 
-<file path=ppt/slides/slide8.xml><?xml version="1.0" encoding="utf-8"?>
+<file path=ppt/slides/slide7.xml><?xml version="1.0" encoding="utf-8"?>
 <p:sld xmlns:a="http://schemas.openxmlformats.org/drawingml/2006/main" xmlns:r="http://schemas.openxmlformats.org/officeDocument/2006/relationships" xmlns:mc="http://schemas.openxmlformats.org/markup-compatibility/2006" xmlns:mv="urn:schemas-microsoft-com:mac:vml" xmlns:p="http://schemas.openxmlformats.org/presentationml/2006/main" xmlns:c="http://schemas.openxmlformats.org/drawingml/2006/chart" xmlns:dgm="http://schemas.openxmlformats.org/drawingml/2006/diagram" xmlns:o="urn:schemas-microsoft-com:office:office" xmlns:v="urn:schemas-microsoft-com:vml" xmlns:pvml="urn:schemas-microsoft-com:office:powerpoint" xmlns:com="http://schemas.openxmlformats.org/drawingml/2006/compatibility" xmlns:p14="http://schemas.microsoft.com/office/powerpoint/2010/main" xmlns:p15="http://schemas.microsoft.com/office/powerpoint/2012/main" xmlns:ahyp="http://schemas.microsoft.com/office/drawing/2018/hyperlinkcolor">
   <p:cSld>
     <p:spTree>
       <p:nvGrpSpPr>
-        <p:cNvPr id="109" name="Shape 109"/>
+        <p:cNvPr id="104" name="Shape 104"/>
         <p:cNvGrpSpPr/>
         <p:nvPr/>
       </p:nvGrpSpPr>
@@ -12539,7 +12063,7 @@
       </p:grpSpPr>
       <p:sp>
         <p:nvSpPr>
-          <p:cNvPr id="110" name="Google Shape;110;p20"/>
+          <p:cNvPr id="105" name="Google Shape;105;p19"/>
           <p:cNvSpPr txBox="1"/>
           <p:nvPr>
             <p:ph type="title"/>
@@ -12579,7 +12103,7 @@
       </p:sp>
       <p:grpSp>
         <p:nvGrpSpPr>
-          <p:cNvPr id="111" name="Google Shape;111;p20"/>
+          <p:cNvPr id="106" name="Google Shape;106;p19"/>
           <p:cNvGrpSpPr/>
           <p:nvPr/>
         </p:nvGrpSpPr>
@@ -12593,7 +12117,7 @@
         </p:grpSpPr>
         <p:sp>
           <p:nvSpPr>
-            <p:cNvPr id="112" name="Google Shape;112;p20"/>
+            <p:cNvPr id="107" name="Google Shape;107;p19"/>
             <p:cNvSpPr/>
             <p:nvPr/>
           </p:nvSpPr>
@@ -12655,14 +12179,14 @@
         </p:sp>
         <p:sp>
           <p:nvSpPr>
-            <p:cNvPr id="113" name="Google Shape;113;p20"/>
+            <p:cNvPr id="108" name="Google Shape;108;p19"/>
             <p:cNvSpPr txBox="1"/>
             <p:nvPr/>
           </p:nvSpPr>
           <p:spPr>
             <a:xfrm>
               <a:off x="295050" y="2057125"/>
-              <a:ext cx="1624500" cy="2733300"/>
+              <a:ext cx="1726500" cy="2733300"/>
             </a:xfrm>
             <a:prstGeom prst="rect">
               <a:avLst/>
@@ -12801,7 +12325,7 @@
                   <a:cs typeface="Raleway"/>
                   <a:sym typeface="Raleway"/>
                 </a:rPr>
-                <a:t>Lemmatized Text</a:t>
+                <a:t>Lemmatization</a:t>
               </a:r>
               <a:endParaRPr b="1" sz="1100">
                 <a:solidFill>
@@ -12841,7 +12365,33 @@
                   <a:cs typeface="Raleway"/>
                   <a:sym typeface="Raleway"/>
                 </a:rPr>
-                <a:t>Stopword Removal</a:t>
+                <a:t>Stopwords </a:t>
+              </a:r>
+              <a:endParaRPr b="1" sz="1100">
+                <a:solidFill>
+                  <a:schemeClr val="lt1"/>
+                </a:solidFill>
+                <a:latin typeface="Raleway"/>
+                <a:ea typeface="Raleway"/>
+                <a:cs typeface="Raleway"/>
+                <a:sym typeface="Raleway"/>
+              </a:endParaRPr>
+            </a:p>
+            <a:p>
+              <a:pPr indent="0" lvl="0" marL="0" rtl="0" algn="l">
+                <a:lnSpc>
+                  <a:spcPct val="115000"/>
+                </a:lnSpc>
+                <a:spcBef>
+                  <a:spcPts val="0"/>
+                </a:spcBef>
+                <a:spcAft>
+                  <a:spcPts val="0"/>
+                </a:spcAft>
+                <a:buNone/>
+              </a:pPr>
+              <a:r>
+                <a:t/>
               </a:r>
               <a:endParaRPr b="1" sz="1100">
                 <a:solidFill>
@@ -12858,7 +12408,7 @@
       </p:grpSp>
       <p:grpSp>
         <p:nvGrpSpPr>
-          <p:cNvPr id="114" name="Google Shape;114;p20"/>
+          <p:cNvPr id="109" name="Google Shape;109;p19"/>
           <p:cNvGrpSpPr/>
           <p:nvPr/>
         </p:nvGrpSpPr>
@@ -12872,7 +12422,7 @@
         </p:grpSpPr>
         <p:sp>
           <p:nvSpPr>
-            <p:cNvPr id="115" name="Google Shape;115;p20"/>
+            <p:cNvPr id="110" name="Google Shape;110;p19"/>
             <p:cNvSpPr/>
             <p:nvPr/>
           </p:nvSpPr>
@@ -12934,7 +12484,7 @@
         </p:sp>
         <p:sp>
           <p:nvSpPr>
-            <p:cNvPr id="116" name="Google Shape;116;p20"/>
+            <p:cNvPr id="111" name="Google Shape;111;p19"/>
             <p:cNvSpPr txBox="1"/>
             <p:nvPr/>
           </p:nvSpPr>
@@ -12996,7 +12546,7 @@
       </p:grpSp>
       <p:grpSp>
         <p:nvGrpSpPr>
-          <p:cNvPr id="117" name="Google Shape;117;p20"/>
+          <p:cNvPr id="112" name="Google Shape;112;p19"/>
           <p:cNvGrpSpPr/>
           <p:nvPr/>
         </p:nvGrpSpPr>
@@ -13010,7 +12560,7 @@
         </p:grpSpPr>
         <p:sp>
           <p:nvSpPr>
-            <p:cNvPr id="118" name="Google Shape;118;p20"/>
+            <p:cNvPr id="113" name="Google Shape;113;p19"/>
             <p:cNvSpPr/>
             <p:nvPr/>
           </p:nvSpPr>
@@ -13072,7 +12622,7 @@
         </p:sp>
         <p:sp>
           <p:nvSpPr>
-            <p:cNvPr id="119" name="Google Shape;119;p20"/>
+            <p:cNvPr id="114" name="Google Shape;114;p19"/>
             <p:cNvSpPr txBox="1"/>
             <p:nvPr/>
           </p:nvSpPr>
@@ -13117,7 +12667,7 @@
                   <a:cs typeface="Raleway"/>
                   <a:sym typeface="Raleway"/>
                 </a:rPr>
-                <a:t>Created numeric representations of the text data,</a:t>
+                <a:t>Created numeric representations of the text data</a:t>
               </a:r>
               <a:endParaRPr b="1" sz="1100">
                 <a:solidFill>
@@ -13186,7 +12736,7 @@
       </p:grpSp>
       <p:grpSp>
         <p:nvGrpSpPr>
-          <p:cNvPr id="120" name="Google Shape;120;p20"/>
+          <p:cNvPr id="115" name="Google Shape;115;p19"/>
           <p:cNvGrpSpPr/>
           <p:nvPr/>
         </p:nvGrpSpPr>
@@ -13200,7 +12750,7 @@
         </p:grpSpPr>
         <p:sp>
           <p:nvSpPr>
-            <p:cNvPr id="121" name="Google Shape;121;p20"/>
+            <p:cNvPr id="116" name="Google Shape;116;p19"/>
             <p:cNvSpPr/>
             <p:nvPr/>
           </p:nvSpPr>
@@ -13262,7 +12812,7 @@
         </p:sp>
         <p:sp>
           <p:nvSpPr>
-            <p:cNvPr id="122" name="Google Shape;122;p20"/>
+            <p:cNvPr id="117" name="Google Shape;117;p19"/>
             <p:cNvSpPr txBox="1"/>
             <p:nvPr/>
           </p:nvSpPr>
@@ -13350,7 +12900,7 @@
       </p:grpSp>
       <p:grpSp>
         <p:nvGrpSpPr>
-          <p:cNvPr id="123" name="Google Shape;123;p20"/>
+          <p:cNvPr id="118" name="Google Shape;118;p19"/>
           <p:cNvGrpSpPr/>
           <p:nvPr/>
         </p:nvGrpSpPr>
@@ -13364,7 +12914,7 @@
         </p:grpSpPr>
         <p:sp>
           <p:nvSpPr>
-            <p:cNvPr id="124" name="Google Shape;124;p20"/>
+            <p:cNvPr id="119" name="Google Shape;119;p19"/>
             <p:cNvSpPr/>
             <p:nvPr/>
           </p:nvSpPr>
@@ -13426,7 +12976,7 @@
         </p:sp>
         <p:sp>
           <p:nvSpPr>
-            <p:cNvPr id="125" name="Google Shape;125;p20"/>
+            <p:cNvPr id="120" name="Google Shape;120;p19"/>
             <p:cNvSpPr txBox="1"/>
             <p:nvPr/>
           </p:nvSpPr>
@@ -13532,19 +13082,36 @@
                 <a:buNone/>
               </a:pPr>
               <a:r>
-                <a:rPr b="1" lang="en" sz="1100">
-                  <a:solidFill>
-                    <a:schemeClr val="lt1"/>
-                  </a:solidFill>
-                  <a:highlight>
-                    <a:srgbClr val="353535"/>
-                  </a:highlight>
-                  <a:latin typeface="Raleway"/>
-                  <a:ea typeface="Raleway"/>
-                  <a:cs typeface="Raleway"/>
-                  <a:sym typeface="Raleway"/>
-                </a:rPr>
-                <a:t>Positive observations are passed on to the multilabel classifier</a:t>
+                <a:t/>
+              </a:r>
+              <a:endParaRPr b="1" sz="1100">
+                <a:solidFill>
+                  <a:schemeClr val="lt1"/>
+                </a:solidFill>
+                <a:highlight>
+                  <a:srgbClr val="353535"/>
+                </a:highlight>
+                <a:latin typeface="Raleway"/>
+                <a:ea typeface="Raleway"/>
+                <a:cs typeface="Raleway"/>
+                <a:sym typeface="Raleway"/>
+              </a:endParaRPr>
+            </a:p>
+            <a:p>
+              <a:pPr indent="0" lvl="0" marL="0" rtl="0" algn="l">
+                <a:lnSpc>
+                  <a:spcPct val="115000"/>
+                </a:lnSpc>
+                <a:spcBef>
+                  <a:spcPts val="0"/>
+                </a:spcBef>
+                <a:spcAft>
+                  <a:spcPts val="0"/>
+                </a:spcAft>
+                <a:buNone/>
+              </a:pPr>
+              <a:r>
+                <a:t/>
               </a:r>
               <a:endParaRPr b="1" sz="1100">
                 <a:solidFill>
@@ -13616,6 +13183,168 @@
 </p:sld>
 </file>
 
+<file path=ppt/slides/slide8.xml><?xml version="1.0" encoding="utf-8"?>
+<p:sld xmlns:a="http://schemas.openxmlformats.org/drawingml/2006/main" xmlns:r="http://schemas.openxmlformats.org/officeDocument/2006/relationships" xmlns:mc="http://schemas.openxmlformats.org/markup-compatibility/2006" xmlns:mv="urn:schemas-microsoft-com:mac:vml" xmlns:p="http://schemas.openxmlformats.org/presentationml/2006/main" xmlns:c="http://schemas.openxmlformats.org/drawingml/2006/chart" xmlns:dgm="http://schemas.openxmlformats.org/drawingml/2006/diagram" xmlns:o="urn:schemas-microsoft-com:office:office" xmlns:v="urn:schemas-microsoft-com:vml" xmlns:pvml="urn:schemas-microsoft-com:office:powerpoint" xmlns:com="http://schemas.openxmlformats.org/drawingml/2006/compatibility" xmlns:p14="http://schemas.microsoft.com/office/powerpoint/2010/main" xmlns:p15="http://schemas.microsoft.com/office/powerpoint/2012/main" xmlns:ahyp="http://schemas.microsoft.com/office/drawing/2018/hyperlinkcolor">
+  <p:cSld>
+    <p:spTree>
+      <p:nvGrpSpPr>
+        <p:cNvPr id="124" name="Shape 124"/>
+        <p:cNvGrpSpPr/>
+        <p:nvPr/>
+      </p:nvGrpSpPr>
+      <p:grpSpPr>
+        <a:xfrm>
+          <a:off x="0" y="0"/>
+          <a:ext cx="0" cy="0"/>
+          <a:chOff x="0" y="0"/>
+          <a:chExt cx="0" cy="0"/>
+        </a:xfrm>
+      </p:grpSpPr>
+      <p:sp>
+        <p:nvSpPr>
+          <p:cNvPr id="125" name="Google Shape;125;p20"/>
+          <p:cNvSpPr txBox="1"/>
+          <p:nvPr>
+            <p:ph type="title"/>
+          </p:nvPr>
+        </p:nvSpPr>
+        <p:spPr>
+          <a:xfrm>
+            <a:off x="403725" y="157625"/>
+            <a:ext cx="8282100" cy="3304500"/>
+          </a:xfrm>
+          <a:prstGeom prst="rect">
+            <a:avLst/>
+          </a:prstGeom>
+        </p:spPr>
+        <p:txBody>
+          <a:bodyPr anchorCtr="0" anchor="ctr" bIns="91425" lIns="91425" spcFirstLastPara="1" rIns="91425" wrap="square" tIns="91425">
+            <a:noAutofit/>
+          </a:bodyPr>
+          <a:lstStyle/>
+          <a:p>
+            <a:pPr indent="-533400" lvl="0" marL="457200" rtl="0" algn="l">
+              <a:spcBef>
+                <a:spcPts val="0"/>
+              </a:spcBef>
+              <a:spcAft>
+                <a:spcPts val="0"/>
+              </a:spcAft>
+              <a:buClr>
+                <a:schemeClr val="accent5"/>
+              </a:buClr>
+              <a:buSzPts val="4800"/>
+              <a:buAutoNum type="arabicPeriod"/>
+            </a:pPr>
+            <a:r>
+              <a:rPr lang="en">
+                <a:solidFill>
+                  <a:schemeClr val="accent5"/>
+                </a:solidFill>
+              </a:rPr>
+              <a:t>Data Cleaning:</a:t>
+            </a:r>
+            <a:endParaRPr>
+              <a:solidFill>
+                <a:schemeClr val="accent5"/>
+              </a:solidFill>
+            </a:endParaRPr>
+          </a:p>
+          <a:p>
+            <a:pPr indent="-381000" lvl="0" marL="457200" rtl="0" algn="l">
+              <a:spcBef>
+                <a:spcPts val="0"/>
+              </a:spcBef>
+              <a:spcAft>
+                <a:spcPts val="0"/>
+              </a:spcAft>
+              <a:buSzPts val="2400"/>
+              <a:buChar char="❏"/>
+            </a:pPr>
+            <a:r>
+              <a:rPr lang="en" sz="2400"/>
+              <a:t>Removed line breaks</a:t>
+            </a:r>
+            <a:endParaRPr sz="2400"/>
+          </a:p>
+          <a:p>
+            <a:pPr indent="-381000" lvl="0" marL="457200" rtl="0" algn="l">
+              <a:spcBef>
+                <a:spcPts val="0"/>
+              </a:spcBef>
+              <a:spcAft>
+                <a:spcPts val="0"/>
+              </a:spcAft>
+              <a:buSzPts val="2400"/>
+              <a:buChar char="❏"/>
+            </a:pPr>
+            <a:r>
+              <a:rPr lang="en" sz="2400"/>
+              <a:t>Website links</a:t>
+            </a:r>
+            <a:endParaRPr sz="2400"/>
+          </a:p>
+          <a:p>
+            <a:pPr indent="-381000" lvl="0" marL="457200" rtl="0" algn="l">
+              <a:spcBef>
+                <a:spcPts val="0"/>
+              </a:spcBef>
+              <a:spcAft>
+                <a:spcPts val="0"/>
+              </a:spcAft>
+              <a:buSzPts val="2400"/>
+              <a:buChar char="❏"/>
+            </a:pPr>
+            <a:r>
+              <a:rPr lang="en" sz="2400"/>
+              <a:t>Email addresses</a:t>
+            </a:r>
+            <a:endParaRPr sz="2400"/>
+          </a:p>
+          <a:p>
+            <a:pPr indent="-381000" lvl="0" marL="457200" rtl="0" algn="l">
+              <a:spcBef>
+                <a:spcPts val="0"/>
+              </a:spcBef>
+              <a:spcAft>
+                <a:spcPts val="0"/>
+              </a:spcAft>
+              <a:buSzPts val="2400"/>
+              <a:buChar char="❏"/>
+            </a:pPr>
+            <a:r>
+              <a:rPr lang="en" sz="2400"/>
+              <a:t>Html tags</a:t>
+            </a:r>
+            <a:endParaRPr sz="2400"/>
+          </a:p>
+          <a:p>
+            <a:pPr indent="-381000" lvl="0" marL="457200" rtl="0" algn="l">
+              <a:spcBef>
+                <a:spcPts val="0"/>
+              </a:spcBef>
+              <a:spcAft>
+                <a:spcPts val="0"/>
+              </a:spcAft>
+              <a:buSzPts val="2400"/>
+              <a:buChar char="❏"/>
+            </a:pPr>
+            <a:r>
+              <a:rPr lang="en" sz="2400"/>
+              <a:t>URLs</a:t>
+            </a:r>
+            <a:endParaRPr sz="2400"/>
+          </a:p>
+        </p:txBody>
+      </p:sp>
+    </p:spTree>
+  </p:cSld>
+  <p:clrMapOvr>
+    <a:masterClrMapping/>
+  </p:clrMapOvr>
+</p:sld>
+</file>
+
 <file path=ppt/slides/slide9.xml><?xml version="1.0" encoding="utf-8"?>
 <p:sld xmlns:a="http://schemas.openxmlformats.org/drawingml/2006/main" xmlns:r="http://schemas.openxmlformats.org/officeDocument/2006/relationships" xmlns:mc="http://schemas.openxmlformats.org/markup-compatibility/2006" xmlns:mv="urn:schemas-microsoft-com:mac:vml" xmlns:p="http://schemas.openxmlformats.org/presentationml/2006/main" xmlns:c="http://schemas.openxmlformats.org/drawingml/2006/chart" xmlns:dgm="http://schemas.openxmlformats.org/drawingml/2006/diagram" xmlns:o="urn:schemas-microsoft-com:office:office" xmlns:v="urn:schemas-microsoft-com:vml" xmlns:pvml="urn:schemas-microsoft-com:office:powerpoint" xmlns:com="http://schemas.openxmlformats.org/drawingml/2006/compatibility" xmlns:p14="http://schemas.microsoft.com/office/powerpoint/2010/main" xmlns:p15="http://schemas.microsoft.com/office/powerpoint/2012/main" xmlns:ahyp="http://schemas.microsoft.com/office/drawing/2018/hyperlinkcolor">
   <p:cSld>
@@ -13643,8 +13372,8 @@
         </p:nvSpPr>
         <p:spPr>
           <a:xfrm>
-            <a:off x="403725" y="157625"/>
-            <a:ext cx="8282100" cy="3304500"/>
+            <a:off x="283100" y="198575"/>
+            <a:ext cx="8338200" cy="3185400"/>
           </a:xfrm>
           <a:prstGeom prst="rect">
             <a:avLst/>
@@ -13656,18 +13385,14 @@
           </a:bodyPr>
           <a:lstStyle/>
           <a:p>
-            <a:pPr indent="-533400" lvl="0" marL="457200" rtl="0" algn="l">
-              <a:spcBef>
-                <a:spcPts val="0"/>
-              </a:spcBef>
-              <a:spcAft>
-                <a:spcPts val="0"/>
-              </a:spcAft>
-              <a:buClr>
-                <a:schemeClr val="accent5"/>
-              </a:buClr>
-              <a:buSzPts val="4800"/>
-              <a:buAutoNum type="arabicPeriod"/>
+            <a:pPr indent="0" lvl="0" marL="0" rtl="0" algn="l">
+              <a:spcBef>
+                <a:spcPts val="0"/>
+              </a:spcBef>
+              <a:spcAft>
+                <a:spcPts val="0"/>
+              </a:spcAft>
+              <a:buNone/>
             </a:pPr>
             <a:r>
               <a:rPr lang="en">
@@ -13675,7 +13400,15 @@
                   <a:schemeClr val="accent5"/>
                 </a:solidFill>
               </a:rPr>
-              <a:t>Data Cleaning:</a:t>
+              <a:t>2. Text</a:t>
+            </a:r>
+            <a:r>
+              <a:rPr lang="en">
+                <a:solidFill>
+                  <a:schemeClr val="accent5"/>
+                </a:solidFill>
+              </a:rPr>
+              <a:t> Preprocessing:</a:t>
             </a:r>
             <a:endParaRPr>
               <a:solidFill>
@@ -13696,7 +13429,7 @@
             </a:pPr>
             <a:r>
               <a:rPr lang="en" sz="2400"/>
-              <a:t>Removed line breaks</a:t>
+              <a:t>Stopword Removal: Words like ‘is’, ‘the’, ‘and’, etc.</a:t>
             </a:r>
             <a:endParaRPr sz="2400"/>
           </a:p>
@@ -13713,63 +13446,59 @@
             </a:pPr>
             <a:r>
               <a:rPr lang="en" sz="2400"/>
-              <a:t>Website links</a:t>
+              <a:t>Lemmatization: Reducing words to their base or root form, also known as their ‘lemma’ to simplify text analysis</a:t>
             </a:r>
             <a:endParaRPr sz="2400"/>
           </a:p>
           <a:p>
-            <a:pPr indent="-381000" lvl="0" marL="457200" rtl="0" algn="l">
-              <a:spcBef>
-                <a:spcPts val="0"/>
-              </a:spcBef>
-              <a:spcAft>
-                <a:spcPts val="0"/>
-              </a:spcAft>
-              <a:buSzPts val="2400"/>
-              <a:buChar char="❏"/>
+            <a:pPr indent="0" lvl="0" marL="0" rtl="0" algn="l">
+              <a:spcBef>
+                <a:spcPts val="0"/>
+              </a:spcBef>
+              <a:spcAft>
+                <a:spcPts val="0"/>
+              </a:spcAft>
+              <a:buNone/>
             </a:pPr>
             <a:r>
-              <a:rPr lang="en" sz="2400"/>
-              <a:t>Email addresses</a:t>
-            </a:r>
-            <a:endParaRPr sz="2400"/>
-          </a:p>
-          <a:p>
-            <a:pPr indent="-381000" lvl="0" marL="457200" rtl="0" algn="l">
-              <a:spcBef>
-                <a:spcPts val="0"/>
-              </a:spcBef>
-              <a:spcAft>
-                <a:spcPts val="0"/>
-              </a:spcAft>
-              <a:buSzPts val="2400"/>
-              <a:buChar char="❏"/>
-            </a:pPr>
-            <a:r>
-              <a:rPr lang="en" sz="2400"/>
-              <a:t>Html tags</a:t>
-            </a:r>
-            <a:endParaRPr sz="2400"/>
-          </a:p>
-          <a:p>
-            <a:pPr indent="-381000" lvl="0" marL="457200" rtl="0" algn="l">
-              <a:spcBef>
-                <a:spcPts val="0"/>
-              </a:spcBef>
-              <a:spcAft>
-                <a:spcPts val="0"/>
-              </a:spcAft>
-              <a:buSzPts val="2400"/>
-              <a:buChar char="❏"/>
-            </a:pPr>
-            <a:r>
-              <a:rPr lang="en" sz="2400"/>
-              <a:t>URLs</a:t>
-            </a:r>
-            <a:endParaRPr sz="2400"/>
+              <a:t/>
+            </a:r>
+            <a:endParaRPr>
+              <a:solidFill>
+                <a:schemeClr val="accent5"/>
+              </a:solidFill>
+            </a:endParaRPr>
           </a:p>
         </p:txBody>
       </p:sp>
+      <p:pic>
+        <p:nvPicPr>
+          <p:cNvPr id="131" name="Google Shape;131;p21"/>
+          <p:cNvPicPr preferRelativeResize="0"/>
+          <p:nvPr/>
+        </p:nvPicPr>
+        <p:blipFill>
+          <a:blip r:embed="rId3">
+            <a:alphaModFix/>
+          </a:blip>
+          <a:stretch>
+            <a:fillRect/>
+          </a:stretch>
+        </p:blipFill>
+        <p:spPr>
+          <a:xfrm>
+            <a:off x="2612725" y="2722050"/>
+            <a:ext cx="3209225" cy="1914475"/>
+          </a:xfrm>
+          <a:prstGeom prst="rect">
+            <a:avLst/>
+          </a:prstGeom>
+          <a:noFill/>
+          <a:ln>
+            <a:noFill/>
+          </a:ln>
+        </p:spPr>
+      </p:pic>
     </p:spTree>
   </p:cSld>
   <p:clrMapOvr>
@@ -13779,6 +13508,285 @@
 </file>
 
 <file path=ppt/theme/theme1.xml><?xml version="1.0" encoding="utf-8"?>
+<a:theme xmlns:a="http://schemas.openxmlformats.org/drawingml/2006/main" xmlns:r="http://schemas.openxmlformats.org/officeDocument/2006/relationships" name="Swiss">
+  <a:themeElements>
+    <a:clrScheme name="Swiss">
+      <a:dk1>
+        <a:srgbClr val="F46524"/>
+      </a:dk1>
+      <a:lt1>
+        <a:srgbClr val="FFFFFF"/>
+      </a:lt1>
+      <a:dk2>
+        <a:srgbClr val="000000"/>
+      </a:dk2>
+      <a:lt2>
+        <a:srgbClr val="757575"/>
+      </a:lt2>
+      <a:accent1>
+        <a:srgbClr val="01579B"/>
+      </a:accent1>
+      <a:accent2>
+        <a:srgbClr val="27C7BD"/>
+      </a:accent2>
+      <a:accent3>
+        <a:srgbClr val="0099E8"/>
+      </a:accent3>
+      <a:accent4>
+        <a:srgbClr val="51B9A3"/>
+      </a:accent4>
+      <a:accent5>
+        <a:srgbClr val="FB8C00"/>
+      </a:accent5>
+      <a:accent6>
+        <a:srgbClr val="FFAE88"/>
+      </a:accent6>
+      <a:hlink>
+        <a:srgbClr val="0277BD"/>
+      </a:hlink>
+      <a:folHlink>
+        <a:srgbClr val="0277BD"/>
+      </a:folHlink>
+    </a:clrScheme>
+    <a:fontScheme name="Office">
+      <a:majorFont>
+        <a:latin typeface="Arial"/>
+        <a:ea typeface=""/>
+        <a:cs typeface=""/>
+        <a:font script="Jpan" typeface="ＭＳ Ｐゴシック"/>
+        <a:font script="Hang" typeface="맑은 고딕"/>
+        <a:font script="Hans" typeface="宋体"/>
+        <a:font script="Hant" typeface="新細明體"/>
+        <a:font script="Arab" typeface="Times New Roman"/>
+        <a:font script="Hebr" typeface="Times New Roman"/>
+        <a:font script="Thai" typeface="Angsana New"/>
+        <a:font script="Ethi" typeface="Nyala"/>
+        <a:font script="Beng" typeface="Vrinda"/>
+        <a:font script="Gujr" typeface="Shruti"/>
+        <a:font script="Khmr" typeface="MoolBoran"/>
+        <a:font script="Knda" typeface="Tunga"/>
+        <a:font script="Guru" typeface="Raavi"/>
+        <a:font script="Cans" typeface="Euphemia"/>
+        <a:font script="Cher" typeface="Plantagenet Cherokee"/>
+        <a:font script="Yiii" typeface="Microsoft Yi Baiti"/>
+        <a:font script="Tibt" typeface="Microsoft Himalaya"/>
+        <a:font script="Thaa" typeface="MV Boli"/>
+        <a:font script="Deva" typeface="Mangal"/>
+        <a:font script="Telu" typeface="Gautami"/>
+        <a:font script="Taml" typeface="Latha"/>
+        <a:font script="Syrc" typeface="Estrangelo Edessa"/>
+        <a:font script="Orya" typeface="Kalinga"/>
+        <a:font script="Mlym" typeface="Kartika"/>
+        <a:font script="Laoo" typeface="DokChampa"/>
+        <a:font script="Sinh" typeface="Iskoola Pota"/>
+        <a:font script="Mong" typeface="Mongolian Baiti"/>
+        <a:font script="Viet" typeface="Times New Roman"/>
+        <a:font script="Uigh" typeface="Microsoft Uighur"/>
+        <a:font script="Geor" typeface="Sylfaen"/>
+      </a:majorFont>
+      <a:minorFont>
+        <a:latin typeface="Arial"/>
+        <a:ea typeface=""/>
+        <a:cs typeface=""/>
+        <a:font script="Jpan" typeface="ＭＳ Ｐゴシック"/>
+        <a:font script="Hang" typeface="맑은 고딕"/>
+        <a:font script="Hans" typeface="宋体"/>
+        <a:font script="Hant" typeface="新細明體"/>
+        <a:font script="Arab" typeface="Arial"/>
+        <a:font script="Hebr" typeface="Arial"/>
+        <a:font script="Thai" typeface="Cordia New"/>
+        <a:font script="Ethi" typeface="Nyala"/>
+        <a:font script="Beng" typeface="Vrinda"/>
+        <a:font script="Gujr" typeface="Shruti"/>
+        <a:font script="Khmr" typeface="DaunPenh"/>
+        <a:font script="Knda" typeface="Tunga"/>
+        <a:font script="Guru" typeface="Raavi"/>
+        <a:font script="Cans" typeface="Euphemia"/>
+        <a:font script="Cher" typeface="Plantagenet Cherokee"/>
+        <a:font script="Yiii" typeface="Microsoft Yi Baiti"/>
+        <a:font script="Tibt" typeface="Microsoft Himalaya"/>
+        <a:font script="Thaa" typeface="MV Boli"/>
+        <a:font script="Deva" typeface="Mangal"/>
+        <a:font script="Telu" typeface="Gautami"/>
+        <a:font script="Taml" typeface="Latha"/>
+        <a:font script="Syrc" typeface="Estrangelo Edessa"/>
+        <a:font script="Orya" typeface="Kalinga"/>
+        <a:font script="Mlym" typeface="Kartika"/>
+        <a:font script="Laoo" typeface="DokChampa"/>
+        <a:font script="Sinh" typeface="Iskoola Pota"/>
+        <a:font script="Mong" typeface="Mongolian Baiti"/>
+        <a:font script="Viet" typeface="Arial"/>
+        <a:font script="Uigh" typeface="Microsoft Uighur"/>
+        <a:font script="Geor" typeface="Sylfaen"/>
+      </a:minorFont>
+    </a:fontScheme>
+    <a:fmtScheme name="Office">
+      <a:fillStyleLst>
+        <a:solidFill>
+          <a:schemeClr val="phClr"/>
+        </a:solidFill>
+        <a:gradFill rotWithShape="1">
+          <a:gsLst>
+            <a:gs pos="0">
+              <a:schemeClr val="phClr">
+                <a:tint val="50000"/>
+                <a:satMod val="300000"/>
+              </a:schemeClr>
+            </a:gs>
+            <a:gs pos="35000">
+              <a:schemeClr val="phClr">
+                <a:tint val="37000"/>
+                <a:satMod val="300000"/>
+              </a:schemeClr>
+            </a:gs>
+            <a:gs pos="100000">
+              <a:schemeClr val="phClr">
+                <a:tint val="15000"/>
+                <a:satMod val="350000"/>
+              </a:schemeClr>
+            </a:gs>
+          </a:gsLst>
+          <a:lin ang="16200000" scaled="1"/>
+        </a:gradFill>
+        <a:gradFill rotWithShape="1">
+          <a:gsLst>
+            <a:gs pos="0">
+              <a:schemeClr val="phClr">
+                <a:tint val="100000"/>
+                <a:shade val="100000"/>
+                <a:satMod val="130000"/>
+              </a:schemeClr>
+            </a:gs>
+            <a:gs pos="100000">
+              <a:schemeClr val="phClr">
+                <a:tint val="50000"/>
+                <a:shade val="100000"/>
+                <a:satMod val="350000"/>
+              </a:schemeClr>
+            </a:gs>
+          </a:gsLst>
+          <a:lin ang="16200000" scaled="0"/>
+        </a:gradFill>
+      </a:fillStyleLst>
+      <a:lnStyleLst>
+        <a:ln w="9525" cap="flat" cmpd="sng" algn="ctr">
+          <a:solidFill>
+            <a:schemeClr val="phClr">
+              <a:shade val="95000"/>
+              <a:satMod val="105000"/>
+            </a:schemeClr>
+          </a:solidFill>
+          <a:prstDash val="solid"/>
+        </a:ln>
+        <a:ln w="25400" cap="flat" cmpd="sng" algn="ctr">
+          <a:solidFill>
+            <a:schemeClr val="phClr"/>
+          </a:solidFill>
+          <a:prstDash val="solid"/>
+        </a:ln>
+        <a:ln w="38100" cap="flat" cmpd="sng" algn="ctr">
+          <a:solidFill>
+            <a:schemeClr val="phClr"/>
+          </a:solidFill>
+          <a:prstDash val="solid"/>
+        </a:ln>
+      </a:lnStyleLst>
+      <a:effectStyleLst>
+        <a:effectStyle>
+          <a:effectLst>
+            <a:outerShdw blurRad="40000" dist="20000" dir="5400000" rotWithShape="0">
+              <a:srgbClr val="000000">
+                <a:alpha val="38000"/>
+              </a:srgbClr>
+            </a:outerShdw>
+          </a:effectLst>
+        </a:effectStyle>
+        <a:effectStyle>
+          <a:effectLst>
+            <a:outerShdw blurRad="40000" dist="23000" dir="5400000" rotWithShape="0">
+              <a:srgbClr val="000000">
+                <a:alpha val="35000"/>
+              </a:srgbClr>
+            </a:outerShdw>
+          </a:effectLst>
+        </a:effectStyle>
+        <a:effectStyle>
+          <a:effectLst>
+            <a:outerShdw blurRad="40000" dist="23000" dir="5400000" rotWithShape="0">
+              <a:srgbClr val="000000">
+                <a:alpha val="35000"/>
+              </a:srgbClr>
+            </a:outerShdw>
+          </a:effectLst>
+          <a:scene3d>
+            <a:camera prst="orthographicFront">
+              <a:rot lat="0" lon="0" rev="0"/>
+            </a:camera>
+            <a:lightRig rig="threePt" dir="t">
+              <a:rot lat="0" lon="0" rev="1200000"/>
+            </a:lightRig>
+          </a:scene3d>
+          <a:sp3d>
+            <a:bevelT w="63500" h="25400"/>
+          </a:sp3d>
+        </a:effectStyle>
+      </a:effectStyleLst>
+      <a:bgFillStyleLst>
+        <a:solidFill>
+          <a:schemeClr val="phClr"/>
+        </a:solidFill>
+        <a:gradFill rotWithShape="1">
+          <a:gsLst>
+            <a:gs pos="0">
+              <a:schemeClr val="phClr">
+                <a:tint val="40000"/>
+                <a:satMod val="350000"/>
+              </a:schemeClr>
+            </a:gs>
+            <a:gs pos="40000">
+              <a:schemeClr val="phClr">
+                <a:tint val="45000"/>
+                <a:shade val="99000"/>
+                <a:satMod val="350000"/>
+              </a:schemeClr>
+            </a:gs>
+            <a:gs pos="100000">
+              <a:schemeClr val="phClr">
+                <a:shade val="20000"/>
+                <a:satMod val="255000"/>
+              </a:schemeClr>
+            </a:gs>
+          </a:gsLst>
+          <a:path path="circle">
+            <a:fillToRect l="50000" t="-80000" r="50000" b="180000"/>
+          </a:path>
+        </a:gradFill>
+        <a:gradFill rotWithShape="1">
+          <a:gsLst>
+            <a:gs pos="0">
+              <a:schemeClr val="phClr">
+                <a:tint val="80000"/>
+                <a:satMod val="300000"/>
+              </a:schemeClr>
+            </a:gs>
+            <a:gs pos="100000">
+              <a:schemeClr val="phClr">
+                <a:shade val="30000"/>
+                <a:satMod val="200000"/>
+              </a:schemeClr>
+            </a:gs>
+          </a:gsLst>
+          <a:path path="circle">
+            <a:fillToRect l="50000" t="50000" r="50000" b="50000"/>
+          </a:path>
+        </a:gradFill>
+      </a:bgFillStyleLst>
+    </a:fmtScheme>
+  </a:themeElements>
+</a:theme>
+</file>
+
+<file path=ppt/theme/theme2.xml><?xml version="1.0" encoding="utf-8"?>
 <a:theme xmlns:a="http://schemas.openxmlformats.org/drawingml/2006/main" xmlns:r="http://schemas.openxmlformats.org/officeDocument/2006/relationships">
   <a:themeElements>
     <a:clrScheme name="Default">
@@ -14055,283 +14063,4 @@
     </a:fmtScheme>
   </a:themeElements>
 </a:theme>
-</file>
-
-<file path=ppt/theme/theme2.xml><?xml version="1.0" encoding="utf-8"?>
-<a:theme xmlns:a="http://schemas.openxmlformats.org/drawingml/2006/main" xmlns:r="http://schemas.openxmlformats.org/officeDocument/2006/relationships" name="Swiss">
-  <a:themeElements>
-    <a:clrScheme name="Swiss">
-      <a:dk1>
-        <a:srgbClr val="F46524"/>
-      </a:dk1>
-      <a:lt1>
-        <a:srgbClr val="FFFFFF"/>
-      </a:lt1>
-      <a:dk2>
-        <a:srgbClr val="000000"/>
-      </a:dk2>
-      <a:lt2>
-        <a:srgbClr val="757575"/>
-      </a:lt2>
-      <a:accent1>
-        <a:srgbClr val="01579B"/>
-      </a:accent1>
-      <a:accent2>
-        <a:srgbClr val="27C7BD"/>
-      </a:accent2>
-      <a:accent3>
-        <a:srgbClr val="0099E8"/>
-      </a:accent3>
-      <a:accent4>
-        <a:srgbClr val="51B9A3"/>
-      </a:accent4>
-      <a:accent5>
-        <a:srgbClr val="FB8C00"/>
-      </a:accent5>
-      <a:accent6>
-        <a:srgbClr val="FFAE88"/>
-      </a:accent6>
-      <a:hlink>
-        <a:srgbClr val="0277BD"/>
-      </a:hlink>
-      <a:folHlink>
-        <a:srgbClr val="0277BD"/>
-      </a:folHlink>
-    </a:clrScheme>
-    <a:fontScheme name="Office">
-      <a:majorFont>
-        <a:latin typeface="Arial"/>
-        <a:ea typeface=""/>
-        <a:cs typeface=""/>
-        <a:font script="Jpan" typeface="ＭＳ Ｐゴシック"/>
-        <a:font script="Hang" typeface="맑은 고딕"/>
-        <a:font script="Hans" typeface="宋体"/>
-        <a:font script="Hant" typeface="新細明體"/>
-        <a:font script="Arab" typeface="Times New Roman"/>
-        <a:font script="Hebr" typeface="Times New Roman"/>
-        <a:font script="Thai" typeface="Angsana New"/>
-        <a:font script="Ethi" typeface="Nyala"/>
-        <a:font script="Beng" typeface="Vrinda"/>
-        <a:font script="Gujr" typeface="Shruti"/>
-        <a:font script="Khmr" typeface="MoolBoran"/>
-        <a:font script="Knda" typeface="Tunga"/>
-        <a:font script="Guru" typeface="Raavi"/>
-        <a:font script="Cans" typeface="Euphemia"/>
-        <a:font script="Cher" typeface="Plantagenet Cherokee"/>
-        <a:font script="Yiii" typeface="Microsoft Yi Baiti"/>
-        <a:font script="Tibt" typeface="Microsoft Himalaya"/>
-        <a:font script="Thaa" typeface="MV Boli"/>
-        <a:font script="Deva" typeface="Mangal"/>
-        <a:font script="Telu" typeface="Gautami"/>
-        <a:font script="Taml" typeface="Latha"/>
-        <a:font script="Syrc" typeface="Estrangelo Edessa"/>
-        <a:font script="Orya" typeface="Kalinga"/>
-        <a:font script="Mlym" typeface="Kartika"/>
-        <a:font script="Laoo" typeface="DokChampa"/>
-        <a:font script="Sinh" typeface="Iskoola Pota"/>
-        <a:font script="Mong" typeface="Mongolian Baiti"/>
-        <a:font script="Viet" typeface="Times New Roman"/>
-        <a:font script="Uigh" typeface="Microsoft Uighur"/>
-        <a:font script="Geor" typeface="Sylfaen"/>
-      </a:majorFont>
-      <a:minorFont>
-        <a:latin typeface="Arial"/>
-        <a:ea typeface=""/>
-        <a:cs typeface=""/>
-        <a:font script="Jpan" typeface="ＭＳ Ｐゴシック"/>
-        <a:font script="Hang" typeface="맑은 고딕"/>
-        <a:font script="Hans" typeface="宋体"/>
-        <a:font script="Hant" typeface="新細明體"/>
-        <a:font script="Arab" typeface="Arial"/>
-        <a:font script="Hebr" typeface="Arial"/>
-        <a:font script="Thai" typeface="Cordia New"/>
-        <a:font script="Ethi" typeface="Nyala"/>
-        <a:font script="Beng" typeface="Vrinda"/>
-        <a:font script="Gujr" typeface="Shruti"/>
-        <a:font script="Khmr" typeface="DaunPenh"/>
-        <a:font script="Knda" typeface="Tunga"/>
-        <a:font script="Guru" typeface="Raavi"/>
-        <a:font script="Cans" typeface="Euphemia"/>
-        <a:font script="Cher" typeface="Plantagenet Cherokee"/>
-        <a:font script="Yiii" typeface="Microsoft Yi Baiti"/>
-        <a:font script="Tibt" typeface="Microsoft Himalaya"/>
-        <a:font script="Thaa" typeface="MV Boli"/>
-        <a:font script="Deva" typeface="Mangal"/>
-        <a:font script="Telu" typeface="Gautami"/>
-        <a:font script="Taml" typeface="Latha"/>
-        <a:font script="Syrc" typeface="Estrangelo Edessa"/>
-        <a:font script="Orya" typeface="Kalinga"/>
-        <a:font script="Mlym" typeface="Kartika"/>
-        <a:font script="Laoo" typeface="DokChampa"/>
-        <a:font script="Sinh" typeface="Iskoola Pota"/>
-        <a:font script="Mong" typeface="Mongolian Baiti"/>
-        <a:font script="Viet" typeface="Arial"/>
-        <a:font script="Uigh" typeface="Microsoft Uighur"/>
-        <a:font script="Geor" typeface="Sylfaen"/>
-      </a:minorFont>
-    </a:fontScheme>
-    <a:fmtScheme name="Office">
-      <a:fillStyleLst>
-        <a:solidFill>
-          <a:schemeClr val="phClr"/>
-        </a:solidFill>
-        <a:gradFill rotWithShape="1">
-          <a:gsLst>
-            <a:gs pos="0">
-              <a:schemeClr val="phClr">
-                <a:tint val="50000"/>
-                <a:satMod val="300000"/>
-              </a:schemeClr>
-            </a:gs>
-            <a:gs pos="35000">
-              <a:schemeClr val="phClr">
-                <a:tint val="37000"/>
-                <a:satMod val="300000"/>
-              </a:schemeClr>
-            </a:gs>
-            <a:gs pos="100000">
-              <a:schemeClr val="phClr">
-                <a:tint val="15000"/>
-                <a:satMod val="350000"/>
-              </a:schemeClr>
-            </a:gs>
-          </a:gsLst>
-          <a:lin ang="16200000" scaled="1"/>
-        </a:gradFill>
-        <a:gradFill rotWithShape="1">
-          <a:gsLst>
-            <a:gs pos="0">
-              <a:schemeClr val="phClr">
-                <a:tint val="100000"/>
-                <a:shade val="100000"/>
-                <a:satMod val="130000"/>
-              </a:schemeClr>
-            </a:gs>
-            <a:gs pos="100000">
-              <a:schemeClr val="phClr">
-                <a:tint val="50000"/>
-                <a:shade val="100000"/>
-                <a:satMod val="350000"/>
-              </a:schemeClr>
-            </a:gs>
-          </a:gsLst>
-          <a:lin ang="16200000" scaled="0"/>
-        </a:gradFill>
-      </a:fillStyleLst>
-      <a:lnStyleLst>
-        <a:ln w="9525" cap="flat" cmpd="sng" algn="ctr">
-          <a:solidFill>
-            <a:schemeClr val="phClr">
-              <a:shade val="95000"/>
-              <a:satMod val="105000"/>
-            </a:schemeClr>
-          </a:solidFill>
-          <a:prstDash val="solid"/>
-        </a:ln>
-        <a:ln w="25400" cap="flat" cmpd="sng" algn="ctr">
-          <a:solidFill>
-            <a:schemeClr val="phClr"/>
-          </a:solidFill>
-          <a:prstDash val="solid"/>
-        </a:ln>
-        <a:ln w="38100" cap="flat" cmpd="sng" algn="ctr">
-          <a:solidFill>
-            <a:schemeClr val="phClr"/>
-          </a:solidFill>
-          <a:prstDash val="solid"/>
-        </a:ln>
-      </a:lnStyleLst>
-      <a:effectStyleLst>
-        <a:effectStyle>
-          <a:effectLst>
-            <a:outerShdw blurRad="40000" dist="20000" dir="5400000" rotWithShape="0">
-              <a:srgbClr val="000000">
-                <a:alpha val="38000"/>
-              </a:srgbClr>
-            </a:outerShdw>
-          </a:effectLst>
-        </a:effectStyle>
-        <a:effectStyle>
-          <a:effectLst>
-            <a:outerShdw blurRad="40000" dist="23000" dir="5400000" rotWithShape="0">
-              <a:srgbClr val="000000">
-                <a:alpha val="35000"/>
-              </a:srgbClr>
-            </a:outerShdw>
-          </a:effectLst>
-        </a:effectStyle>
-        <a:effectStyle>
-          <a:effectLst>
-            <a:outerShdw blurRad="40000" dist="23000" dir="5400000" rotWithShape="0">
-              <a:srgbClr val="000000">
-                <a:alpha val="35000"/>
-              </a:srgbClr>
-            </a:outerShdw>
-          </a:effectLst>
-          <a:scene3d>
-            <a:camera prst="orthographicFront">
-              <a:rot lat="0" lon="0" rev="0"/>
-            </a:camera>
-            <a:lightRig rig="threePt" dir="t">
-              <a:rot lat="0" lon="0" rev="1200000"/>
-            </a:lightRig>
-          </a:scene3d>
-          <a:sp3d>
-            <a:bevelT w="63500" h="25400"/>
-          </a:sp3d>
-        </a:effectStyle>
-      </a:effectStyleLst>
-      <a:bgFillStyleLst>
-        <a:solidFill>
-          <a:schemeClr val="phClr"/>
-        </a:solidFill>
-        <a:gradFill rotWithShape="1">
-          <a:gsLst>
-            <a:gs pos="0">
-              <a:schemeClr val="phClr">
-                <a:tint val="40000"/>
-                <a:satMod val="350000"/>
-              </a:schemeClr>
-            </a:gs>
-            <a:gs pos="40000">
-              <a:schemeClr val="phClr">
-                <a:tint val="45000"/>
-                <a:shade val="99000"/>
-                <a:satMod val="350000"/>
-              </a:schemeClr>
-            </a:gs>
-            <a:gs pos="100000">
-              <a:schemeClr val="phClr">
-                <a:shade val="20000"/>
-                <a:satMod val="255000"/>
-              </a:schemeClr>
-            </a:gs>
-          </a:gsLst>
-          <a:path path="circle">
-            <a:fillToRect l="50000" t="-80000" r="50000" b="180000"/>
-          </a:path>
-        </a:gradFill>
-        <a:gradFill rotWithShape="1">
-          <a:gsLst>
-            <a:gs pos="0">
-              <a:schemeClr val="phClr">
-                <a:tint val="80000"/>
-                <a:satMod val="300000"/>
-              </a:schemeClr>
-            </a:gs>
-            <a:gs pos="100000">
-              <a:schemeClr val="phClr">
-                <a:shade val="30000"/>
-                <a:satMod val="200000"/>
-              </a:schemeClr>
-            </a:gs>
-          </a:gsLst>
-          <a:path path="circle">
-            <a:fillToRect l="50000" t="50000" r="50000" b="50000"/>
-          </a:path>
-        </a:gradFill>
-      </a:bgFillStyleLst>
-    </a:fmtScheme>
-  </a:themeElements>
-</a:theme>
 </file>
--- a/Taming The Trolls.pptx
+++ b/Taming The Trolls.pptx
@@ -27,42 +27,44 @@
     <p:sldId id="272" r:id="rId22"/>
     <p:sldId id="273" r:id="rId23"/>
     <p:sldId id="274" r:id="rId24"/>
+    <p:sldId id="275" r:id="rId25"/>
+    <p:sldId id="276" r:id="rId26"/>
   </p:sldIdLst>
   <p:sldSz cy="5143500" cx="9144000"/>
   <p:notesSz cx="6858000" cy="9144000"/>
   <p:embeddedFontLst>
     <p:embeddedFont>
       <p:font typeface="Raleway"/>
-      <p:regular r:id="rId25"/>
-      <p:bold r:id="rId26"/>
-      <p:italic r:id="rId27"/>
-      <p:boldItalic r:id="rId28"/>
+      <p:regular r:id="rId27"/>
+      <p:bold r:id="rId28"/>
+      <p:italic r:id="rId29"/>
+      <p:boldItalic r:id="rId30"/>
     </p:embeddedFont>
     <p:embeddedFont>
       <p:font typeface="Raleway SemiBold"/>
-      <p:regular r:id="rId29"/>
-      <p:bold r:id="rId30"/>
-      <p:italic r:id="rId31"/>
-      <p:boldItalic r:id="rId32"/>
+      <p:regular r:id="rId31"/>
+      <p:bold r:id="rId32"/>
+      <p:italic r:id="rId33"/>
+      <p:boldItalic r:id="rId34"/>
     </p:embeddedFont>
     <p:embeddedFont>
       <p:font typeface="Raleway ExtraBold"/>
-      <p:bold r:id="rId33"/>
-      <p:boldItalic r:id="rId34"/>
+      <p:bold r:id="rId35"/>
+      <p:boldItalic r:id="rId36"/>
     </p:embeddedFont>
     <p:embeddedFont>
       <p:font typeface="Roboto"/>
-      <p:regular r:id="rId35"/>
-      <p:bold r:id="rId36"/>
-      <p:italic r:id="rId37"/>
-      <p:boldItalic r:id="rId38"/>
+      <p:regular r:id="rId37"/>
+      <p:bold r:id="rId38"/>
+      <p:italic r:id="rId39"/>
+      <p:boldItalic r:id="rId40"/>
     </p:embeddedFont>
     <p:embeddedFont>
       <p:font typeface="Lato"/>
-      <p:regular r:id="rId39"/>
-      <p:bold r:id="rId40"/>
-      <p:italic r:id="rId41"/>
-      <p:boldItalic r:id="rId42"/>
+      <p:regular r:id="rId41"/>
+      <p:bold r:id="rId42"/>
+      <p:italic r:id="rId43"/>
+      <p:boldItalic r:id="rId44"/>
     </p:embeddedFont>
   </p:embeddedFontLst>
   <p:defaultTextStyle>
@@ -2126,6 +2128,204 @@
             </a:r>
             <a:endParaRPr/>
           </a:p>
+          <a:p>
+            <a:pPr indent="0" lvl="0" marL="0" rtl="0" algn="l">
+              <a:spcBef>
+                <a:spcPts val="0"/>
+              </a:spcBef>
+              <a:spcAft>
+                <a:spcPts val="0"/>
+              </a:spcAft>
+              <a:buNone/>
+            </a:pPr>
+            <a:r>
+              <a:t/>
+            </a:r>
+            <a:endParaRPr/>
+          </a:p>
+        </p:txBody>
+      </p:sp>
+    </p:spTree>
+  </p:cSld>
+  <p:clrMapOvr>
+    <a:masterClrMapping/>
+  </p:clrMapOvr>
+</p:notes>
+</file>
+
+<file path=ppt/notesSlides/notesSlide20.xml><?xml version="1.0" encoding="utf-8"?>
+<p:notes xmlns:a="http://schemas.openxmlformats.org/drawingml/2006/main" xmlns:r="http://schemas.openxmlformats.org/officeDocument/2006/relationships" xmlns:mc="http://schemas.openxmlformats.org/markup-compatibility/2006" xmlns:mv="urn:schemas-microsoft-com:mac:vml" xmlns:p="http://schemas.openxmlformats.org/presentationml/2006/main" xmlns:c="http://schemas.openxmlformats.org/drawingml/2006/chart" xmlns:dgm="http://schemas.openxmlformats.org/drawingml/2006/diagram" xmlns:o="urn:schemas-microsoft-com:office:office" xmlns:v="urn:schemas-microsoft-com:vml" xmlns:pvml="urn:schemas-microsoft-com:office:powerpoint" xmlns:com="http://schemas.openxmlformats.org/drawingml/2006/compatibility" xmlns:p14="http://schemas.microsoft.com/office/powerpoint/2010/main" xmlns:p15="http://schemas.microsoft.com/office/powerpoint/2012/main" xmlns:ahyp="http://schemas.microsoft.com/office/drawing/2018/hyperlinkcolor" showMasterPhAnim="0" showMasterSp="0">
+  <p:cSld>
+    <p:spTree>
+      <p:nvGrpSpPr>
+        <p:cNvPr id="190" name="Shape 190"/>
+        <p:cNvGrpSpPr/>
+        <p:nvPr/>
+      </p:nvGrpSpPr>
+      <p:grpSpPr>
+        <a:xfrm>
+          <a:off x="0" y="0"/>
+          <a:ext cx="0" cy="0"/>
+          <a:chOff x="0" y="0"/>
+          <a:chExt cx="0" cy="0"/>
+        </a:xfrm>
+      </p:grpSpPr>
+      <p:sp>
+        <p:nvSpPr>
+          <p:cNvPr id="191" name="Google Shape;191;g1e59d677230_1_1843:notes"/>
+          <p:cNvSpPr/>
+          <p:nvPr>
+            <p:ph idx="2" type="sldImg"/>
+          </p:nvPr>
+        </p:nvSpPr>
+        <p:spPr>
+          <a:xfrm>
+            <a:off x="381300" y="685800"/>
+            <a:ext cx="6096000" cy="3429000"/>
+          </a:xfrm>
+          <a:custGeom>
+            <a:rect b="b" l="l" r="r" t="t"/>
+            <a:pathLst>
+              <a:path extrusionOk="0" h="120000" w="120000">
+                <a:moveTo>
+                  <a:pt x="0" y="0"/>
+                </a:moveTo>
+                <a:lnTo>
+                  <a:pt x="120000" y="0"/>
+                </a:lnTo>
+                <a:lnTo>
+                  <a:pt x="120000" y="120000"/>
+                </a:lnTo>
+                <a:lnTo>
+                  <a:pt x="0" y="120000"/>
+                </a:lnTo>
+                <a:close/>
+              </a:path>
+            </a:pathLst>
+          </a:custGeom>
+        </p:spPr>
+      </p:sp>
+      <p:sp>
+        <p:nvSpPr>
+          <p:cNvPr id="192" name="Google Shape;192;g1e59d677230_1_1843:notes"/>
+          <p:cNvSpPr txBox="1"/>
+          <p:nvPr>
+            <p:ph idx="1" type="body"/>
+          </p:nvPr>
+        </p:nvSpPr>
+        <p:spPr>
+          <a:xfrm>
+            <a:off x="685800" y="4343400"/>
+            <a:ext cx="5486400" cy="4114800"/>
+          </a:xfrm>
+          <a:prstGeom prst="rect">
+            <a:avLst/>
+          </a:prstGeom>
+        </p:spPr>
+        <p:txBody>
+          <a:bodyPr anchorCtr="0" anchor="t" bIns="91425" lIns="91425" spcFirstLastPara="1" rIns="91425" wrap="square" tIns="91425">
+            <a:noAutofit/>
+          </a:bodyPr>
+          <a:lstStyle/>
+          <a:p>
+            <a:pPr indent="0" lvl="0" marL="0" rtl="0" algn="l">
+              <a:spcBef>
+                <a:spcPts val="0"/>
+              </a:spcBef>
+              <a:spcAft>
+                <a:spcPts val="0"/>
+              </a:spcAft>
+              <a:buNone/>
+            </a:pPr>
+            <a:r>
+              <a:t/>
+            </a:r>
+            <a:endParaRPr/>
+          </a:p>
+        </p:txBody>
+      </p:sp>
+    </p:spTree>
+  </p:cSld>
+  <p:clrMapOvr>
+    <a:masterClrMapping/>
+  </p:clrMapOvr>
+</p:notes>
+</file>
+
+<file path=ppt/notesSlides/notesSlide21.xml><?xml version="1.0" encoding="utf-8"?>
+<p:notes xmlns:a="http://schemas.openxmlformats.org/drawingml/2006/main" xmlns:r="http://schemas.openxmlformats.org/officeDocument/2006/relationships" xmlns:mc="http://schemas.openxmlformats.org/markup-compatibility/2006" xmlns:mv="urn:schemas-microsoft-com:mac:vml" xmlns:p="http://schemas.openxmlformats.org/presentationml/2006/main" xmlns:c="http://schemas.openxmlformats.org/drawingml/2006/chart" xmlns:dgm="http://schemas.openxmlformats.org/drawingml/2006/diagram" xmlns:o="urn:schemas-microsoft-com:office:office" xmlns:v="urn:schemas-microsoft-com:vml" xmlns:pvml="urn:schemas-microsoft-com:office:powerpoint" xmlns:com="http://schemas.openxmlformats.org/drawingml/2006/compatibility" xmlns:p14="http://schemas.microsoft.com/office/powerpoint/2010/main" xmlns:p15="http://schemas.microsoft.com/office/powerpoint/2012/main" xmlns:ahyp="http://schemas.microsoft.com/office/drawing/2018/hyperlinkcolor" showMasterPhAnim="0" showMasterSp="0">
+  <p:cSld>
+    <p:spTree>
+      <p:nvGrpSpPr>
+        <p:cNvPr id="195" name="Shape 195"/>
+        <p:cNvGrpSpPr/>
+        <p:nvPr/>
+      </p:nvGrpSpPr>
+      <p:grpSpPr>
+        <a:xfrm>
+          <a:off x="0" y="0"/>
+          <a:ext cx="0" cy="0"/>
+          <a:chOff x="0" y="0"/>
+          <a:chExt cx="0" cy="0"/>
+        </a:xfrm>
+      </p:grpSpPr>
+      <p:sp>
+        <p:nvSpPr>
+          <p:cNvPr id="196" name="Google Shape;196;g1e59d677230_1_1849:notes"/>
+          <p:cNvSpPr/>
+          <p:nvPr>
+            <p:ph idx="2" type="sldImg"/>
+          </p:nvPr>
+        </p:nvSpPr>
+        <p:spPr>
+          <a:xfrm>
+            <a:off x="381300" y="685800"/>
+            <a:ext cx="6096000" cy="3429000"/>
+          </a:xfrm>
+          <a:custGeom>
+            <a:rect b="b" l="l" r="r" t="t"/>
+            <a:pathLst>
+              <a:path extrusionOk="0" h="120000" w="120000">
+                <a:moveTo>
+                  <a:pt x="0" y="0"/>
+                </a:moveTo>
+                <a:lnTo>
+                  <a:pt x="120000" y="0"/>
+                </a:lnTo>
+                <a:lnTo>
+                  <a:pt x="120000" y="120000"/>
+                </a:lnTo>
+                <a:lnTo>
+                  <a:pt x="0" y="120000"/>
+                </a:lnTo>
+                <a:close/>
+              </a:path>
+            </a:pathLst>
+          </a:custGeom>
+        </p:spPr>
+      </p:sp>
+      <p:sp>
+        <p:nvSpPr>
+          <p:cNvPr id="197" name="Google Shape;197;g1e59d677230_1_1849:notes"/>
+          <p:cNvSpPr txBox="1"/>
+          <p:nvPr>
+            <p:ph idx="1" type="body"/>
+          </p:nvPr>
+        </p:nvSpPr>
+        <p:spPr>
+          <a:xfrm>
+            <a:off x="685800" y="4343400"/>
+            <a:ext cx="5486400" cy="4114800"/>
+          </a:xfrm>
+          <a:prstGeom prst="rect">
+            <a:avLst/>
+          </a:prstGeom>
+        </p:spPr>
+        <p:txBody>
+          <a:bodyPr anchorCtr="0" anchor="t" bIns="91425" lIns="91425" spcFirstLastPara="1" rIns="91425" wrap="square" tIns="91425">
+            <a:noAutofit/>
+          </a:bodyPr>
+          <a:lstStyle/>
           <a:p>
             <a:pPr indent="0" lvl="0" marL="0" rtl="0" algn="l">
               <a:spcBef>
@@ -11030,6 +11230,10 @@
             </a:pPr>
             <a:r>
               <a:rPr lang="en" sz="2500"/>
+              <a:t>Would like to </a:t>
+            </a:r>
+            <a:r>
+              <a:rPr lang="en" sz="2500"/>
               <a:t>Incorporate more of the features such as sentiment scores, LDA labels, text length, character counts</a:t>
             </a:r>
             <a:endParaRPr sz="2400"/>
@@ -11047,11 +11251,24 @@
             </a:pPr>
             <a:r>
               <a:rPr lang="en" sz="2400"/>
-              <a:t>Classifying</a:t>
-            </a:r>
+              <a:t>Identifying toxic text is possible and has been done at a much larger scale! </a:t>
+            </a:r>
+            <a:endParaRPr sz="2400"/>
+          </a:p>
+          <a:p>
+            <a:pPr indent="-381000" lvl="1" marL="914400" rtl="0" algn="l">
+              <a:spcBef>
+                <a:spcPts val="0"/>
+              </a:spcBef>
+              <a:spcAft>
+                <a:spcPts val="0"/>
+              </a:spcAft>
+              <a:buSzPts val="2400"/>
+              <a:buChar char="❏"/>
+            </a:pPr>
             <a:r>
               <a:rPr lang="en" sz="2400"/>
-              <a:t> toxic text is possible and has been done! There are multiple pre-trained models that exist to detect hate speech on HuggingFace that have been trained on much more data.</a:t>
+              <a:t>There are pre-trained large language models that exist to detect hate speech that have been trained on much, much more data.</a:t>
             </a:r>
             <a:endParaRPr sz="2500"/>
           </a:p>
@@ -11360,6 +11577,427 @@
               <a:ea typeface="Arial"/>
               <a:cs typeface="Arial"/>
               <a:sym typeface="Arial"/>
+            </a:endParaRPr>
+          </a:p>
+        </p:txBody>
+      </p:sp>
+    </p:spTree>
+  </p:cSld>
+  <p:clrMapOvr>
+    <a:masterClrMapping/>
+  </p:clrMapOvr>
+</p:sld>
+</file>
+
+<file path=ppt/slides/slide20.xml><?xml version="1.0" encoding="utf-8"?>
+<p:sld xmlns:a="http://schemas.openxmlformats.org/drawingml/2006/main" xmlns:r="http://schemas.openxmlformats.org/officeDocument/2006/relationships" xmlns:mc="http://schemas.openxmlformats.org/markup-compatibility/2006" xmlns:mv="urn:schemas-microsoft-com:mac:vml" xmlns:p="http://schemas.openxmlformats.org/presentationml/2006/main" xmlns:c="http://schemas.openxmlformats.org/drawingml/2006/chart" xmlns:dgm="http://schemas.openxmlformats.org/drawingml/2006/diagram" xmlns:o="urn:schemas-microsoft-com:office:office" xmlns:v="urn:schemas-microsoft-com:vml" xmlns:pvml="urn:schemas-microsoft-com:office:powerpoint" xmlns:com="http://schemas.openxmlformats.org/drawingml/2006/compatibility" xmlns:p14="http://schemas.microsoft.com/office/powerpoint/2010/main" xmlns:p15="http://schemas.microsoft.com/office/powerpoint/2012/main" xmlns:ahyp="http://schemas.microsoft.com/office/drawing/2018/hyperlinkcolor">
+  <p:cSld>
+    <p:spTree>
+      <p:nvGrpSpPr>
+        <p:cNvPr id="193" name="Shape 193"/>
+        <p:cNvGrpSpPr/>
+        <p:nvPr/>
+      </p:nvGrpSpPr>
+      <p:grpSpPr>
+        <a:xfrm>
+          <a:off x="0" y="0"/>
+          <a:ext cx="0" cy="0"/>
+          <a:chOff x="0" y="0"/>
+          <a:chExt cx="0" cy="0"/>
+        </a:xfrm>
+      </p:grpSpPr>
+      <p:sp>
+        <p:nvSpPr>
+          <p:cNvPr id="194" name="Google Shape;194;p32"/>
+          <p:cNvSpPr txBox="1"/>
+          <p:nvPr>
+            <p:ph type="title"/>
+          </p:nvPr>
+        </p:nvSpPr>
+        <p:spPr>
+          <a:xfrm>
+            <a:off x="283100" y="712150"/>
+            <a:ext cx="8554800" cy="3835500"/>
+          </a:xfrm>
+          <a:prstGeom prst="rect">
+            <a:avLst/>
+          </a:prstGeom>
+        </p:spPr>
+        <p:txBody>
+          <a:bodyPr anchorCtr="0" anchor="ctr" bIns="91425" lIns="91425" spcFirstLastPara="1" rIns="91425" wrap="square" tIns="91425">
+            <a:noAutofit/>
+          </a:bodyPr>
+          <a:lstStyle/>
+          <a:p>
+            <a:pPr indent="457200" lvl="0" marL="1828800" rtl="0" algn="l">
+              <a:spcBef>
+                <a:spcPts val="0"/>
+              </a:spcBef>
+              <a:spcAft>
+                <a:spcPts val="0"/>
+              </a:spcAft>
+              <a:buNone/>
+            </a:pPr>
+            <a:r>
+              <a:rPr lang="en">
+                <a:solidFill>
+                  <a:schemeClr val="accent5"/>
+                </a:solidFill>
+              </a:rPr>
+              <a:t> </a:t>
+            </a:r>
+            <a:r>
+              <a:rPr lang="en">
+                <a:solidFill>
+                  <a:schemeClr val="accent5"/>
+                </a:solidFill>
+              </a:rPr>
+              <a:t>Thank you!</a:t>
+            </a:r>
+            <a:endParaRPr>
+              <a:solidFill>
+                <a:schemeClr val="accent5"/>
+              </a:solidFill>
+            </a:endParaRPr>
+          </a:p>
+          <a:p>
+            <a:pPr indent="0" lvl="0" marL="1828800" rtl="0" algn="l">
+              <a:spcBef>
+                <a:spcPts val="0"/>
+              </a:spcBef>
+              <a:spcAft>
+                <a:spcPts val="0"/>
+              </a:spcAft>
+              <a:buNone/>
+            </a:pPr>
+            <a:r>
+              <a:rPr lang="en">
+                <a:solidFill>
+                  <a:schemeClr val="accent5"/>
+                </a:solidFill>
+              </a:rPr>
+              <a:t>  </a:t>
+            </a:r>
+            <a:r>
+              <a:rPr lang="en" sz="2400" u="sng">
+                <a:solidFill>
+                  <a:schemeClr val="hlink"/>
+                </a:solidFill>
+                <a:hlinkClick r:id="rId3"/>
+              </a:rPr>
+              <a:t>Robbins_Heather@bah.com</a:t>
+            </a:r>
+            <a:endParaRPr sz="2400">
+              <a:solidFill>
+                <a:schemeClr val="accent5"/>
+              </a:solidFill>
+            </a:endParaRPr>
+          </a:p>
+          <a:p>
+            <a:pPr indent="0" lvl="0" marL="0" rtl="0" algn="l">
+              <a:spcBef>
+                <a:spcPts val="0"/>
+              </a:spcBef>
+              <a:spcAft>
+                <a:spcPts val="0"/>
+              </a:spcAft>
+              <a:buNone/>
+            </a:pPr>
+            <a:r>
+              <a:rPr lang="en" sz="2400"/>
+              <a:t>				   https://github.com/har1113</a:t>
+            </a:r>
+            <a:endParaRPr sz="2400"/>
+          </a:p>
+          <a:p>
+            <a:pPr indent="0" lvl="0" marL="0" rtl="0" algn="l">
+              <a:spcBef>
+                <a:spcPts val="0"/>
+              </a:spcBef>
+              <a:spcAft>
+                <a:spcPts val="0"/>
+              </a:spcAft>
+              <a:buNone/>
+            </a:pPr>
+            <a:r>
+              <a:t/>
+            </a:r>
+            <a:endParaRPr/>
+          </a:p>
+        </p:txBody>
+      </p:sp>
+    </p:spTree>
+  </p:cSld>
+  <p:clrMapOvr>
+    <a:masterClrMapping/>
+  </p:clrMapOvr>
+</p:sld>
+</file>
+
+<file path=ppt/slides/slide21.xml><?xml version="1.0" encoding="utf-8"?>
+<p:sld xmlns:a="http://schemas.openxmlformats.org/drawingml/2006/main" xmlns:r="http://schemas.openxmlformats.org/officeDocument/2006/relationships" xmlns:mc="http://schemas.openxmlformats.org/markup-compatibility/2006" xmlns:mv="urn:schemas-microsoft-com:mac:vml" xmlns:p="http://schemas.openxmlformats.org/presentationml/2006/main" xmlns:c="http://schemas.openxmlformats.org/drawingml/2006/chart" xmlns:dgm="http://schemas.openxmlformats.org/drawingml/2006/diagram" xmlns:o="urn:schemas-microsoft-com:office:office" xmlns:v="urn:schemas-microsoft-com:vml" xmlns:pvml="urn:schemas-microsoft-com:office:powerpoint" xmlns:com="http://schemas.openxmlformats.org/drawingml/2006/compatibility" xmlns:p14="http://schemas.microsoft.com/office/powerpoint/2010/main" xmlns:p15="http://schemas.microsoft.com/office/powerpoint/2012/main" xmlns:ahyp="http://schemas.microsoft.com/office/drawing/2018/hyperlinkcolor">
+  <p:cSld>
+    <p:spTree>
+      <p:nvGrpSpPr>
+        <p:cNvPr id="198" name="Shape 198"/>
+        <p:cNvGrpSpPr/>
+        <p:nvPr/>
+      </p:nvGrpSpPr>
+      <p:grpSpPr>
+        <a:xfrm>
+          <a:off x="0" y="0"/>
+          <a:ext cx="0" cy="0"/>
+          <a:chOff x="0" y="0"/>
+          <a:chExt cx="0" cy="0"/>
+        </a:xfrm>
+      </p:grpSpPr>
+      <p:sp>
+        <p:nvSpPr>
+          <p:cNvPr id="199" name="Google Shape;199;p33"/>
+          <p:cNvSpPr txBox="1"/>
+          <p:nvPr>
+            <p:ph type="title"/>
+          </p:nvPr>
+        </p:nvSpPr>
+        <p:spPr>
+          <a:xfrm>
+            <a:off x="283100" y="392675"/>
+            <a:ext cx="8527200" cy="4155000"/>
+          </a:xfrm>
+          <a:prstGeom prst="rect">
+            <a:avLst/>
+          </a:prstGeom>
+        </p:spPr>
+        <p:txBody>
+          <a:bodyPr anchorCtr="0" anchor="ctr" bIns="91425" lIns="91425" spcFirstLastPara="1" rIns="91425" wrap="square" tIns="91425">
+            <a:noAutofit/>
+          </a:bodyPr>
+          <a:lstStyle/>
+          <a:p>
+            <a:pPr indent="0" lvl="0" marL="0" rtl="0" algn="l">
+              <a:spcBef>
+                <a:spcPts val="0"/>
+              </a:spcBef>
+              <a:spcAft>
+                <a:spcPts val="0"/>
+              </a:spcAft>
+              <a:buNone/>
+            </a:pPr>
+            <a:r>
+              <a:rPr lang="en">
+                <a:solidFill>
+                  <a:schemeClr val="accent5"/>
+                </a:solidFill>
+                <a:highlight>
+                  <a:srgbClr val="353535"/>
+                </a:highlight>
+              </a:rPr>
+              <a:t>Resources:</a:t>
+            </a:r>
+            <a:endParaRPr>
+              <a:solidFill>
+                <a:schemeClr val="accent5"/>
+              </a:solidFill>
+              <a:highlight>
+                <a:srgbClr val="353535"/>
+              </a:highlight>
+            </a:endParaRPr>
+          </a:p>
+          <a:p>
+            <a:pPr indent="-361950" lvl="0" marL="457200" rtl="0" algn="l">
+              <a:spcBef>
+                <a:spcPts val="0"/>
+              </a:spcBef>
+              <a:spcAft>
+                <a:spcPts val="0"/>
+              </a:spcAft>
+              <a:buClr>
+                <a:schemeClr val="accent5"/>
+              </a:buClr>
+              <a:buSzPts val="2100"/>
+              <a:buChar char="-"/>
+            </a:pPr>
+            <a:r>
+              <a:rPr lang="en" sz="2100" u="sng">
+                <a:solidFill>
+                  <a:schemeClr val="hlink"/>
+                </a:solidFill>
+                <a:highlight>
+                  <a:srgbClr val="353535"/>
+                </a:highlight>
+                <a:hlinkClick r:id="rId3"/>
+              </a:rPr>
+              <a:t>https://www.kaggle.com/datasets/julian3833/jigsaw-toxic-comment-classification-challenge</a:t>
+            </a:r>
+            <a:endParaRPr sz="2100">
+              <a:solidFill>
+                <a:schemeClr val="accent5"/>
+              </a:solidFill>
+              <a:highlight>
+                <a:srgbClr val="353535"/>
+              </a:highlight>
+            </a:endParaRPr>
+          </a:p>
+          <a:p>
+            <a:pPr indent="-361950" lvl="0" marL="457200" rtl="0" algn="l">
+              <a:spcBef>
+                <a:spcPts val="0"/>
+              </a:spcBef>
+              <a:spcAft>
+                <a:spcPts val="0"/>
+              </a:spcAft>
+              <a:buClr>
+                <a:schemeClr val="accent5"/>
+              </a:buClr>
+              <a:buSzPts val="2100"/>
+              <a:buChar char="-"/>
+            </a:pPr>
+            <a:r>
+              <a:rPr lang="en" sz="2100" u="sng">
+                <a:solidFill>
+                  <a:schemeClr val="hlink"/>
+                </a:solidFill>
+                <a:highlight>
+                  <a:srgbClr val="353535"/>
+                </a:highlight>
+                <a:hlinkClick r:id="rId4"/>
+              </a:rPr>
+              <a:t>https://jigsaw.google.com/</a:t>
+            </a:r>
+            <a:endParaRPr sz="2100">
+              <a:solidFill>
+                <a:schemeClr val="accent5"/>
+              </a:solidFill>
+              <a:highlight>
+                <a:srgbClr val="353535"/>
+              </a:highlight>
+            </a:endParaRPr>
+          </a:p>
+          <a:p>
+            <a:pPr indent="-361950" lvl="0" marL="457200" rtl="0" algn="l">
+              <a:spcBef>
+                <a:spcPts val="0"/>
+              </a:spcBef>
+              <a:spcAft>
+                <a:spcPts val="0"/>
+              </a:spcAft>
+              <a:buClr>
+                <a:schemeClr val="accent5"/>
+              </a:buClr>
+              <a:buSzPts val="2100"/>
+              <a:buChar char="-"/>
+            </a:pPr>
+            <a:r>
+              <a:rPr lang="en" sz="2100" u="sng">
+                <a:solidFill>
+                  <a:schemeClr val="hlink"/>
+                </a:solidFill>
+                <a:highlight>
+                  <a:srgbClr val="353535"/>
+                </a:highlight>
+                <a:hlinkClick r:id="rId5"/>
+              </a:rPr>
+              <a:t>https://thedecisionlab.com/insights/health/tdl-brief-online-toxicity</a:t>
+            </a:r>
+            <a:endParaRPr sz="2100">
+              <a:solidFill>
+                <a:schemeClr val="accent5"/>
+              </a:solidFill>
+              <a:highlight>
+                <a:srgbClr val="353535"/>
+              </a:highlight>
+            </a:endParaRPr>
+          </a:p>
+          <a:p>
+            <a:pPr indent="-361950" lvl="0" marL="457200" rtl="0" algn="l">
+              <a:spcBef>
+                <a:spcPts val="0"/>
+              </a:spcBef>
+              <a:spcAft>
+                <a:spcPts val="0"/>
+              </a:spcAft>
+              <a:buClr>
+                <a:schemeClr val="accent5"/>
+              </a:buClr>
+              <a:buSzPts val="2100"/>
+              <a:buChar char="-"/>
+            </a:pPr>
+            <a:r>
+              <a:rPr lang="en" sz="2100" u="sng">
+                <a:solidFill>
+                  <a:schemeClr val="hlink"/>
+                </a:solidFill>
+                <a:highlight>
+                  <a:srgbClr val="353535"/>
+                </a:highlight>
+                <a:hlinkClick r:id="rId6"/>
+              </a:rPr>
+              <a:t>https://www.pewresearch.org/internet/2021/01/13/the-state-of-online-harassment/</a:t>
+            </a:r>
+            <a:endParaRPr sz="2100">
+              <a:solidFill>
+                <a:schemeClr val="accent5"/>
+              </a:solidFill>
+              <a:highlight>
+                <a:srgbClr val="353535"/>
+              </a:highlight>
+            </a:endParaRPr>
+          </a:p>
+          <a:p>
+            <a:pPr indent="-361950" lvl="0" marL="457200" rtl="0" algn="l">
+              <a:spcBef>
+                <a:spcPts val="0"/>
+              </a:spcBef>
+              <a:spcAft>
+                <a:spcPts val="0"/>
+              </a:spcAft>
+              <a:buClr>
+                <a:schemeClr val="accent5"/>
+              </a:buClr>
+              <a:buSzPts val="2100"/>
+              <a:buChar char="-"/>
+            </a:pPr>
+            <a:r>
+              <a:rPr lang="en" sz="2100" u="sng">
+                <a:solidFill>
+                  <a:schemeClr val="hlink"/>
+                </a:solidFill>
+                <a:highlight>
+                  <a:srgbClr val="353535"/>
+                </a:highlight>
+                <a:hlinkClick r:id="rId7"/>
+              </a:rPr>
+              <a:t>https://datareportal.com/</a:t>
+            </a:r>
+            <a:endParaRPr sz="2100">
+              <a:solidFill>
+                <a:schemeClr val="accent5"/>
+              </a:solidFill>
+              <a:highlight>
+                <a:srgbClr val="353535"/>
+              </a:highlight>
+            </a:endParaRPr>
+          </a:p>
+          <a:p>
+            <a:pPr indent="0" lvl="0" marL="0" rtl="0" algn="l">
+              <a:spcBef>
+                <a:spcPts val="0"/>
+              </a:spcBef>
+              <a:spcAft>
+                <a:spcPts val="0"/>
+              </a:spcAft>
+              <a:buNone/>
+            </a:pPr>
+            <a:r>
+              <a:t/>
+            </a:r>
+            <a:endParaRPr sz="2100">
+              <a:solidFill>
+                <a:schemeClr val="accent5"/>
+              </a:solidFill>
+              <a:highlight>
+                <a:srgbClr val="353535"/>
+              </a:highlight>
             </a:endParaRPr>
           </a:p>
         </p:txBody>
@@ -11998,6 +12636,14 @@
                   <a:schemeClr val="accent5"/>
                 </a:solidFill>
               </a:rPr>
+              <a:t>    </a:t>
+            </a:r>
+            <a:r>
+              <a:rPr lang="en" sz="3700">
+                <a:solidFill>
+                  <a:schemeClr val="accent5"/>
+                </a:solidFill>
+              </a:rPr>
               <a:t>Top 10 Multilabel Combinations</a:t>
             </a:r>
             <a:endParaRPr sz="3700">
@@ -12024,7 +12670,7 @@
         </p:blipFill>
         <p:spPr>
           <a:xfrm>
-            <a:off x="1740225" y="908925"/>
+            <a:off x="1816425" y="908925"/>
             <a:ext cx="5388923" cy="4102201"/>
           </a:xfrm>
           <a:prstGeom prst="rect">
@@ -12084,7 +12730,7 @@
           </a:bodyPr>
           <a:lstStyle/>
           <a:p>
-            <a:pPr indent="457200" lvl="0" marL="1371600" rtl="0" algn="l">
+            <a:pPr indent="0" lvl="0" marL="1371600" rtl="0" algn="l">
               <a:spcBef>
                 <a:spcPts val="0"/>
               </a:spcBef>
@@ -12095,7 +12741,7 @@
             </a:pPr>
             <a:r>
               <a:rPr lang="en"/>
-              <a:t>Text Data Flow</a:t>
+              <a:t>Text Data Lifecycle</a:t>
             </a:r>
             <a:endParaRPr/>
           </a:p>
